--- a/typescript-tutorials.pptx
+++ b/typescript-tutorials.pptx
@@ -3468,8 +3468,8 @@
         </p:nvSpPr>
         <p:spPr>
           <a:xfrm>
-            <a:off x="4097889" y="3085204"/>
-            <a:ext cx="3996222" cy="1538883"/>
+            <a:off x="888998" y="3085204"/>
+            <a:ext cx="10414006" cy="2893100"/>
           </a:xfrm>
           <a:prstGeom prst="rect">
             <a:avLst/>
@@ -3496,7 +3496,28 @@
               <a:rPr lang="en-US" sz="2800" dirty="0"/>
               <a:t>one-time setup</a:t>
             </a:r>
-            <a:endParaRPr lang="en-IN" sz="2800" dirty="0"/>
+          </a:p>
+          <a:p>
+            <a:pPr algn="ctr"/>
+            <a:endParaRPr lang="en-US" sz="2800" dirty="0"/>
+          </a:p>
+          <a:p>
+            <a:pPr algn="ctr"/>
+            <a:r>
+              <a:rPr lang="en-US" sz="6000" b="1" dirty="0">
+                <a:solidFill>
+                  <a:srgbClr val="002060"/>
+                </a:solidFill>
+                <a:latin typeface="Trebuchet MS" panose="020B0603020202020204" pitchFamily="34" charset="0"/>
+              </a:rPr>
+              <a:t>Creating first APP with Axios</a:t>
+            </a:r>
+            <a:endParaRPr lang="en-IN" sz="6000" b="1" dirty="0">
+              <a:solidFill>
+                <a:srgbClr val="002060"/>
+              </a:solidFill>
+              <a:latin typeface="Trebuchet MS" panose="020B0603020202020204" pitchFamily="34" charset="0"/>
+            </a:endParaRPr>
           </a:p>
         </p:txBody>
       </p:sp>
@@ -3561,8 +3582,8 @@
         </p:nvSpPr>
         <p:spPr>
           <a:xfrm flipV="1">
-            <a:off x="8303565" y="2683565"/>
-            <a:ext cx="685800" cy="685800"/>
+            <a:off x="8303565" y="3026465"/>
+            <a:ext cx="342900" cy="342900"/>
           </a:xfrm>
           <a:prstGeom prst="ellipse">
             <a:avLst/>
@@ -3618,8 +3639,8 @@
         </p:nvSpPr>
         <p:spPr>
           <a:xfrm flipV="1">
-            <a:off x="3049864" y="4463774"/>
-            <a:ext cx="1011582" cy="1011582"/>
+            <a:off x="329708" y="4450974"/>
+            <a:ext cx="426830" cy="426830"/>
           </a:xfrm>
           <a:prstGeom prst="ellipse">
             <a:avLst/>
@@ -3627,7 +3648,8 @@
           <a:noFill/>
           <a:ln w="44450">
             <a:solidFill>
-              <a:schemeClr val="bg1">
+              <a:schemeClr val="bg2">
+                <a:lumMod val="75000"/>
                 <a:alpha val="25000"/>
               </a:schemeClr>
             </a:solidFill>
@@ -3673,8 +3695,8 @@
         </p:nvSpPr>
         <p:spPr>
           <a:xfrm flipV="1">
-            <a:off x="10537473" y="580487"/>
-            <a:ext cx="1134814" cy="1134814"/>
+            <a:off x="10537473" y="1240217"/>
+            <a:ext cx="475084" cy="475084"/>
           </a:xfrm>
           <a:prstGeom prst="ellipse">
             <a:avLst/>
@@ -3787,7 +3809,7 @@
         </p:nvSpPr>
         <p:spPr>
           <a:xfrm flipV="1">
-            <a:off x="6939280" y="5475356"/>
+            <a:off x="9692419" y="6166528"/>
             <a:ext cx="426830" cy="426830"/>
           </a:xfrm>
           <a:prstGeom prst="ellipse">
@@ -3842,8 +3864,8 @@
         </p:nvSpPr>
         <p:spPr>
           <a:xfrm flipV="1">
-            <a:off x="10537473" y="3959932"/>
-            <a:ext cx="685800" cy="685800"/>
+            <a:off x="11303002" y="4358816"/>
+            <a:ext cx="345875" cy="345875"/>
           </a:xfrm>
           <a:prstGeom prst="ellipse">
             <a:avLst/>

--- a/typescript-tutorials.pptx
+++ b/typescript-tutorials.pptx
@@ -11,7 +11,12 @@
     <p:sldId id="260" r:id="rId5"/>
     <p:sldId id="261" r:id="rId6"/>
     <p:sldId id="262" r:id="rId7"/>
-    <p:sldId id="263" r:id="rId8"/>
+    <p:sldId id="264" r:id="rId8"/>
+    <p:sldId id="263" r:id="rId9"/>
+    <p:sldId id="265" r:id="rId10"/>
+    <p:sldId id="266" r:id="rId11"/>
+    <p:sldId id="268" r:id="rId12"/>
+    <p:sldId id="267" r:id="rId13"/>
   </p:sldIdLst>
   <p:sldSz cx="12192000" cy="6858000"/>
   <p:notesSz cx="6858000" cy="9144000"/>
@@ -267,7 +272,7 @@
           <a:p>
             <a:fld id="{0BD99723-41B8-49F9-B72A-1C6CA71BE0CC}" type="datetimeFigureOut">
               <a:rPr lang="en-IN" smtClean="0"/>
-              <a:t>03-10-2025</a:t>
+              <a:t>08-10-2025</a:t>
             </a:fld>
             <a:endParaRPr lang="en-IN"/>
           </a:p>
@@ -467,7 +472,7 @@
           <a:p>
             <a:fld id="{0BD99723-41B8-49F9-B72A-1C6CA71BE0CC}" type="datetimeFigureOut">
               <a:rPr lang="en-IN" smtClean="0"/>
-              <a:t>03-10-2025</a:t>
+              <a:t>08-10-2025</a:t>
             </a:fld>
             <a:endParaRPr lang="en-IN"/>
           </a:p>
@@ -677,7 +682,7 @@
           <a:p>
             <a:fld id="{0BD99723-41B8-49F9-B72A-1C6CA71BE0CC}" type="datetimeFigureOut">
               <a:rPr lang="en-IN" smtClean="0"/>
-              <a:t>03-10-2025</a:t>
+              <a:t>08-10-2025</a:t>
             </a:fld>
             <a:endParaRPr lang="en-IN"/>
           </a:p>
@@ -877,7 +882,7 @@
           <a:p>
             <a:fld id="{0BD99723-41B8-49F9-B72A-1C6CA71BE0CC}" type="datetimeFigureOut">
               <a:rPr lang="en-IN" smtClean="0"/>
-              <a:t>03-10-2025</a:t>
+              <a:t>08-10-2025</a:t>
             </a:fld>
             <a:endParaRPr lang="en-IN"/>
           </a:p>
@@ -1153,7 +1158,7 @@
           <a:p>
             <a:fld id="{0BD99723-41B8-49F9-B72A-1C6CA71BE0CC}" type="datetimeFigureOut">
               <a:rPr lang="en-IN" smtClean="0"/>
-              <a:t>03-10-2025</a:t>
+              <a:t>08-10-2025</a:t>
             </a:fld>
             <a:endParaRPr lang="en-IN"/>
           </a:p>
@@ -1421,7 +1426,7 @@
           <a:p>
             <a:fld id="{0BD99723-41B8-49F9-B72A-1C6CA71BE0CC}" type="datetimeFigureOut">
               <a:rPr lang="en-IN" smtClean="0"/>
-              <a:t>03-10-2025</a:t>
+              <a:t>08-10-2025</a:t>
             </a:fld>
             <a:endParaRPr lang="en-IN"/>
           </a:p>
@@ -1836,7 +1841,7 @@
           <a:p>
             <a:fld id="{0BD99723-41B8-49F9-B72A-1C6CA71BE0CC}" type="datetimeFigureOut">
               <a:rPr lang="en-IN" smtClean="0"/>
-              <a:t>03-10-2025</a:t>
+              <a:t>08-10-2025</a:t>
             </a:fld>
             <a:endParaRPr lang="en-IN"/>
           </a:p>
@@ -1978,7 +1983,7 @@
           <a:p>
             <a:fld id="{0BD99723-41B8-49F9-B72A-1C6CA71BE0CC}" type="datetimeFigureOut">
               <a:rPr lang="en-IN" smtClean="0"/>
-              <a:t>03-10-2025</a:t>
+              <a:t>08-10-2025</a:t>
             </a:fld>
             <a:endParaRPr lang="en-IN"/>
           </a:p>
@@ -2091,7 +2096,7 @@
           <a:p>
             <a:fld id="{0BD99723-41B8-49F9-B72A-1C6CA71BE0CC}" type="datetimeFigureOut">
               <a:rPr lang="en-IN" smtClean="0"/>
-              <a:t>03-10-2025</a:t>
+              <a:t>08-10-2025</a:t>
             </a:fld>
             <a:endParaRPr lang="en-IN"/>
           </a:p>
@@ -2404,7 +2409,7 @@
           <a:p>
             <a:fld id="{0BD99723-41B8-49F9-B72A-1C6CA71BE0CC}" type="datetimeFigureOut">
               <a:rPr lang="en-IN" smtClean="0"/>
-              <a:t>03-10-2025</a:t>
+              <a:t>08-10-2025</a:t>
             </a:fld>
             <a:endParaRPr lang="en-IN"/>
           </a:p>
@@ -2693,7 +2698,7 @@
           <a:p>
             <a:fld id="{0BD99723-41B8-49F9-B72A-1C6CA71BE0CC}" type="datetimeFigureOut">
               <a:rPr lang="en-IN" smtClean="0"/>
-              <a:t>03-10-2025</a:t>
+              <a:t>08-10-2025</a:t>
             </a:fld>
             <a:endParaRPr lang="en-IN"/>
           </a:p>
@@ -2936,7 +2941,7 @@
           <a:p>
             <a:fld id="{0BD99723-41B8-49F9-B72A-1C6CA71BE0CC}" type="datetimeFigureOut">
               <a:rPr lang="en-IN" smtClean="0"/>
-              <a:t>03-10-2025</a:t>
+              <a:t>08-10-2025</a:t>
             </a:fld>
             <a:endParaRPr lang="en-IN"/>
           </a:p>
@@ -3920,6 +3925,858 @@
 </p:sld>
 </file>
 
+<file path=ppt/slides/slide10.xml><?xml version="1.0" encoding="utf-8"?>
+<p:sld xmlns:a="http://schemas.openxmlformats.org/drawingml/2006/main" xmlns:r="http://schemas.openxmlformats.org/officeDocument/2006/relationships" xmlns:p="http://schemas.openxmlformats.org/presentationml/2006/main">
+  <p:cSld>
+    <p:bg>
+      <p:bgPr>
+        <a:solidFill>
+          <a:schemeClr val="bg1"/>
+        </a:solidFill>
+        <a:effectLst/>
+      </p:bgPr>
+    </p:bg>
+    <p:spTree>
+      <p:nvGrpSpPr>
+        <p:cNvPr id="1" name="">
+          <a:extLst>
+            <a:ext uri="{FF2B5EF4-FFF2-40B4-BE49-F238E27FC236}">
+              <a16:creationId xmlns:a16="http://schemas.microsoft.com/office/drawing/2014/main" id="{C2471D9E-3809-7379-ED66-33A3B8EA7E4C}"/>
+            </a:ext>
+          </a:extLst>
+        </p:cNvPr>
+        <p:cNvGrpSpPr/>
+        <p:nvPr/>
+      </p:nvGrpSpPr>
+      <p:grpSpPr>
+        <a:xfrm>
+          <a:off x="0" y="0"/>
+          <a:ext cx="0" cy="0"/>
+          <a:chOff x="0" y="0"/>
+          <a:chExt cx="0" cy="0"/>
+        </a:xfrm>
+      </p:grpSpPr>
+      <p:sp>
+        <p:nvSpPr>
+          <p:cNvPr id="2" name="Title 1">
+            <a:extLst>
+              <a:ext uri="{FF2B5EF4-FFF2-40B4-BE49-F238E27FC236}">
+                <a16:creationId xmlns:a16="http://schemas.microsoft.com/office/drawing/2014/main" id="{BCD809C6-6BEE-D58B-7476-0F534B871508}"/>
+              </a:ext>
+            </a:extLst>
+          </p:cNvPr>
+          <p:cNvSpPr>
+            <a:spLocks noGrp="1"/>
+          </p:cNvSpPr>
+          <p:nvPr>
+            <p:ph type="ctrTitle"/>
+          </p:nvPr>
+        </p:nvSpPr>
+        <p:spPr>
+          <a:xfrm>
+            <a:off x="0" y="-519142"/>
+            <a:ext cx="3720548" cy="438771"/>
+          </a:xfrm>
+        </p:spPr>
+        <p:txBody>
+          <a:bodyPr>
+            <a:normAutofit/>
+          </a:bodyPr>
+          <a:lstStyle/>
+          <a:p>
+            <a:pPr algn="l"/>
+            <a:r>
+              <a:rPr lang="en-US" sz="2400" dirty="0">
+                <a:solidFill>
+                  <a:schemeClr val="bg1"/>
+                </a:solidFill>
+              </a:rPr>
+              <a:t>Types – chapter 6</a:t>
+            </a:r>
+            <a:endParaRPr lang="en-IN" sz="2400" dirty="0">
+              <a:solidFill>
+                <a:schemeClr val="bg1"/>
+              </a:solidFill>
+            </a:endParaRPr>
+          </a:p>
+        </p:txBody>
+      </p:sp>
+      <p:pic>
+        <p:nvPicPr>
+          <p:cNvPr id="1026" name="Picture 2" descr="Typescript - Free logo icons">
+            <a:extLst>
+              <a:ext uri="{FF2B5EF4-FFF2-40B4-BE49-F238E27FC236}">
+                <a16:creationId xmlns:a16="http://schemas.microsoft.com/office/drawing/2014/main" id="{9A5697C6-56B6-E6D8-C43F-7D6926EC1618}"/>
+              </a:ext>
+            </a:extLst>
+          </p:cNvPr>
+          <p:cNvPicPr>
+            <a:picLocks noChangeAspect="1" noChangeArrowheads="1"/>
+          </p:cNvPicPr>
+          <p:nvPr/>
+        </p:nvPicPr>
+        <p:blipFill>
+          <a:blip r:embed="rId2">
+            <a:extLst>
+              <a:ext uri="{28A0092B-C50C-407E-A947-70E740481C1C}">
+                <a14:useLocalDpi xmlns:a14="http://schemas.microsoft.com/office/drawing/2010/main" val="0"/>
+              </a:ext>
+            </a:extLst>
+          </a:blip>
+          <a:srcRect/>
+          <a:stretch>
+            <a:fillRect/>
+          </a:stretch>
+        </p:blipFill>
+        <p:spPr bwMode="auto">
+          <a:xfrm>
+            <a:off x="246014" y="268224"/>
+            <a:ext cx="767777" cy="767777"/>
+          </a:xfrm>
+          <a:prstGeom prst="rect">
+            <a:avLst/>
+          </a:prstGeom>
+          <a:noFill/>
+          <a:extLst>
+            <a:ext uri="{909E8E84-426E-40DD-AFC4-6F175D3DCCD1}">
+              <a14:hiddenFill xmlns:a14="http://schemas.microsoft.com/office/drawing/2010/main">
+                <a:solidFill>
+                  <a:srgbClr val="FFFFFF"/>
+                </a:solidFill>
+              </a14:hiddenFill>
+            </a:ext>
+          </a:extLst>
+        </p:spPr>
+      </p:pic>
+      <p:sp>
+        <p:nvSpPr>
+          <p:cNvPr id="3" name="TextBox 2">
+            <a:extLst>
+              <a:ext uri="{FF2B5EF4-FFF2-40B4-BE49-F238E27FC236}">
+                <a16:creationId xmlns:a16="http://schemas.microsoft.com/office/drawing/2014/main" id="{F371C8C1-C14D-453F-43D6-0817F65915F3}"/>
+              </a:ext>
+            </a:extLst>
+          </p:cNvPr>
+          <p:cNvSpPr txBox="1"/>
+          <p:nvPr/>
+        </p:nvSpPr>
+        <p:spPr>
+          <a:xfrm>
+            <a:off x="1013791" y="482602"/>
+            <a:ext cx="4993184" cy="646331"/>
+          </a:xfrm>
+          <a:prstGeom prst="rect">
+            <a:avLst/>
+          </a:prstGeom>
+          <a:noFill/>
+        </p:spPr>
+        <p:txBody>
+          <a:bodyPr wrap="square" rtlCol="0">
+            <a:spAutoFit/>
+          </a:bodyPr>
+          <a:lstStyle/>
+          <a:p>
+            <a:r>
+              <a:rPr lang="en-US" sz="3600" dirty="0">
+                <a:solidFill>
+                  <a:srgbClr val="0037DA"/>
+                </a:solidFill>
+                <a:latin typeface="Segoe UI Variable Text Semibold" pitchFamily="2" charset="0"/>
+              </a:rPr>
+              <a:t>TypeScript</a:t>
+            </a:r>
+            <a:endParaRPr lang="en-IN" sz="3600" b="1" dirty="0">
+              <a:latin typeface="Bahnschrift SemiBold SemiConden" panose="020B0502040204020203" pitchFamily="34" charset="0"/>
+            </a:endParaRPr>
+          </a:p>
+        </p:txBody>
+      </p:sp>
+      <p:sp>
+        <p:nvSpPr>
+          <p:cNvPr id="10" name="TextBox 9">
+            <a:extLst>
+              <a:ext uri="{FF2B5EF4-FFF2-40B4-BE49-F238E27FC236}">
+                <a16:creationId xmlns:a16="http://schemas.microsoft.com/office/drawing/2014/main" id="{54F5428E-8182-1752-9B83-198E076EDA25}"/>
+              </a:ext>
+            </a:extLst>
+          </p:cNvPr>
+          <p:cNvSpPr txBox="1"/>
+          <p:nvPr/>
+        </p:nvSpPr>
+        <p:spPr>
+          <a:xfrm>
+            <a:off x="8827825" y="288785"/>
+            <a:ext cx="3118161" cy="1015663"/>
+          </a:xfrm>
+          <a:prstGeom prst="rect">
+            <a:avLst/>
+          </a:prstGeom>
+          <a:noFill/>
+        </p:spPr>
+        <p:txBody>
+          <a:bodyPr wrap="none" rtlCol="0">
+            <a:spAutoFit/>
+          </a:bodyPr>
+          <a:lstStyle/>
+          <a:p>
+            <a:r>
+              <a:rPr lang="en-US" sz="6000" b="1" dirty="0">
+                <a:solidFill>
+                  <a:srgbClr val="92D050"/>
+                </a:solidFill>
+                <a:latin typeface="Bahnschrift SemiBold SemiConden" panose="020B0502040204020203" pitchFamily="34" charset="0"/>
+              </a:rPr>
+              <a:t>Chapter 3</a:t>
+            </a:r>
+            <a:endParaRPr lang="en-IN" sz="6000" dirty="0">
+              <a:solidFill>
+                <a:srgbClr val="92D050"/>
+              </a:solidFill>
+            </a:endParaRPr>
+          </a:p>
+        </p:txBody>
+      </p:sp>
+      <p:pic>
+        <p:nvPicPr>
+          <p:cNvPr id="16" name="Picture 15">
+            <a:extLst>
+              <a:ext uri="{FF2B5EF4-FFF2-40B4-BE49-F238E27FC236}">
+                <a16:creationId xmlns:a16="http://schemas.microsoft.com/office/drawing/2014/main" id="{734296C4-5814-8154-A8D2-A8B80F7F04C5}"/>
+              </a:ext>
+            </a:extLst>
+          </p:cNvPr>
+          <p:cNvPicPr>
+            <a:picLocks noChangeAspect="1"/>
+          </p:cNvPicPr>
+          <p:nvPr/>
+        </p:nvPicPr>
+        <p:blipFill>
+          <a:blip r:embed="rId3">
+            <a:extLst>
+              <a:ext uri="{28A0092B-C50C-407E-A947-70E740481C1C}">
+                <a14:useLocalDpi xmlns:a14="http://schemas.microsoft.com/office/drawing/2010/main" val="0"/>
+              </a:ext>
+            </a:extLst>
+          </a:blip>
+          <a:stretch>
+            <a:fillRect/>
+          </a:stretch>
+        </p:blipFill>
+        <p:spPr>
+          <a:xfrm>
+            <a:off x="790161" y="2294417"/>
+            <a:ext cx="10611678" cy="3740629"/>
+          </a:xfrm>
+          <a:prstGeom prst="rect">
+            <a:avLst/>
+          </a:prstGeom>
+        </p:spPr>
+      </p:pic>
+    </p:spTree>
+    <p:extLst>
+      <p:ext uri="{BB962C8B-B14F-4D97-AF65-F5344CB8AC3E}">
+        <p14:creationId xmlns:p14="http://schemas.microsoft.com/office/powerpoint/2010/main" val="1807510711"/>
+      </p:ext>
+    </p:extLst>
+  </p:cSld>
+  <p:clrMapOvr>
+    <a:masterClrMapping/>
+  </p:clrMapOvr>
+</p:sld>
+</file>
+
+<file path=ppt/slides/slide11.xml><?xml version="1.0" encoding="utf-8"?>
+<p:sld xmlns:a="http://schemas.openxmlformats.org/drawingml/2006/main" xmlns:r="http://schemas.openxmlformats.org/officeDocument/2006/relationships" xmlns:p="http://schemas.openxmlformats.org/presentationml/2006/main">
+  <p:cSld>
+    <p:bg>
+      <p:bgPr>
+        <a:solidFill>
+          <a:schemeClr val="bg1"/>
+        </a:solidFill>
+        <a:effectLst/>
+      </p:bgPr>
+    </p:bg>
+    <p:spTree>
+      <p:nvGrpSpPr>
+        <p:cNvPr id="1" name="">
+          <a:extLst>
+            <a:ext uri="{FF2B5EF4-FFF2-40B4-BE49-F238E27FC236}">
+              <a16:creationId xmlns:a16="http://schemas.microsoft.com/office/drawing/2014/main" id="{6DC473D8-B99A-B4CA-38F3-8A2DDA2E869B}"/>
+            </a:ext>
+          </a:extLst>
+        </p:cNvPr>
+        <p:cNvGrpSpPr/>
+        <p:nvPr/>
+      </p:nvGrpSpPr>
+      <p:grpSpPr>
+        <a:xfrm>
+          <a:off x="0" y="0"/>
+          <a:ext cx="0" cy="0"/>
+          <a:chOff x="0" y="0"/>
+          <a:chExt cx="0" cy="0"/>
+        </a:xfrm>
+      </p:grpSpPr>
+      <p:sp>
+        <p:nvSpPr>
+          <p:cNvPr id="2" name="Title 1">
+            <a:extLst>
+              <a:ext uri="{FF2B5EF4-FFF2-40B4-BE49-F238E27FC236}">
+                <a16:creationId xmlns:a16="http://schemas.microsoft.com/office/drawing/2014/main" id="{13CDB2B0-59F1-0FAE-95B1-19D3DB6F83B4}"/>
+              </a:ext>
+            </a:extLst>
+          </p:cNvPr>
+          <p:cNvSpPr>
+            <a:spLocks noGrp="1"/>
+          </p:cNvSpPr>
+          <p:nvPr>
+            <p:ph type="ctrTitle"/>
+          </p:nvPr>
+        </p:nvSpPr>
+        <p:spPr>
+          <a:xfrm>
+            <a:off x="0" y="-519142"/>
+            <a:ext cx="3720548" cy="438771"/>
+          </a:xfrm>
+        </p:spPr>
+        <p:txBody>
+          <a:bodyPr>
+            <a:normAutofit/>
+          </a:bodyPr>
+          <a:lstStyle/>
+          <a:p>
+            <a:pPr algn="l"/>
+            <a:r>
+              <a:rPr lang="en-US" sz="2400" dirty="0">
+                <a:solidFill>
+                  <a:schemeClr val="bg1"/>
+                </a:solidFill>
+              </a:rPr>
+              <a:t>Types – chapter 6</a:t>
+            </a:r>
+            <a:endParaRPr lang="en-IN" sz="2400" dirty="0">
+              <a:solidFill>
+                <a:schemeClr val="bg1"/>
+              </a:solidFill>
+            </a:endParaRPr>
+          </a:p>
+        </p:txBody>
+      </p:sp>
+      <p:pic>
+        <p:nvPicPr>
+          <p:cNvPr id="1026" name="Picture 2" descr="Typescript - Free logo icons">
+            <a:extLst>
+              <a:ext uri="{FF2B5EF4-FFF2-40B4-BE49-F238E27FC236}">
+                <a16:creationId xmlns:a16="http://schemas.microsoft.com/office/drawing/2014/main" id="{D873E9F2-A285-C156-32BC-D94449E99ED2}"/>
+              </a:ext>
+            </a:extLst>
+          </p:cNvPr>
+          <p:cNvPicPr>
+            <a:picLocks noChangeAspect="1" noChangeArrowheads="1"/>
+          </p:cNvPicPr>
+          <p:nvPr/>
+        </p:nvPicPr>
+        <p:blipFill>
+          <a:blip r:embed="rId2">
+            <a:extLst>
+              <a:ext uri="{28A0092B-C50C-407E-A947-70E740481C1C}">
+                <a14:useLocalDpi xmlns:a14="http://schemas.microsoft.com/office/drawing/2010/main" val="0"/>
+              </a:ext>
+            </a:extLst>
+          </a:blip>
+          <a:srcRect/>
+          <a:stretch>
+            <a:fillRect/>
+          </a:stretch>
+        </p:blipFill>
+        <p:spPr bwMode="auto">
+          <a:xfrm>
+            <a:off x="246014" y="268224"/>
+            <a:ext cx="767777" cy="767777"/>
+          </a:xfrm>
+          <a:prstGeom prst="rect">
+            <a:avLst/>
+          </a:prstGeom>
+          <a:noFill/>
+          <a:extLst>
+            <a:ext uri="{909E8E84-426E-40DD-AFC4-6F175D3DCCD1}">
+              <a14:hiddenFill xmlns:a14="http://schemas.microsoft.com/office/drawing/2010/main">
+                <a:solidFill>
+                  <a:srgbClr val="FFFFFF"/>
+                </a:solidFill>
+              </a14:hiddenFill>
+            </a:ext>
+          </a:extLst>
+        </p:spPr>
+      </p:pic>
+      <p:sp>
+        <p:nvSpPr>
+          <p:cNvPr id="3" name="TextBox 2">
+            <a:extLst>
+              <a:ext uri="{FF2B5EF4-FFF2-40B4-BE49-F238E27FC236}">
+                <a16:creationId xmlns:a16="http://schemas.microsoft.com/office/drawing/2014/main" id="{930D2C36-1C63-F7A4-0133-E641F8E573CA}"/>
+              </a:ext>
+            </a:extLst>
+          </p:cNvPr>
+          <p:cNvSpPr txBox="1"/>
+          <p:nvPr/>
+        </p:nvSpPr>
+        <p:spPr>
+          <a:xfrm>
+            <a:off x="1013791" y="482602"/>
+            <a:ext cx="4993184" cy="646331"/>
+          </a:xfrm>
+          <a:prstGeom prst="rect">
+            <a:avLst/>
+          </a:prstGeom>
+          <a:noFill/>
+        </p:spPr>
+        <p:txBody>
+          <a:bodyPr wrap="square" rtlCol="0">
+            <a:spAutoFit/>
+          </a:bodyPr>
+          <a:lstStyle/>
+          <a:p>
+            <a:r>
+              <a:rPr lang="en-US" sz="3600" dirty="0">
+                <a:solidFill>
+                  <a:srgbClr val="0037DA"/>
+                </a:solidFill>
+                <a:latin typeface="Segoe UI Variable Text Semibold" pitchFamily="2" charset="0"/>
+              </a:rPr>
+              <a:t>TypeScript</a:t>
+            </a:r>
+            <a:endParaRPr lang="en-IN" sz="3600" b="1" dirty="0">
+              <a:latin typeface="Bahnschrift SemiBold SemiConden" panose="020B0502040204020203" pitchFamily="34" charset="0"/>
+            </a:endParaRPr>
+          </a:p>
+        </p:txBody>
+      </p:sp>
+      <p:sp>
+        <p:nvSpPr>
+          <p:cNvPr id="10" name="TextBox 9">
+            <a:extLst>
+              <a:ext uri="{FF2B5EF4-FFF2-40B4-BE49-F238E27FC236}">
+                <a16:creationId xmlns:a16="http://schemas.microsoft.com/office/drawing/2014/main" id="{2DDF3C19-E60E-47B9-646C-D11A4D514E96}"/>
+              </a:ext>
+            </a:extLst>
+          </p:cNvPr>
+          <p:cNvSpPr txBox="1"/>
+          <p:nvPr/>
+        </p:nvSpPr>
+        <p:spPr>
+          <a:xfrm>
+            <a:off x="8827825" y="288785"/>
+            <a:ext cx="3118161" cy="1015663"/>
+          </a:xfrm>
+          <a:prstGeom prst="rect">
+            <a:avLst/>
+          </a:prstGeom>
+          <a:noFill/>
+        </p:spPr>
+        <p:txBody>
+          <a:bodyPr wrap="none" rtlCol="0">
+            <a:spAutoFit/>
+          </a:bodyPr>
+          <a:lstStyle/>
+          <a:p>
+            <a:r>
+              <a:rPr lang="en-US" sz="6000" b="1" dirty="0">
+                <a:solidFill>
+                  <a:srgbClr val="92D050"/>
+                </a:solidFill>
+                <a:latin typeface="Bahnschrift SemiBold SemiConden" panose="020B0502040204020203" pitchFamily="34" charset="0"/>
+              </a:rPr>
+              <a:t>Chapter 3</a:t>
+            </a:r>
+            <a:endParaRPr lang="en-IN" sz="6000" dirty="0">
+              <a:solidFill>
+                <a:srgbClr val="92D050"/>
+              </a:solidFill>
+            </a:endParaRPr>
+          </a:p>
+        </p:txBody>
+      </p:sp>
+      <p:sp>
+        <p:nvSpPr>
+          <p:cNvPr id="4" name="TextBox 3">
+            <a:extLst>
+              <a:ext uri="{FF2B5EF4-FFF2-40B4-BE49-F238E27FC236}">
+                <a16:creationId xmlns:a16="http://schemas.microsoft.com/office/drawing/2014/main" id="{B59BEACD-10F3-6806-C908-1EECD4ADF276}"/>
+              </a:ext>
+            </a:extLst>
+          </p:cNvPr>
+          <p:cNvSpPr txBox="1"/>
+          <p:nvPr/>
+        </p:nvSpPr>
+        <p:spPr>
+          <a:xfrm>
+            <a:off x="2643952" y="2644170"/>
+            <a:ext cx="7413329" cy="1569660"/>
+          </a:xfrm>
+          <a:prstGeom prst="rect">
+            <a:avLst/>
+          </a:prstGeom>
+          <a:noFill/>
+        </p:spPr>
+        <p:txBody>
+          <a:bodyPr wrap="square" rtlCol="0">
+            <a:spAutoFit/>
+          </a:bodyPr>
+          <a:lstStyle/>
+          <a:p>
+            <a:pPr algn="ctr"/>
+            <a:r>
+              <a:rPr lang="en-US" sz="9600" b="1" dirty="0">
+                <a:solidFill>
+                  <a:schemeClr val="accent1"/>
+                </a:solidFill>
+                <a:latin typeface="Bahnschrift SemiBold SemiConden" panose="020B0502040204020203" pitchFamily="34" charset="0"/>
+              </a:rPr>
+              <a:t>Examples</a:t>
+            </a:r>
+            <a:endParaRPr lang="en-US" sz="2800" dirty="0">
+              <a:solidFill>
+                <a:schemeClr val="tx1">
+                  <a:lumMod val="65000"/>
+                  <a:lumOff val="35000"/>
+                </a:schemeClr>
+              </a:solidFill>
+              <a:latin typeface="Trebuchet MS" panose="020B0603020202020204" pitchFamily="34" charset="0"/>
+            </a:endParaRPr>
+          </a:p>
+        </p:txBody>
+      </p:sp>
+    </p:spTree>
+    <p:extLst>
+      <p:ext uri="{BB962C8B-B14F-4D97-AF65-F5344CB8AC3E}">
+        <p14:creationId xmlns:p14="http://schemas.microsoft.com/office/powerpoint/2010/main" val="1129491781"/>
+      </p:ext>
+    </p:extLst>
+  </p:cSld>
+  <p:clrMapOvr>
+    <a:masterClrMapping/>
+  </p:clrMapOvr>
+</p:sld>
+</file>
+
+<file path=ppt/slides/slide12.xml><?xml version="1.0" encoding="utf-8"?>
+<p:sld xmlns:a="http://schemas.openxmlformats.org/drawingml/2006/main" xmlns:r="http://schemas.openxmlformats.org/officeDocument/2006/relationships" xmlns:p="http://schemas.openxmlformats.org/presentationml/2006/main">
+  <p:cSld>
+    <p:bg>
+      <p:bgPr>
+        <a:solidFill>
+          <a:schemeClr val="bg1"/>
+        </a:solidFill>
+        <a:effectLst/>
+      </p:bgPr>
+    </p:bg>
+    <p:spTree>
+      <p:nvGrpSpPr>
+        <p:cNvPr id="1" name="">
+          <a:extLst>
+            <a:ext uri="{FF2B5EF4-FFF2-40B4-BE49-F238E27FC236}">
+              <a16:creationId xmlns:a16="http://schemas.microsoft.com/office/drawing/2014/main" id="{2322FEC1-1A90-935C-A82D-844CFCC27521}"/>
+            </a:ext>
+          </a:extLst>
+        </p:cNvPr>
+        <p:cNvGrpSpPr/>
+        <p:nvPr/>
+      </p:nvGrpSpPr>
+      <p:grpSpPr>
+        <a:xfrm>
+          <a:off x="0" y="0"/>
+          <a:ext cx="0" cy="0"/>
+          <a:chOff x="0" y="0"/>
+          <a:chExt cx="0" cy="0"/>
+        </a:xfrm>
+      </p:grpSpPr>
+      <p:sp>
+        <p:nvSpPr>
+          <p:cNvPr id="2" name="Title 1">
+            <a:extLst>
+              <a:ext uri="{FF2B5EF4-FFF2-40B4-BE49-F238E27FC236}">
+                <a16:creationId xmlns:a16="http://schemas.microsoft.com/office/drawing/2014/main" id="{B58143DA-2EBB-A414-C29D-C7CC523A0658}"/>
+              </a:ext>
+            </a:extLst>
+          </p:cNvPr>
+          <p:cNvSpPr>
+            <a:spLocks noGrp="1"/>
+          </p:cNvSpPr>
+          <p:nvPr>
+            <p:ph type="ctrTitle"/>
+          </p:nvPr>
+        </p:nvSpPr>
+        <p:spPr>
+          <a:xfrm>
+            <a:off x="0" y="-519142"/>
+            <a:ext cx="3720548" cy="438771"/>
+          </a:xfrm>
+        </p:spPr>
+        <p:txBody>
+          <a:bodyPr>
+            <a:normAutofit/>
+          </a:bodyPr>
+          <a:lstStyle/>
+          <a:p>
+            <a:pPr algn="l"/>
+            <a:r>
+              <a:rPr lang="en-US" sz="2400" dirty="0">
+                <a:solidFill>
+                  <a:schemeClr val="bg1"/>
+                </a:solidFill>
+              </a:rPr>
+              <a:t>Types – chapter 6</a:t>
+            </a:r>
+            <a:endParaRPr lang="en-IN" sz="2400" dirty="0">
+              <a:solidFill>
+                <a:schemeClr val="bg1"/>
+              </a:solidFill>
+            </a:endParaRPr>
+          </a:p>
+        </p:txBody>
+      </p:sp>
+      <p:pic>
+        <p:nvPicPr>
+          <p:cNvPr id="1026" name="Picture 2" descr="Typescript - Free logo icons">
+            <a:extLst>
+              <a:ext uri="{FF2B5EF4-FFF2-40B4-BE49-F238E27FC236}">
+                <a16:creationId xmlns:a16="http://schemas.microsoft.com/office/drawing/2014/main" id="{E0E08FCD-5DDE-D7F8-0CC1-BBFA9CEBB363}"/>
+              </a:ext>
+            </a:extLst>
+          </p:cNvPr>
+          <p:cNvPicPr>
+            <a:picLocks noChangeAspect="1" noChangeArrowheads="1"/>
+          </p:cNvPicPr>
+          <p:nvPr/>
+        </p:nvPicPr>
+        <p:blipFill>
+          <a:blip r:embed="rId2">
+            <a:extLst>
+              <a:ext uri="{28A0092B-C50C-407E-A947-70E740481C1C}">
+                <a14:useLocalDpi xmlns:a14="http://schemas.microsoft.com/office/drawing/2010/main" val="0"/>
+              </a:ext>
+            </a:extLst>
+          </a:blip>
+          <a:srcRect/>
+          <a:stretch>
+            <a:fillRect/>
+          </a:stretch>
+        </p:blipFill>
+        <p:spPr bwMode="auto">
+          <a:xfrm>
+            <a:off x="246014" y="268224"/>
+            <a:ext cx="767777" cy="767777"/>
+          </a:xfrm>
+          <a:prstGeom prst="rect">
+            <a:avLst/>
+          </a:prstGeom>
+          <a:noFill/>
+          <a:extLst>
+            <a:ext uri="{909E8E84-426E-40DD-AFC4-6F175D3DCCD1}">
+              <a14:hiddenFill xmlns:a14="http://schemas.microsoft.com/office/drawing/2010/main">
+                <a:solidFill>
+                  <a:srgbClr val="FFFFFF"/>
+                </a:solidFill>
+              </a14:hiddenFill>
+            </a:ext>
+          </a:extLst>
+        </p:spPr>
+      </p:pic>
+      <p:sp>
+        <p:nvSpPr>
+          <p:cNvPr id="3" name="TextBox 2">
+            <a:extLst>
+              <a:ext uri="{FF2B5EF4-FFF2-40B4-BE49-F238E27FC236}">
+                <a16:creationId xmlns:a16="http://schemas.microsoft.com/office/drawing/2014/main" id="{83454EFB-0C74-6F93-4603-53864A181976}"/>
+              </a:ext>
+            </a:extLst>
+          </p:cNvPr>
+          <p:cNvSpPr txBox="1"/>
+          <p:nvPr/>
+        </p:nvSpPr>
+        <p:spPr>
+          <a:xfrm>
+            <a:off x="1013791" y="482602"/>
+            <a:ext cx="4993184" cy="646331"/>
+          </a:xfrm>
+          <a:prstGeom prst="rect">
+            <a:avLst/>
+          </a:prstGeom>
+          <a:noFill/>
+        </p:spPr>
+        <p:txBody>
+          <a:bodyPr wrap="square" rtlCol="0">
+            <a:spAutoFit/>
+          </a:bodyPr>
+          <a:lstStyle/>
+          <a:p>
+            <a:r>
+              <a:rPr lang="en-US" sz="3600" dirty="0">
+                <a:solidFill>
+                  <a:srgbClr val="0037DA"/>
+                </a:solidFill>
+                <a:latin typeface="Segoe UI Variable Text Semibold" pitchFamily="2" charset="0"/>
+              </a:rPr>
+              <a:t>TypeScript</a:t>
+            </a:r>
+            <a:endParaRPr lang="en-IN" sz="3600" b="1" dirty="0">
+              <a:latin typeface="Bahnschrift SemiBold SemiConden" panose="020B0502040204020203" pitchFamily="34" charset="0"/>
+            </a:endParaRPr>
+          </a:p>
+        </p:txBody>
+      </p:sp>
+      <p:sp>
+        <p:nvSpPr>
+          <p:cNvPr id="10" name="TextBox 9">
+            <a:extLst>
+              <a:ext uri="{FF2B5EF4-FFF2-40B4-BE49-F238E27FC236}">
+                <a16:creationId xmlns:a16="http://schemas.microsoft.com/office/drawing/2014/main" id="{C3E1C2F7-5ED2-3A81-B435-66FBC88CD887}"/>
+              </a:ext>
+            </a:extLst>
+          </p:cNvPr>
+          <p:cNvSpPr txBox="1"/>
+          <p:nvPr/>
+        </p:nvSpPr>
+        <p:spPr>
+          <a:xfrm>
+            <a:off x="8827825" y="288785"/>
+            <a:ext cx="3118161" cy="1015663"/>
+          </a:xfrm>
+          <a:prstGeom prst="rect">
+            <a:avLst/>
+          </a:prstGeom>
+          <a:noFill/>
+        </p:spPr>
+        <p:txBody>
+          <a:bodyPr wrap="none" rtlCol="0">
+            <a:spAutoFit/>
+          </a:bodyPr>
+          <a:lstStyle/>
+          <a:p>
+            <a:r>
+              <a:rPr lang="en-US" sz="6000" b="1" dirty="0">
+                <a:solidFill>
+                  <a:srgbClr val="92D050"/>
+                </a:solidFill>
+                <a:latin typeface="Bahnschrift SemiBold SemiConden" panose="020B0502040204020203" pitchFamily="34" charset="0"/>
+              </a:rPr>
+              <a:t>Chapter 3</a:t>
+            </a:r>
+            <a:endParaRPr lang="en-IN" sz="6000" dirty="0">
+              <a:solidFill>
+                <a:srgbClr val="92D050"/>
+              </a:solidFill>
+            </a:endParaRPr>
+          </a:p>
+        </p:txBody>
+      </p:sp>
+      <p:sp>
+        <p:nvSpPr>
+          <p:cNvPr id="4" name="TextBox 3">
+            <a:extLst>
+              <a:ext uri="{FF2B5EF4-FFF2-40B4-BE49-F238E27FC236}">
+                <a16:creationId xmlns:a16="http://schemas.microsoft.com/office/drawing/2014/main" id="{F4FB6286-D3C6-8DA6-7003-BC0B1BB457DF}"/>
+              </a:ext>
+            </a:extLst>
+          </p:cNvPr>
+          <p:cNvSpPr txBox="1"/>
+          <p:nvPr/>
+        </p:nvSpPr>
+        <p:spPr>
+          <a:xfrm>
+            <a:off x="335280" y="1691906"/>
+            <a:ext cx="11610706" cy="4031873"/>
+          </a:xfrm>
+          <a:prstGeom prst="rect">
+            <a:avLst/>
+          </a:prstGeom>
+          <a:noFill/>
+        </p:spPr>
+        <p:txBody>
+          <a:bodyPr wrap="square" rtlCol="0">
+            <a:spAutoFit/>
+          </a:bodyPr>
+          <a:lstStyle/>
+          <a:p>
+            <a:r>
+              <a:rPr lang="en-US" sz="7200" b="1" dirty="0">
+                <a:solidFill>
+                  <a:schemeClr val="accent1"/>
+                </a:solidFill>
+                <a:latin typeface="Bahnschrift SemiBold SemiConden" panose="020B0502040204020203" pitchFamily="34" charset="0"/>
+              </a:rPr>
+              <a:t>Types</a:t>
+            </a:r>
+            <a:br>
+              <a:rPr lang="en-US" sz="3600" dirty="0">
+                <a:latin typeface="Bahnschrift SemiBold SemiConden" panose="020B0502040204020203" pitchFamily="34" charset="0"/>
+              </a:rPr>
+            </a:br>
+            <a:r>
+              <a:rPr lang="en-US" sz="3600" dirty="0">
+                <a:latin typeface="Bahnschrift SemiBold SemiConden" panose="020B0502040204020203" pitchFamily="34" charset="0"/>
+              </a:rPr>
+              <a:t>Why should we use types?</a:t>
+            </a:r>
+            <a:br>
+              <a:rPr lang="en-US" sz="3600" dirty="0">
+                <a:latin typeface="Bahnschrift SemiBold SemiConden" panose="020B0502040204020203" pitchFamily="34" charset="0"/>
+              </a:rPr>
+            </a:br>
+            <a:r>
+              <a:rPr lang="en-US" sz="2800" dirty="0">
+                <a:latin typeface="Aptos Narrow" panose="020B0004020202020204" pitchFamily="34" charset="0"/>
+              </a:rPr>
+              <a:t>1. Compiler shows errors during code writing </a:t>
+            </a:r>
+          </a:p>
+          <a:p>
+            <a:r>
+              <a:rPr lang="en-US" sz="2800" dirty="0">
+                <a:latin typeface="Aptos Narrow" panose="020B0004020202020204" pitchFamily="34" charset="0"/>
+              </a:rPr>
+              <a:t>2. The developer can understand what type of data is flowing through our code.</a:t>
+            </a:r>
+            <a:br>
+              <a:rPr lang="en-US" sz="2800" dirty="0">
+                <a:latin typeface="Aptos Narrow" panose="020B0004020202020204" pitchFamily="34" charset="0"/>
+              </a:rPr>
+            </a:br>
+            <a:endParaRPr lang="en-US" sz="2800" dirty="0">
+              <a:latin typeface="Aptos Narrow" panose="020B0004020202020204" pitchFamily="34" charset="0"/>
+            </a:endParaRPr>
+          </a:p>
+          <a:p>
+            <a:r>
+              <a:rPr lang="en-US" sz="3600" b="1" dirty="0">
+                <a:latin typeface="Aptos Narrow" panose="020B0004020202020204" pitchFamily="34" charset="0"/>
+              </a:rPr>
+              <a:t>Where do we use types?</a:t>
+            </a:r>
+          </a:p>
+          <a:p>
+            <a:r>
+              <a:rPr lang="en-US" sz="2800" dirty="0">
+                <a:latin typeface="Aptos Narrow" panose="020B0004020202020204" pitchFamily="34" charset="0"/>
+              </a:rPr>
+              <a:t>Ans- Everywhere</a:t>
+            </a:r>
+          </a:p>
+        </p:txBody>
+      </p:sp>
+    </p:spTree>
+    <p:extLst>
+      <p:ext uri="{BB962C8B-B14F-4D97-AF65-F5344CB8AC3E}">
+        <p14:creationId xmlns:p14="http://schemas.microsoft.com/office/powerpoint/2010/main" val="2195064751"/>
+      </p:ext>
+    </p:extLst>
+  </p:cSld>
+  <p:clrMapOvr>
+    <a:masterClrMapping/>
+  </p:clrMapOvr>
+</p:sld>
+</file>
+
 <file path=ppt/slides/slide2.xml><?xml version="1.0" encoding="utf-8"?>
 <p:sld xmlns:a="http://schemas.openxmlformats.org/drawingml/2006/main" xmlns:r="http://schemas.openxmlformats.org/officeDocument/2006/relationships" xmlns:p="http://schemas.openxmlformats.org/presentationml/2006/main">
   <p:cSld>
@@ -7094,8 +7951,8 @@
         </p:nvSpPr>
         <p:spPr>
           <a:xfrm>
-            <a:off x="201622" y="2004778"/>
-            <a:ext cx="11610706" cy="1938992"/>
+            <a:off x="290647" y="2230829"/>
+            <a:ext cx="11610706" cy="3046988"/>
           </a:xfrm>
           <a:prstGeom prst="rect">
             <a:avLst/>
@@ -7113,7 +7970,18 @@
               <a:rPr lang="en-US" sz="7200" dirty="0">
                 <a:latin typeface="Bahnschrift SemiBold SemiConden" panose="020B0502040204020203" pitchFamily="34" charset="0"/>
               </a:rPr>
-              <a:t>Catching </a:t>
+              <a:t>Write the first code and</a:t>
+            </a:r>
+            <a:br>
+              <a:rPr lang="en-US" sz="7200" dirty="0">
+                <a:latin typeface="Bahnschrift SemiBold SemiConden" panose="020B0502040204020203" pitchFamily="34" charset="0"/>
+              </a:rPr>
+            </a:br>
+            <a:r>
+              <a:rPr lang="en-US" sz="7200" dirty="0">
+                <a:latin typeface="Bahnschrift SemiBold SemiConden" panose="020B0502040204020203" pitchFamily="34" charset="0"/>
+              </a:rPr>
+              <a:t>Catch Basic </a:t>
             </a:r>
             <a:r>
               <a:rPr lang="en-US" sz="7200" dirty="0">
@@ -7317,7 +8185,7 @@
         </p:nvSpPr>
         <p:spPr>
           <a:xfrm flipV="1">
-            <a:off x="9725219" y="2974274"/>
+            <a:off x="10495225" y="2109968"/>
             <a:ext cx="353992" cy="353992"/>
           </a:xfrm>
           <a:prstGeom prst="ellipse">
@@ -7583,6 +8451,604 @@
 </file>
 
 <file path=ppt/slides/slide7.xml><?xml version="1.0" encoding="utf-8"?>
+<p:sld xmlns:a="http://schemas.openxmlformats.org/drawingml/2006/main" xmlns:r="http://schemas.openxmlformats.org/officeDocument/2006/relationships" xmlns:p="http://schemas.openxmlformats.org/presentationml/2006/main">
+  <p:cSld>
+    <p:bg>
+      <p:bgPr>
+        <a:solidFill>
+          <a:schemeClr val="bg1"/>
+        </a:solidFill>
+        <a:effectLst/>
+      </p:bgPr>
+    </p:bg>
+    <p:spTree>
+      <p:nvGrpSpPr>
+        <p:cNvPr id="1" name="">
+          <a:extLst>
+            <a:ext uri="{FF2B5EF4-FFF2-40B4-BE49-F238E27FC236}">
+              <a16:creationId xmlns:a16="http://schemas.microsoft.com/office/drawing/2014/main" id="{D69DCFFA-1052-D13D-9C9D-E1BEE1270564}"/>
+            </a:ext>
+          </a:extLst>
+        </p:cNvPr>
+        <p:cNvGrpSpPr/>
+        <p:nvPr/>
+      </p:nvGrpSpPr>
+      <p:grpSpPr>
+        <a:xfrm>
+          <a:off x="0" y="0"/>
+          <a:ext cx="0" cy="0"/>
+          <a:chOff x="0" y="0"/>
+          <a:chExt cx="0" cy="0"/>
+        </a:xfrm>
+      </p:grpSpPr>
+      <p:sp>
+        <p:nvSpPr>
+          <p:cNvPr id="2" name="Title 1">
+            <a:extLst>
+              <a:ext uri="{FF2B5EF4-FFF2-40B4-BE49-F238E27FC236}">
+                <a16:creationId xmlns:a16="http://schemas.microsoft.com/office/drawing/2014/main" id="{26426C45-4227-7718-D182-565F768C7CEB}"/>
+              </a:ext>
+            </a:extLst>
+          </p:cNvPr>
+          <p:cNvSpPr>
+            <a:spLocks noGrp="1"/>
+          </p:cNvSpPr>
+          <p:nvPr>
+            <p:ph type="ctrTitle"/>
+          </p:nvPr>
+        </p:nvSpPr>
+        <p:spPr>
+          <a:xfrm>
+            <a:off x="0" y="-519142"/>
+            <a:ext cx="3720548" cy="438771"/>
+          </a:xfrm>
+        </p:spPr>
+        <p:txBody>
+          <a:bodyPr>
+            <a:normAutofit/>
+          </a:bodyPr>
+          <a:lstStyle/>
+          <a:p>
+            <a:pPr algn="l"/>
+            <a:r>
+              <a:rPr lang="en-US" sz="2400" dirty="0">
+                <a:solidFill>
+                  <a:schemeClr val="bg1"/>
+                </a:solidFill>
+              </a:rPr>
+              <a:t>Catching Errors – chapter 5</a:t>
+            </a:r>
+            <a:endParaRPr lang="en-IN" sz="2400" dirty="0">
+              <a:solidFill>
+                <a:schemeClr val="bg1"/>
+              </a:solidFill>
+            </a:endParaRPr>
+          </a:p>
+        </p:txBody>
+      </p:sp>
+      <p:pic>
+        <p:nvPicPr>
+          <p:cNvPr id="1026" name="Picture 2" descr="Typescript - Free logo icons">
+            <a:extLst>
+              <a:ext uri="{FF2B5EF4-FFF2-40B4-BE49-F238E27FC236}">
+                <a16:creationId xmlns:a16="http://schemas.microsoft.com/office/drawing/2014/main" id="{B7CEFBBB-CEB4-A740-8DB7-C5D7891676B3}"/>
+              </a:ext>
+            </a:extLst>
+          </p:cNvPr>
+          <p:cNvPicPr>
+            <a:picLocks noChangeAspect="1" noChangeArrowheads="1"/>
+          </p:cNvPicPr>
+          <p:nvPr/>
+        </p:nvPicPr>
+        <p:blipFill>
+          <a:blip r:embed="rId2">
+            <a:extLst>
+              <a:ext uri="{28A0092B-C50C-407E-A947-70E740481C1C}">
+                <a14:useLocalDpi xmlns:a14="http://schemas.microsoft.com/office/drawing/2010/main" val="0"/>
+              </a:ext>
+            </a:extLst>
+          </a:blip>
+          <a:srcRect/>
+          <a:stretch>
+            <a:fillRect/>
+          </a:stretch>
+        </p:blipFill>
+        <p:spPr bwMode="auto">
+          <a:xfrm>
+            <a:off x="246014" y="268224"/>
+            <a:ext cx="767777" cy="767777"/>
+          </a:xfrm>
+          <a:prstGeom prst="rect">
+            <a:avLst/>
+          </a:prstGeom>
+          <a:noFill/>
+          <a:extLst>
+            <a:ext uri="{909E8E84-426E-40DD-AFC4-6F175D3DCCD1}">
+              <a14:hiddenFill xmlns:a14="http://schemas.microsoft.com/office/drawing/2010/main">
+                <a:solidFill>
+                  <a:srgbClr val="FFFFFF"/>
+                </a:solidFill>
+              </a14:hiddenFill>
+            </a:ext>
+          </a:extLst>
+        </p:spPr>
+      </p:pic>
+      <p:sp>
+        <p:nvSpPr>
+          <p:cNvPr id="4" name="TextBox 3">
+            <a:extLst>
+              <a:ext uri="{FF2B5EF4-FFF2-40B4-BE49-F238E27FC236}">
+                <a16:creationId xmlns:a16="http://schemas.microsoft.com/office/drawing/2014/main" id="{5B93DD96-FA47-4058-752B-0B3DAC841848}"/>
+              </a:ext>
+            </a:extLst>
+          </p:cNvPr>
+          <p:cNvSpPr txBox="1"/>
+          <p:nvPr/>
+        </p:nvSpPr>
+        <p:spPr>
+          <a:xfrm>
+            <a:off x="201622" y="2004778"/>
+            <a:ext cx="11610706" cy="1200329"/>
+          </a:xfrm>
+          <a:prstGeom prst="rect">
+            <a:avLst/>
+          </a:prstGeom>
+          <a:noFill/>
+        </p:spPr>
+        <p:txBody>
+          <a:bodyPr wrap="square" rtlCol="0">
+            <a:spAutoFit/>
+          </a:bodyPr>
+          <a:lstStyle/>
+          <a:p>
+            <a:pPr algn="ctr"/>
+            <a:r>
+              <a:rPr lang="en-US" sz="7200" dirty="0">
+                <a:latin typeface="Bahnschrift SemiBold SemiConden" panose="020B0502040204020203" pitchFamily="34" charset="0"/>
+              </a:rPr>
+              <a:t>Syntax and Design pattern</a:t>
+            </a:r>
+            <a:endParaRPr lang="en-US" sz="7200" dirty="0">
+              <a:solidFill>
+                <a:srgbClr val="C00000"/>
+              </a:solidFill>
+              <a:latin typeface="Bahnschrift SemiBold SemiConden" panose="020B0502040204020203" pitchFamily="34" charset="0"/>
+            </a:endParaRPr>
+          </a:p>
+        </p:txBody>
+      </p:sp>
+      <p:sp>
+        <p:nvSpPr>
+          <p:cNvPr id="3" name="TextBox 2">
+            <a:extLst>
+              <a:ext uri="{FF2B5EF4-FFF2-40B4-BE49-F238E27FC236}">
+                <a16:creationId xmlns:a16="http://schemas.microsoft.com/office/drawing/2014/main" id="{77601266-FC1A-3F6D-2296-67EECD3F7828}"/>
+              </a:ext>
+            </a:extLst>
+          </p:cNvPr>
+          <p:cNvSpPr txBox="1"/>
+          <p:nvPr/>
+        </p:nvSpPr>
+        <p:spPr>
+          <a:xfrm>
+            <a:off x="1013791" y="482602"/>
+            <a:ext cx="4993184" cy="646331"/>
+          </a:xfrm>
+          <a:prstGeom prst="rect">
+            <a:avLst/>
+          </a:prstGeom>
+          <a:noFill/>
+        </p:spPr>
+        <p:txBody>
+          <a:bodyPr wrap="square" rtlCol="0">
+            <a:spAutoFit/>
+          </a:bodyPr>
+          <a:lstStyle/>
+          <a:p>
+            <a:r>
+              <a:rPr lang="en-US" sz="3600" dirty="0">
+                <a:solidFill>
+                  <a:srgbClr val="0037DA"/>
+                </a:solidFill>
+                <a:latin typeface="Segoe UI Variable Text Semibold" pitchFamily="2" charset="0"/>
+              </a:rPr>
+              <a:t>TypeScript</a:t>
+            </a:r>
+            <a:endParaRPr lang="en-IN" sz="3600" b="1" dirty="0">
+              <a:latin typeface="Bahnschrift SemiBold SemiConden" panose="020B0502040204020203" pitchFamily="34" charset="0"/>
+            </a:endParaRPr>
+          </a:p>
+        </p:txBody>
+      </p:sp>
+      <p:sp>
+        <p:nvSpPr>
+          <p:cNvPr id="7" name="Oval 6">
+            <a:extLst>
+              <a:ext uri="{FF2B5EF4-FFF2-40B4-BE49-F238E27FC236}">
+                <a16:creationId xmlns:a16="http://schemas.microsoft.com/office/drawing/2014/main" id="{E1AD3CF5-9568-4102-449E-081A8ADFD74B}"/>
+              </a:ext>
+            </a:extLst>
+          </p:cNvPr>
+          <p:cNvSpPr/>
+          <p:nvPr/>
+        </p:nvSpPr>
+        <p:spPr>
+          <a:xfrm flipV="1">
+            <a:off x="670891" y="3257970"/>
+            <a:ext cx="685800" cy="685800"/>
+          </a:xfrm>
+          <a:prstGeom prst="ellipse">
+            <a:avLst/>
+          </a:prstGeom>
+          <a:noFill/>
+          <a:ln w="44450">
+            <a:solidFill>
+              <a:schemeClr val="accent2">
+                <a:lumMod val="40000"/>
+                <a:lumOff val="60000"/>
+              </a:schemeClr>
+            </a:solidFill>
+            <a:prstDash val="solid"/>
+          </a:ln>
+        </p:spPr>
+        <p:style>
+          <a:lnRef idx="2">
+            <a:schemeClr val="accent1">
+              <a:shade val="15000"/>
+            </a:schemeClr>
+          </a:lnRef>
+          <a:fillRef idx="1">
+            <a:schemeClr val="accent1"/>
+          </a:fillRef>
+          <a:effectRef idx="0">
+            <a:schemeClr val="accent1"/>
+          </a:effectRef>
+          <a:fontRef idx="minor">
+            <a:schemeClr val="lt1"/>
+          </a:fontRef>
+        </p:style>
+        <p:txBody>
+          <a:bodyPr rtlCol="0" anchor="ctr"/>
+          <a:lstStyle/>
+          <a:p>
+            <a:pPr algn="ctr"/>
+            <a:endParaRPr lang="en-IN"/>
+          </a:p>
+        </p:txBody>
+      </p:sp>
+      <p:sp>
+        <p:nvSpPr>
+          <p:cNvPr id="8" name="Oval 7">
+            <a:extLst>
+              <a:ext uri="{FF2B5EF4-FFF2-40B4-BE49-F238E27FC236}">
+                <a16:creationId xmlns:a16="http://schemas.microsoft.com/office/drawing/2014/main" id="{F0B71919-F3D5-58CD-6C7D-6A3C06E091CC}"/>
+              </a:ext>
+            </a:extLst>
+          </p:cNvPr>
+          <p:cNvSpPr/>
+          <p:nvPr/>
+        </p:nvSpPr>
+        <p:spPr>
+          <a:xfrm flipV="1">
+            <a:off x="2877204" y="5852660"/>
+            <a:ext cx="414526" cy="414526"/>
+          </a:xfrm>
+          <a:prstGeom prst="ellipse">
+            <a:avLst/>
+          </a:prstGeom>
+          <a:noFill/>
+          <a:ln w="44450">
+            <a:solidFill>
+              <a:srgbClr val="FFFF00"/>
+            </a:solidFill>
+            <a:prstDash val="solid"/>
+          </a:ln>
+        </p:spPr>
+        <p:style>
+          <a:lnRef idx="2">
+            <a:schemeClr val="accent1">
+              <a:shade val="15000"/>
+            </a:schemeClr>
+          </a:lnRef>
+          <a:fillRef idx="1">
+            <a:schemeClr val="accent1"/>
+          </a:fillRef>
+          <a:effectRef idx="0">
+            <a:schemeClr val="accent1"/>
+          </a:effectRef>
+          <a:fontRef idx="minor">
+            <a:schemeClr val="lt1"/>
+          </a:fontRef>
+        </p:style>
+        <p:txBody>
+          <a:bodyPr rtlCol="0" anchor="ctr"/>
+          <a:lstStyle/>
+          <a:p>
+            <a:pPr algn="ctr"/>
+            <a:endParaRPr lang="en-IN"/>
+          </a:p>
+        </p:txBody>
+      </p:sp>
+      <p:sp>
+        <p:nvSpPr>
+          <p:cNvPr id="9" name="Oval 8">
+            <a:extLst>
+              <a:ext uri="{FF2B5EF4-FFF2-40B4-BE49-F238E27FC236}">
+                <a16:creationId xmlns:a16="http://schemas.microsoft.com/office/drawing/2014/main" id="{EB9C82BF-8A94-286F-BAEC-73CFDA0CA438}"/>
+              </a:ext>
+            </a:extLst>
+          </p:cNvPr>
+          <p:cNvSpPr/>
+          <p:nvPr/>
+        </p:nvSpPr>
+        <p:spPr>
+          <a:xfrm flipV="1">
+            <a:off x="9725219" y="2974274"/>
+            <a:ext cx="353992" cy="353992"/>
+          </a:xfrm>
+          <a:prstGeom prst="ellipse">
+            <a:avLst/>
+          </a:prstGeom>
+          <a:noFill/>
+          <a:ln w="44450">
+            <a:solidFill>
+              <a:schemeClr val="tx2">
+                <a:lumMod val="20000"/>
+                <a:lumOff val="80000"/>
+              </a:schemeClr>
+            </a:solidFill>
+            <a:prstDash val="solid"/>
+          </a:ln>
+        </p:spPr>
+        <p:style>
+          <a:lnRef idx="2">
+            <a:schemeClr val="accent1">
+              <a:shade val="15000"/>
+            </a:schemeClr>
+          </a:lnRef>
+          <a:fillRef idx="1">
+            <a:schemeClr val="accent1"/>
+          </a:fillRef>
+          <a:effectRef idx="0">
+            <a:schemeClr val="accent1"/>
+          </a:effectRef>
+          <a:fontRef idx="minor">
+            <a:schemeClr val="lt1"/>
+          </a:fontRef>
+        </p:style>
+        <p:txBody>
+          <a:bodyPr rtlCol="0" anchor="ctr"/>
+          <a:lstStyle/>
+          <a:p>
+            <a:pPr algn="ctr"/>
+            <a:endParaRPr lang="en-IN"/>
+          </a:p>
+        </p:txBody>
+      </p:sp>
+      <p:sp>
+        <p:nvSpPr>
+          <p:cNvPr id="12" name="Oval 11">
+            <a:extLst>
+              <a:ext uri="{FF2B5EF4-FFF2-40B4-BE49-F238E27FC236}">
+                <a16:creationId xmlns:a16="http://schemas.microsoft.com/office/drawing/2014/main" id="{FF0A3B02-B5A2-1F21-7B1F-9D473BC9EEAA}"/>
+              </a:ext>
+            </a:extLst>
+          </p:cNvPr>
+          <p:cNvSpPr/>
+          <p:nvPr/>
+        </p:nvSpPr>
+        <p:spPr>
+          <a:xfrm flipV="1">
+            <a:off x="7989612" y="1412239"/>
+            <a:ext cx="309561" cy="309561"/>
+          </a:xfrm>
+          <a:prstGeom prst="ellipse">
+            <a:avLst/>
+          </a:prstGeom>
+          <a:noFill/>
+          <a:ln w="44450">
+            <a:solidFill>
+              <a:schemeClr val="accent5">
+                <a:lumMod val="60000"/>
+                <a:lumOff val="40000"/>
+                <a:alpha val="50000"/>
+              </a:schemeClr>
+            </a:solidFill>
+            <a:prstDash val="solid"/>
+          </a:ln>
+        </p:spPr>
+        <p:style>
+          <a:lnRef idx="2">
+            <a:schemeClr val="accent1">
+              <a:shade val="15000"/>
+            </a:schemeClr>
+          </a:lnRef>
+          <a:fillRef idx="1">
+            <a:schemeClr val="accent1"/>
+          </a:fillRef>
+          <a:effectRef idx="0">
+            <a:schemeClr val="accent1"/>
+          </a:effectRef>
+          <a:fontRef idx="minor">
+            <a:schemeClr val="lt1"/>
+          </a:fontRef>
+        </p:style>
+        <p:txBody>
+          <a:bodyPr rtlCol="0" anchor="ctr"/>
+          <a:lstStyle/>
+          <a:p>
+            <a:pPr algn="ctr"/>
+            <a:endParaRPr lang="en-IN"/>
+          </a:p>
+        </p:txBody>
+      </p:sp>
+      <p:sp>
+        <p:nvSpPr>
+          <p:cNvPr id="13" name="Oval 12">
+            <a:extLst>
+              <a:ext uri="{FF2B5EF4-FFF2-40B4-BE49-F238E27FC236}">
+                <a16:creationId xmlns:a16="http://schemas.microsoft.com/office/drawing/2014/main" id="{FAC8678E-6524-51FF-B752-B71CA06CF34D}"/>
+              </a:ext>
+            </a:extLst>
+          </p:cNvPr>
+          <p:cNvSpPr/>
+          <p:nvPr/>
+        </p:nvSpPr>
+        <p:spPr>
+          <a:xfrm flipV="1">
+            <a:off x="10635802" y="4225956"/>
+            <a:ext cx="426830" cy="426830"/>
+          </a:xfrm>
+          <a:prstGeom prst="ellipse">
+            <a:avLst/>
+          </a:prstGeom>
+          <a:noFill/>
+          <a:ln w="44450">
+            <a:solidFill>
+              <a:srgbClr val="FFFF00">
+                <a:alpha val="50000"/>
+              </a:srgbClr>
+            </a:solidFill>
+            <a:prstDash val="solid"/>
+          </a:ln>
+        </p:spPr>
+        <p:style>
+          <a:lnRef idx="2">
+            <a:schemeClr val="accent1">
+              <a:shade val="15000"/>
+            </a:schemeClr>
+          </a:lnRef>
+          <a:fillRef idx="1">
+            <a:schemeClr val="accent1"/>
+          </a:fillRef>
+          <a:effectRef idx="0">
+            <a:schemeClr val="accent1"/>
+          </a:effectRef>
+          <a:fontRef idx="minor">
+            <a:schemeClr val="lt1"/>
+          </a:fontRef>
+        </p:style>
+        <p:txBody>
+          <a:bodyPr rtlCol="0" anchor="ctr"/>
+          <a:lstStyle/>
+          <a:p>
+            <a:pPr algn="ctr"/>
+            <a:endParaRPr lang="en-IN"/>
+          </a:p>
+        </p:txBody>
+      </p:sp>
+      <p:sp>
+        <p:nvSpPr>
+          <p:cNvPr id="14" name="Oval 13">
+            <a:extLst>
+              <a:ext uri="{FF2B5EF4-FFF2-40B4-BE49-F238E27FC236}">
+                <a16:creationId xmlns:a16="http://schemas.microsoft.com/office/drawing/2014/main" id="{2A172889-9A35-5681-0E7D-FF7E462D5F50}"/>
+              </a:ext>
+            </a:extLst>
+          </p:cNvPr>
+          <p:cNvSpPr/>
+          <p:nvPr/>
+        </p:nvSpPr>
+        <p:spPr>
+          <a:xfrm flipV="1">
+            <a:off x="7303812" y="5686019"/>
+            <a:ext cx="685800" cy="685800"/>
+          </a:xfrm>
+          <a:prstGeom prst="ellipse">
+            <a:avLst/>
+          </a:prstGeom>
+          <a:noFill/>
+          <a:ln w="44450">
+            <a:solidFill>
+              <a:srgbClr val="00B0F0"/>
+            </a:solidFill>
+            <a:prstDash val="solid"/>
+          </a:ln>
+        </p:spPr>
+        <p:style>
+          <a:lnRef idx="2">
+            <a:schemeClr val="accent1">
+              <a:shade val="15000"/>
+            </a:schemeClr>
+          </a:lnRef>
+          <a:fillRef idx="1">
+            <a:schemeClr val="accent1"/>
+          </a:fillRef>
+          <a:effectRef idx="0">
+            <a:schemeClr val="accent1"/>
+          </a:effectRef>
+          <a:fontRef idx="minor">
+            <a:schemeClr val="lt1"/>
+          </a:fontRef>
+        </p:style>
+        <p:txBody>
+          <a:bodyPr rtlCol="0" anchor="ctr"/>
+          <a:lstStyle/>
+          <a:p>
+            <a:pPr algn="ctr"/>
+            <a:endParaRPr lang="en-IN"/>
+          </a:p>
+        </p:txBody>
+      </p:sp>
+      <p:sp>
+        <p:nvSpPr>
+          <p:cNvPr id="5" name="TextBox 4">
+            <a:extLst>
+              <a:ext uri="{FF2B5EF4-FFF2-40B4-BE49-F238E27FC236}">
+                <a16:creationId xmlns:a16="http://schemas.microsoft.com/office/drawing/2014/main" id="{9399F4C1-2229-A670-6571-0241F2D2FB54}"/>
+              </a:ext>
+            </a:extLst>
+          </p:cNvPr>
+          <p:cNvSpPr txBox="1"/>
+          <p:nvPr/>
+        </p:nvSpPr>
+        <p:spPr>
+          <a:xfrm>
+            <a:off x="8520130" y="297935"/>
+            <a:ext cx="3118161" cy="1015663"/>
+          </a:xfrm>
+          <a:prstGeom prst="rect">
+            <a:avLst/>
+          </a:prstGeom>
+          <a:noFill/>
+        </p:spPr>
+        <p:txBody>
+          <a:bodyPr wrap="none" rtlCol="0">
+            <a:spAutoFit/>
+          </a:bodyPr>
+          <a:lstStyle/>
+          <a:p>
+            <a:r>
+              <a:rPr lang="en-US" sz="6000" b="1" dirty="0">
+                <a:solidFill>
+                  <a:srgbClr val="92D050"/>
+                </a:solidFill>
+                <a:latin typeface="Bahnschrift SemiBold SemiConden" panose="020B0502040204020203" pitchFamily="34" charset="0"/>
+              </a:rPr>
+              <a:t>Chapter 2</a:t>
+            </a:r>
+            <a:endParaRPr lang="en-IN" sz="6000" dirty="0">
+              <a:solidFill>
+                <a:srgbClr val="92D050"/>
+              </a:solidFill>
+            </a:endParaRPr>
+          </a:p>
+        </p:txBody>
+      </p:sp>
+    </p:spTree>
+    <p:extLst>
+      <p:ext uri="{BB962C8B-B14F-4D97-AF65-F5344CB8AC3E}">
+        <p14:creationId xmlns:p14="http://schemas.microsoft.com/office/powerpoint/2010/main" val="1352295339"/>
+      </p:ext>
+    </p:extLst>
+  </p:cSld>
+  <p:clrMapOvr>
+    <a:masterClrMapping/>
+  </p:clrMapOvr>
+</p:sld>
+</file>
+
+<file path=ppt/slides/slide8.xml><?xml version="1.0" encoding="utf-8"?>
 <p:sld xmlns:a="http://schemas.openxmlformats.org/drawingml/2006/main" xmlns:r="http://schemas.openxmlformats.org/officeDocument/2006/relationships" xmlns:p="http://schemas.openxmlformats.org/presentationml/2006/main">
   <p:cSld>
     <p:bg>
@@ -7719,8 +9185,8 @@
         </p:nvSpPr>
         <p:spPr>
           <a:xfrm>
-            <a:off x="335280" y="1691906"/>
-            <a:ext cx="11610706" cy="4278094"/>
+            <a:off x="2564439" y="2213282"/>
+            <a:ext cx="7413329" cy="2431435"/>
           </a:xfrm>
           <a:prstGeom prst="rect">
             <a:avLst/>
@@ -7733,86 +9199,30 @@
           </a:bodyPr>
           <a:lstStyle/>
           <a:p>
-            <a:r>
-              <a:rPr lang="en-US" sz="7200" b="1" dirty="0">
+            <a:pPr algn="ctr"/>
+            <a:r>
+              <a:rPr lang="en-US" sz="9600" b="1" dirty="0">
+                <a:solidFill>
+                  <a:schemeClr val="accent1"/>
+                </a:solidFill>
                 <a:latin typeface="Bahnschrift SemiBold SemiConden" panose="020B0502040204020203" pitchFamily="34" charset="0"/>
               </a:rPr>
               <a:t>Types</a:t>
             </a:r>
-            <a:br>
-              <a:rPr lang="en-US" sz="7200" dirty="0">
-                <a:latin typeface="Bahnschrift SemiBold SemiConden" panose="020B0502040204020203" pitchFamily="34" charset="0"/>
+          </a:p>
+          <a:p>
+            <a:pPr algn="ctr"/>
+            <a:r>
+              <a:rPr lang="en-US" sz="2800" dirty="0">
+                <a:solidFill>
+                  <a:schemeClr val="tx1">
+                    <a:lumMod val="65000"/>
+                    <a:lumOff val="35000"/>
+                  </a:schemeClr>
+                </a:solidFill>
+                <a:latin typeface="Trebuchet MS" panose="020B0603020202020204" pitchFamily="34" charset="0"/>
               </a:rPr>
-            </a:br>
-            <a:r>
-              <a:rPr lang="en-US" sz="3600" dirty="0">
-                <a:solidFill>
-                  <a:srgbClr val="0037DA"/>
-                </a:solidFill>
-                <a:latin typeface="Aptos Narrow" panose="020B0004020202020204" pitchFamily="34" charset="0"/>
-              </a:rPr>
-              <a:t>Primitive: </a:t>
-            </a:r>
-            <a:r>
-              <a:rPr lang="en-US" sz="3200" dirty="0">
-                <a:latin typeface="Aptos Narrow" panose="020B0004020202020204" pitchFamily="34" charset="0"/>
-              </a:rPr>
-              <a:t>string, Boolean, null, symbol, void, undefined, </a:t>
-            </a:r>
-            <a:br>
-              <a:rPr lang="en-US" sz="3200" dirty="0">
-                <a:latin typeface="Aptos Narrow" panose="020B0004020202020204" pitchFamily="34" charset="0"/>
-              </a:rPr>
-            </a:br>
-            <a:r>
-              <a:rPr lang="en-US" sz="3600" dirty="0">
-                <a:solidFill>
-                  <a:srgbClr val="0037DA"/>
-                </a:solidFill>
-                <a:latin typeface="Aptos Narrow" panose="020B0004020202020204" pitchFamily="34" charset="0"/>
-              </a:rPr>
-              <a:t>Object types: </a:t>
-            </a:r>
-            <a:r>
-              <a:rPr lang="en-US" sz="3200" dirty="0">
-                <a:latin typeface="Aptos Narrow" panose="020B0004020202020204" pitchFamily="34" charset="0"/>
-              </a:rPr>
-              <a:t>object, function, arrays, classes</a:t>
-            </a:r>
-            <a:br>
-              <a:rPr lang="en-US" sz="3200" dirty="0">
-                <a:latin typeface="Aptos Narrow" panose="020B0004020202020204" pitchFamily="34" charset="0"/>
-              </a:rPr>
-            </a:br>
-            <a:br>
-              <a:rPr lang="en-US" sz="3600" dirty="0">
-                <a:latin typeface="Bahnschrift SemiBold SemiConden" panose="020B0502040204020203" pitchFamily="34" charset="0"/>
-              </a:rPr>
-            </a:br>
-            <a:r>
-              <a:rPr lang="en-US" sz="3600" dirty="0">
-                <a:latin typeface="Bahnschrift SemiBold SemiConden" panose="020B0502040204020203" pitchFamily="34" charset="0"/>
-              </a:rPr>
-              <a:t>Why should we use types?</a:t>
-            </a:r>
-            <a:br>
-              <a:rPr lang="en-US" sz="3600" dirty="0">
-                <a:latin typeface="Bahnschrift SemiBold SemiConden" panose="020B0502040204020203" pitchFamily="34" charset="0"/>
-              </a:rPr>
-            </a:br>
-            <a:r>
-              <a:rPr lang="en-US" sz="2800" dirty="0">
-                <a:latin typeface="Aptos Narrow" panose="020B0004020202020204" pitchFamily="34" charset="0"/>
-              </a:rPr>
-              <a:t>1. Compiler shows errors during code writing </a:t>
-            </a:r>
-          </a:p>
-          <a:p>
-            <a:r>
-              <a:rPr lang="en-US" sz="2800" dirty="0">
-                <a:latin typeface="Aptos Narrow" panose="020B0004020202020204" pitchFamily="34" charset="0"/>
-              </a:rPr>
-              <a:t>2. Developer can understand what type of data is flowing through our code.</a:t>
+              <a:t>A way to define what kind of value we are going to set in a variable</a:t>
             </a:r>
           </a:p>
         </p:txBody>
@@ -7983,7 +9393,7 @@
         </p:nvSpPr>
         <p:spPr>
           <a:xfrm flipV="1">
-            <a:off x="10048461" y="2013929"/>
+            <a:off x="1282148" y="2496452"/>
             <a:ext cx="506066" cy="506066"/>
           </a:xfrm>
           <a:prstGeom prst="ellipse">
@@ -8260,7 +9670,7 @@
         </p:nvSpPr>
         <p:spPr>
           <a:xfrm flipV="1">
-            <a:off x="11416624" y="6171401"/>
+            <a:off x="10310991" y="5862445"/>
             <a:ext cx="344574" cy="344574"/>
           </a:xfrm>
           <a:prstGeom prst="ellipse">
@@ -8346,10 +9756,487 @@
           </a:p>
         </p:txBody>
       </p:sp>
+      <p:sp>
+        <p:nvSpPr>
+          <p:cNvPr id="11" name="Oval 10">
+            <a:extLst>
+              <a:ext uri="{FF2B5EF4-FFF2-40B4-BE49-F238E27FC236}">
+                <a16:creationId xmlns:a16="http://schemas.microsoft.com/office/drawing/2014/main" id="{70DD88F9-7BF8-983A-322D-32E6E93D8AA2}"/>
+              </a:ext>
+            </a:extLst>
+          </p:cNvPr>
+          <p:cNvSpPr/>
+          <p:nvPr/>
+        </p:nvSpPr>
+        <p:spPr>
+          <a:xfrm flipV="1">
+            <a:off x="1328384" y="5862445"/>
+            <a:ext cx="413593" cy="413593"/>
+          </a:xfrm>
+          <a:prstGeom prst="ellipse">
+            <a:avLst/>
+          </a:prstGeom>
+          <a:noFill/>
+          <a:ln w="44450">
+            <a:solidFill>
+              <a:schemeClr val="accent2">
+                <a:lumMod val="40000"/>
+                <a:lumOff val="60000"/>
+              </a:schemeClr>
+            </a:solidFill>
+            <a:prstDash val="solid"/>
+          </a:ln>
+        </p:spPr>
+        <p:style>
+          <a:lnRef idx="2">
+            <a:schemeClr val="accent1">
+              <a:shade val="15000"/>
+            </a:schemeClr>
+          </a:lnRef>
+          <a:fillRef idx="1">
+            <a:schemeClr val="accent1"/>
+          </a:fillRef>
+          <a:effectRef idx="0">
+            <a:schemeClr val="accent1"/>
+          </a:effectRef>
+          <a:fontRef idx="minor">
+            <a:schemeClr val="lt1"/>
+          </a:fontRef>
+        </p:style>
+        <p:txBody>
+          <a:bodyPr rtlCol="0" anchor="ctr"/>
+          <a:lstStyle/>
+          <a:p>
+            <a:pPr algn="ctr"/>
+            <a:endParaRPr lang="en-IN"/>
+          </a:p>
+        </p:txBody>
+      </p:sp>
+      <p:sp>
+        <p:nvSpPr>
+          <p:cNvPr id="15" name="Oval 14">
+            <a:extLst>
+              <a:ext uri="{FF2B5EF4-FFF2-40B4-BE49-F238E27FC236}">
+                <a16:creationId xmlns:a16="http://schemas.microsoft.com/office/drawing/2014/main" id="{A8D1384E-C1F6-DEA6-5C8C-9CE749F18C06}"/>
+              </a:ext>
+            </a:extLst>
+          </p:cNvPr>
+          <p:cNvSpPr/>
+          <p:nvPr/>
+        </p:nvSpPr>
+        <p:spPr>
+          <a:xfrm flipV="1">
+            <a:off x="3513285" y="1296070"/>
+            <a:ext cx="414526" cy="414526"/>
+          </a:xfrm>
+          <a:prstGeom prst="ellipse">
+            <a:avLst/>
+          </a:prstGeom>
+          <a:noFill/>
+          <a:ln w="44450">
+            <a:solidFill>
+              <a:srgbClr val="FFFF00"/>
+            </a:solidFill>
+            <a:prstDash val="solid"/>
+          </a:ln>
+        </p:spPr>
+        <p:style>
+          <a:lnRef idx="2">
+            <a:schemeClr val="accent1">
+              <a:shade val="15000"/>
+            </a:schemeClr>
+          </a:lnRef>
+          <a:fillRef idx="1">
+            <a:schemeClr val="accent1"/>
+          </a:fillRef>
+          <a:effectRef idx="0">
+            <a:schemeClr val="accent1"/>
+          </a:effectRef>
+          <a:fontRef idx="minor">
+            <a:schemeClr val="lt1"/>
+          </a:fontRef>
+        </p:style>
+        <p:txBody>
+          <a:bodyPr rtlCol="0" anchor="ctr"/>
+          <a:lstStyle/>
+          <a:p>
+            <a:pPr algn="ctr"/>
+            <a:endParaRPr lang="en-IN"/>
+          </a:p>
+        </p:txBody>
+      </p:sp>
+      <p:sp>
+        <p:nvSpPr>
+          <p:cNvPr id="16" name="Oval 15">
+            <a:extLst>
+              <a:ext uri="{FF2B5EF4-FFF2-40B4-BE49-F238E27FC236}">
+                <a16:creationId xmlns:a16="http://schemas.microsoft.com/office/drawing/2014/main" id="{130FFF91-98A7-151E-4E0D-420C21C68611}"/>
+              </a:ext>
+            </a:extLst>
+          </p:cNvPr>
+          <p:cNvSpPr/>
+          <p:nvPr/>
+        </p:nvSpPr>
+        <p:spPr>
+          <a:xfrm flipV="1">
+            <a:off x="6882124" y="6016125"/>
+            <a:ext cx="426830" cy="426830"/>
+          </a:xfrm>
+          <a:prstGeom prst="ellipse">
+            <a:avLst/>
+          </a:prstGeom>
+          <a:noFill/>
+          <a:ln w="44450">
+            <a:solidFill>
+              <a:srgbClr val="FFFF00">
+                <a:alpha val="50000"/>
+              </a:srgbClr>
+            </a:solidFill>
+            <a:prstDash val="solid"/>
+          </a:ln>
+        </p:spPr>
+        <p:style>
+          <a:lnRef idx="2">
+            <a:schemeClr val="accent1">
+              <a:shade val="15000"/>
+            </a:schemeClr>
+          </a:lnRef>
+          <a:fillRef idx="1">
+            <a:schemeClr val="accent1"/>
+          </a:fillRef>
+          <a:effectRef idx="0">
+            <a:schemeClr val="accent1"/>
+          </a:effectRef>
+          <a:fontRef idx="minor">
+            <a:schemeClr val="lt1"/>
+          </a:fontRef>
+        </p:style>
+        <p:txBody>
+          <a:bodyPr rtlCol="0" anchor="ctr"/>
+          <a:lstStyle/>
+          <a:p>
+            <a:pPr algn="ctr"/>
+            <a:endParaRPr lang="en-IN"/>
+          </a:p>
+        </p:txBody>
+      </p:sp>
+      <p:sp>
+        <p:nvSpPr>
+          <p:cNvPr id="17" name="Oval 16">
+            <a:extLst>
+              <a:ext uri="{FF2B5EF4-FFF2-40B4-BE49-F238E27FC236}">
+                <a16:creationId xmlns:a16="http://schemas.microsoft.com/office/drawing/2014/main" id="{D9367660-3241-BAE8-B62E-FC3DF88D001F}"/>
+              </a:ext>
+            </a:extLst>
+          </p:cNvPr>
+          <p:cNvSpPr/>
+          <p:nvPr/>
+        </p:nvSpPr>
+        <p:spPr>
+          <a:xfrm flipV="1">
+            <a:off x="3927811" y="5307777"/>
+            <a:ext cx="448130" cy="448130"/>
+          </a:xfrm>
+          <a:prstGeom prst="ellipse">
+            <a:avLst/>
+          </a:prstGeom>
+          <a:noFill/>
+          <a:ln w="44450">
+            <a:solidFill>
+              <a:srgbClr val="00B0F0"/>
+            </a:solidFill>
+            <a:prstDash val="solid"/>
+          </a:ln>
+        </p:spPr>
+        <p:style>
+          <a:lnRef idx="2">
+            <a:schemeClr val="accent1">
+              <a:shade val="15000"/>
+            </a:schemeClr>
+          </a:lnRef>
+          <a:fillRef idx="1">
+            <a:schemeClr val="accent1"/>
+          </a:fillRef>
+          <a:effectRef idx="0">
+            <a:schemeClr val="accent1"/>
+          </a:effectRef>
+          <a:fontRef idx="minor">
+            <a:schemeClr val="lt1"/>
+          </a:fontRef>
+        </p:style>
+        <p:txBody>
+          <a:bodyPr rtlCol="0" anchor="ctr"/>
+          <a:lstStyle/>
+          <a:p>
+            <a:pPr algn="ctr"/>
+            <a:endParaRPr lang="en-IN"/>
+          </a:p>
+        </p:txBody>
+      </p:sp>
     </p:spTree>
     <p:extLst>
       <p:ext uri="{BB962C8B-B14F-4D97-AF65-F5344CB8AC3E}">
         <p14:creationId xmlns:p14="http://schemas.microsoft.com/office/powerpoint/2010/main" val="2004897697"/>
+      </p:ext>
+    </p:extLst>
+  </p:cSld>
+  <p:clrMapOvr>
+    <a:masterClrMapping/>
+  </p:clrMapOvr>
+</p:sld>
+</file>
+
+<file path=ppt/slides/slide9.xml><?xml version="1.0" encoding="utf-8"?>
+<p:sld xmlns:a="http://schemas.openxmlformats.org/drawingml/2006/main" xmlns:r="http://schemas.openxmlformats.org/officeDocument/2006/relationships" xmlns:p="http://schemas.openxmlformats.org/presentationml/2006/main">
+  <p:cSld>
+    <p:bg>
+      <p:bgPr>
+        <a:solidFill>
+          <a:schemeClr val="bg1"/>
+        </a:solidFill>
+        <a:effectLst/>
+      </p:bgPr>
+    </p:bg>
+    <p:spTree>
+      <p:nvGrpSpPr>
+        <p:cNvPr id="1" name="">
+          <a:extLst>
+            <a:ext uri="{FF2B5EF4-FFF2-40B4-BE49-F238E27FC236}">
+              <a16:creationId xmlns:a16="http://schemas.microsoft.com/office/drawing/2014/main" id="{97F3A813-3C85-DCCC-2561-48582DCD6070}"/>
+            </a:ext>
+          </a:extLst>
+        </p:cNvPr>
+        <p:cNvGrpSpPr/>
+        <p:nvPr/>
+      </p:nvGrpSpPr>
+      <p:grpSpPr>
+        <a:xfrm>
+          <a:off x="0" y="0"/>
+          <a:ext cx="0" cy="0"/>
+          <a:chOff x="0" y="0"/>
+          <a:chExt cx="0" cy="0"/>
+        </a:xfrm>
+      </p:grpSpPr>
+      <p:sp>
+        <p:nvSpPr>
+          <p:cNvPr id="2" name="Title 1">
+            <a:extLst>
+              <a:ext uri="{FF2B5EF4-FFF2-40B4-BE49-F238E27FC236}">
+                <a16:creationId xmlns:a16="http://schemas.microsoft.com/office/drawing/2014/main" id="{AA48E9FD-5E37-6D3E-1356-574B2C6106E4}"/>
+              </a:ext>
+            </a:extLst>
+          </p:cNvPr>
+          <p:cNvSpPr>
+            <a:spLocks noGrp="1"/>
+          </p:cNvSpPr>
+          <p:nvPr>
+            <p:ph type="ctrTitle"/>
+          </p:nvPr>
+        </p:nvSpPr>
+        <p:spPr>
+          <a:xfrm>
+            <a:off x="0" y="-519142"/>
+            <a:ext cx="3720548" cy="438771"/>
+          </a:xfrm>
+        </p:spPr>
+        <p:txBody>
+          <a:bodyPr>
+            <a:normAutofit/>
+          </a:bodyPr>
+          <a:lstStyle/>
+          <a:p>
+            <a:pPr algn="l"/>
+            <a:r>
+              <a:rPr lang="en-US" sz="2400" dirty="0">
+                <a:solidFill>
+                  <a:schemeClr val="bg1"/>
+                </a:solidFill>
+              </a:rPr>
+              <a:t>Types – chapter 6</a:t>
+            </a:r>
+            <a:endParaRPr lang="en-IN" sz="2400" dirty="0">
+              <a:solidFill>
+                <a:schemeClr val="bg1"/>
+              </a:solidFill>
+            </a:endParaRPr>
+          </a:p>
+        </p:txBody>
+      </p:sp>
+      <p:pic>
+        <p:nvPicPr>
+          <p:cNvPr id="1026" name="Picture 2" descr="Typescript - Free logo icons">
+            <a:extLst>
+              <a:ext uri="{FF2B5EF4-FFF2-40B4-BE49-F238E27FC236}">
+                <a16:creationId xmlns:a16="http://schemas.microsoft.com/office/drawing/2014/main" id="{DDBBD34A-D013-D911-C9E5-7A719B133EC8}"/>
+              </a:ext>
+            </a:extLst>
+          </p:cNvPr>
+          <p:cNvPicPr>
+            <a:picLocks noChangeAspect="1" noChangeArrowheads="1"/>
+          </p:cNvPicPr>
+          <p:nvPr/>
+        </p:nvPicPr>
+        <p:blipFill>
+          <a:blip r:embed="rId2">
+            <a:extLst>
+              <a:ext uri="{28A0092B-C50C-407E-A947-70E740481C1C}">
+                <a14:useLocalDpi xmlns:a14="http://schemas.microsoft.com/office/drawing/2010/main" val="0"/>
+              </a:ext>
+            </a:extLst>
+          </a:blip>
+          <a:srcRect/>
+          <a:stretch>
+            <a:fillRect/>
+          </a:stretch>
+        </p:blipFill>
+        <p:spPr bwMode="auto">
+          <a:xfrm>
+            <a:off x="246014" y="268224"/>
+            <a:ext cx="767777" cy="767777"/>
+          </a:xfrm>
+          <a:prstGeom prst="rect">
+            <a:avLst/>
+          </a:prstGeom>
+          <a:noFill/>
+          <a:extLst>
+            <a:ext uri="{909E8E84-426E-40DD-AFC4-6F175D3DCCD1}">
+              <a14:hiddenFill xmlns:a14="http://schemas.microsoft.com/office/drawing/2010/main">
+                <a:solidFill>
+                  <a:srgbClr val="FFFFFF"/>
+                </a:solidFill>
+              </a14:hiddenFill>
+            </a:ext>
+          </a:extLst>
+        </p:spPr>
+      </p:pic>
+      <p:sp>
+        <p:nvSpPr>
+          <p:cNvPr id="3" name="TextBox 2">
+            <a:extLst>
+              <a:ext uri="{FF2B5EF4-FFF2-40B4-BE49-F238E27FC236}">
+                <a16:creationId xmlns:a16="http://schemas.microsoft.com/office/drawing/2014/main" id="{08048466-F860-A3F0-9596-441DC5981AAD}"/>
+              </a:ext>
+            </a:extLst>
+          </p:cNvPr>
+          <p:cNvSpPr txBox="1"/>
+          <p:nvPr/>
+        </p:nvSpPr>
+        <p:spPr>
+          <a:xfrm>
+            <a:off x="1013791" y="482602"/>
+            <a:ext cx="4993184" cy="646331"/>
+          </a:xfrm>
+          <a:prstGeom prst="rect">
+            <a:avLst/>
+          </a:prstGeom>
+          <a:noFill/>
+        </p:spPr>
+        <p:txBody>
+          <a:bodyPr wrap="square" rtlCol="0">
+            <a:spAutoFit/>
+          </a:bodyPr>
+          <a:lstStyle/>
+          <a:p>
+            <a:r>
+              <a:rPr lang="en-US" sz="3600" dirty="0">
+                <a:solidFill>
+                  <a:srgbClr val="0037DA"/>
+                </a:solidFill>
+                <a:latin typeface="Segoe UI Variable Text Semibold" pitchFamily="2" charset="0"/>
+              </a:rPr>
+              <a:t>TypeScript</a:t>
+            </a:r>
+            <a:endParaRPr lang="en-IN" sz="3600" b="1" dirty="0">
+              <a:latin typeface="Bahnschrift SemiBold SemiConden" panose="020B0502040204020203" pitchFamily="34" charset="0"/>
+            </a:endParaRPr>
+          </a:p>
+        </p:txBody>
+      </p:sp>
+      <p:sp>
+        <p:nvSpPr>
+          <p:cNvPr id="10" name="TextBox 9">
+            <a:extLst>
+              <a:ext uri="{FF2B5EF4-FFF2-40B4-BE49-F238E27FC236}">
+                <a16:creationId xmlns:a16="http://schemas.microsoft.com/office/drawing/2014/main" id="{6B29B37C-9929-3708-B835-10FC9653EB36}"/>
+              </a:ext>
+            </a:extLst>
+          </p:cNvPr>
+          <p:cNvSpPr txBox="1"/>
+          <p:nvPr/>
+        </p:nvSpPr>
+        <p:spPr>
+          <a:xfrm>
+            <a:off x="8827825" y="288785"/>
+            <a:ext cx="3118161" cy="1015663"/>
+          </a:xfrm>
+          <a:prstGeom prst="rect">
+            <a:avLst/>
+          </a:prstGeom>
+          <a:noFill/>
+        </p:spPr>
+        <p:txBody>
+          <a:bodyPr wrap="none" rtlCol="0">
+            <a:spAutoFit/>
+          </a:bodyPr>
+          <a:lstStyle/>
+          <a:p>
+            <a:r>
+              <a:rPr lang="en-US" sz="6000" b="1" dirty="0">
+                <a:solidFill>
+                  <a:srgbClr val="92D050"/>
+                </a:solidFill>
+                <a:latin typeface="Bahnschrift SemiBold SemiConden" panose="020B0502040204020203" pitchFamily="34" charset="0"/>
+              </a:rPr>
+              <a:t>Chapter 3</a:t>
+            </a:r>
+            <a:endParaRPr lang="en-IN" sz="6000" dirty="0">
+              <a:solidFill>
+                <a:srgbClr val="92D050"/>
+              </a:solidFill>
+            </a:endParaRPr>
+          </a:p>
+        </p:txBody>
+      </p:sp>
+      <p:pic>
+        <p:nvPicPr>
+          <p:cNvPr id="17" name="Picture 16">
+            <a:extLst>
+              <a:ext uri="{FF2B5EF4-FFF2-40B4-BE49-F238E27FC236}">
+                <a16:creationId xmlns:a16="http://schemas.microsoft.com/office/drawing/2014/main" id="{164B6DEA-8712-CF0E-E7D1-A089B22F8CD8}"/>
+              </a:ext>
+            </a:extLst>
+          </p:cNvPr>
+          <p:cNvPicPr>
+            <a:picLocks noChangeAspect="1"/>
+          </p:cNvPicPr>
+          <p:nvPr/>
+        </p:nvPicPr>
+        <p:blipFill>
+          <a:blip r:embed="rId3">
+            <a:extLst>
+              <a:ext uri="{28A0092B-C50C-407E-A947-70E740481C1C}">
+                <a14:useLocalDpi xmlns:a14="http://schemas.microsoft.com/office/drawing/2010/main" val="0"/>
+              </a:ext>
+            </a:extLst>
+          </a:blip>
+          <a:stretch>
+            <a:fillRect/>
+          </a:stretch>
+        </p:blipFill>
+        <p:spPr>
+          <a:xfrm>
+            <a:off x="1449517" y="1353261"/>
+            <a:ext cx="8726992" cy="5022137"/>
+          </a:xfrm>
+          <a:prstGeom prst="rect">
+            <a:avLst/>
+          </a:prstGeom>
+        </p:spPr>
+      </p:pic>
+    </p:spTree>
+    <p:extLst>
+      <p:ext uri="{BB962C8B-B14F-4D97-AF65-F5344CB8AC3E}">
+        <p14:creationId xmlns:p14="http://schemas.microsoft.com/office/powerpoint/2010/main" val="3880698338"/>
       </p:ext>
     </p:extLst>
   </p:cSld>

--- a/typescript-tutorials.pptx
+++ b/typescript-tutorials.pptx
@@ -17,6 +17,7 @@
     <p:sldId id="266" r:id="rId11"/>
     <p:sldId id="268" r:id="rId12"/>
     <p:sldId id="267" r:id="rId13"/>
+    <p:sldId id="269" r:id="rId14"/>
   </p:sldIdLst>
   <p:sldSz cx="12192000" cy="6858000"/>
   <p:notesSz cx="6858000" cy="9144000"/>
@@ -272,7 +273,7 @@
           <a:p>
             <a:fld id="{0BD99723-41B8-49F9-B72A-1C6CA71BE0CC}" type="datetimeFigureOut">
               <a:rPr lang="en-IN" smtClean="0"/>
-              <a:t>08-10-2025</a:t>
+              <a:t>17-10-2025</a:t>
             </a:fld>
             <a:endParaRPr lang="en-IN"/>
           </a:p>
@@ -472,7 +473,7 @@
           <a:p>
             <a:fld id="{0BD99723-41B8-49F9-B72A-1C6CA71BE0CC}" type="datetimeFigureOut">
               <a:rPr lang="en-IN" smtClean="0"/>
-              <a:t>08-10-2025</a:t>
+              <a:t>17-10-2025</a:t>
             </a:fld>
             <a:endParaRPr lang="en-IN"/>
           </a:p>
@@ -682,7 +683,7 @@
           <a:p>
             <a:fld id="{0BD99723-41B8-49F9-B72A-1C6CA71BE0CC}" type="datetimeFigureOut">
               <a:rPr lang="en-IN" smtClean="0"/>
-              <a:t>08-10-2025</a:t>
+              <a:t>17-10-2025</a:t>
             </a:fld>
             <a:endParaRPr lang="en-IN"/>
           </a:p>
@@ -882,7 +883,7 @@
           <a:p>
             <a:fld id="{0BD99723-41B8-49F9-B72A-1C6CA71BE0CC}" type="datetimeFigureOut">
               <a:rPr lang="en-IN" smtClean="0"/>
-              <a:t>08-10-2025</a:t>
+              <a:t>17-10-2025</a:t>
             </a:fld>
             <a:endParaRPr lang="en-IN"/>
           </a:p>
@@ -1158,7 +1159,7 @@
           <a:p>
             <a:fld id="{0BD99723-41B8-49F9-B72A-1C6CA71BE0CC}" type="datetimeFigureOut">
               <a:rPr lang="en-IN" smtClean="0"/>
-              <a:t>08-10-2025</a:t>
+              <a:t>17-10-2025</a:t>
             </a:fld>
             <a:endParaRPr lang="en-IN"/>
           </a:p>
@@ -1426,7 +1427,7 @@
           <a:p>
             <a:fld id="{0BD99723-41B8-49F9-B72A-1C6CA71BE0CC}" type="datetimeFigureOut">
               <a:rPr lang="en-IN" smtClean="0"/>
-              <a:t>08-10-2025</a:t>
+              <a:t>17-10-2025</a:t>
             </a:fld>
             <a:endParaRPr lang="en-IN"/>
           </a:p>
@@ -1841,7 +1842,7 @@
           <a:p>
             <a:fld id="{0BD99723-41B8-49F9-B72A-1C6CA71BE0CC}" type="datetimeFigureOut">
               <a:rPr lang="en-IN" smtClean="0"/>
-              <a:t>08-10-2025</a:t>
+              <a:t>17-10-2025</a:t>
             </a:fld>
             <a:endParaRPr lang="en-IN"/>
           </a:p>
@@ -1983,7 +1984,7 @@
           <a:p>
             <a:fld id="{0BD99723-41B8-49F9-B72A-1C6CA71BE0CC}" type="datetimeFigureOut">
               <a:rPr lang="en-IN" smtClean="0"/>
-              <a:t>08-10-2025</a:t>
+              <a:t>17-10-2025</a:t>
             </a:fld>
             <a:endParaRPr lang="en-IN"/>
           </a:p>
@@ -2096,7 +2097,7 @@
           <a:p>
             <a:fld id="{0BD99723-41B8-49F9-B72A-1C6CA71BE0CC}" type="datetimeFigureOut">
               <a:rPr lang="en-IN" smtClean="0"/>
-              <a:t>08-10-2025</a:t>
+              <a:t>17-10-2025</a:t>
             </a:fld>
             <a:endParaRPr lang="en-IN"/>
           </a:p>
@@ -2409,7 +2410,7 @@
           <a:p>
             <a:fld id="{0BD99723-41B8-49F9-B72A-1C6CA71BE0CC}" type="datetimeFigureOut">
               <a:rPr lang="en-IN" smtClean="0"/>
-              <a:t>08-10-2025</a:t>
+              <a:t>17-10-2025</a:t>
             </a:fld>
             <a:endParaRPr lang="en-IN"/>
           </a:p>
@@ -2698,7 +2699,7 @@
           <a:p>
             <a:fld id="{0BD99723-41B8-49F9-B72A-1C6CA71BE0CC}" type="datetimeFigureOut">
               <a:rPr lang="en-IN" smtClean="0"/>
-              <a:t>08-10-2025</a:t>
+              <a:t>17-10-2025</a:t>
             </a:fld>
             <a:endParaRPr lang="en-IN"/>
           </a:p>
@@ -2941,7 +2942,7 @@
           <a:p>
             <a:fld id="{0BD99723-41B8-49F9-B72A-1C6CA71BE0CC}" type="datetimeFigureOut">
               <a:rPr lang="en-IN" smtClean="0"/>
-              <a:t>08-10-2025</a:t>
+              <a:t>17-10-2025</a:t>
             </a:fld>
             <a:endParaRPr lang="en-IN"/>
           </a:p>
@@ -4777,6 +4778,347 @@
 </p:sld>
 </file>
 
+<file path=ppt/slides/slide13.xml><?xml version="1.0" encoding="utf-8"?>
+<p:sld xmlns:a="http://schemas.openxmlformats.org/drawingml/2006/main" xmlns:r="http://schemas.openxmlformats.org/officeDocument/2006/relationships" xmlns:p="http://schemas.openxmlformats.org/presentationml/2006/main">
+  <p:cSld>
+    <p:bg>
+      <p:bgPr>
+        <a:solidFill>
+          <a:schemeClr val="bg1"/>
+        </a:solidFill>
+        <a:effectLst/>
+      </p:bgPr>
+    </p:bg>
+    <p:spTree>
+      <p:nvGrpSpPr>
+        <p:cNvPr id="1" name="">
+          <a:extLst>
+            <a:ext uri="{FF2B5EF4-FFF2-40B4-BE49-F238E27FC236}">
+              <a16:creationId xmlns:a16="http://schemas.microsoft.com/office/drawing/2014/main" id="{79E33B9C-B4BB-2FAF-C94E-F48455232ADE}"/>
+            </a:ext>
+          </a:extLst>
+        </p:cNvPr>
+        <p:cNvGrpSpPr/>
+        <p:nvPr/>
+      </p:nvGrpSpPr>
+      <p:grpSpPr>
+        <a:xfrm>
+          <a:off x="0" y="0"/>
+          <a:ext cx="0" cy="0"/>
+          <a:chOff x="0" y="0"/>
+          <a:chExt cx="0" cy="0"/>
+        </a:xfrm>
+      </p:grpSpPr>
+      <p:sp>
+        <p:nvSpPr>
+          <p:cNvPr id="2" name="Title 1">
+            <a:extLst>
+              <a:ext uri="{FF2B5EF4-FFF2-40B4-BE49-F238E27FC236}">
+                <a16:creationId xmlns:a16="http://schemas.microsoft.com/office/drawing/2014/main" id="{90844403-284E-7B68-C5D4-9FE065D2A48D}"/>
+              </a:ext>
+            </a:extLst>
+          </p:cNvPr>
+          <p:cNvSpPr>
+            <a:spLocks noGrp="1"/>
+          </p:cNvSpPr>
+          <p:nvPr>
+            <p:ph type="ctrTitle"/>
+          </p:nvPr>
+        </p:nvSpPr>
+        <p:spPr>
+          <a:xfrm>
+            <a:off x="0" y="-519142"/>
+            <a:ext cx="3720548" cy="438771"/>
+          </a:xfrm>
+        </p:spPr>
+        <p:txBody>
+          <a:bodyPr>
+            <a:normAutofit/>
+          </a:bodyPr>
+          <a:lstStyle/>
+          <a:p>
+            <a:pPr algn="l"/>
+            <a:r>
+              <a:rPr lang="en-US" sz="2400" dirty="0">
+                <a:solidFill>
+                  <a:schemeClr val="bg1"/>
+                </a:solidFill>
+              </a:rPr>
+              <a:t>Types – chapter 6</a:t>
+            </a:r>
+            <a:endParaRPr lang="en-IN" sz="2400" dirty="0">
+              <a:solidFill>
+                <a:schemeClr val="bg1"/>
+              </a:solidFill>
+            </a:endParaRPr>
+          </a:p>
+        </p:txBody>
+      </p:sp>
+      <p:pic>
+        <p:nvPicPr>
+          <p:cNvPr id="1026" name="Picture 2" descr="Typescript - Free logo icons">
+            <a:extLst>
+              <a:ext uri="{FF2B5EF4-FFF2-40B4-BE49-F238E27FC236}">
+                <a16:creationId xmlns:a16="http://schemas.microsoft.com/office/drawing/2014/main" id="{47637FE2-0701-FDE7-A123-11037792552B}"/>
+              </a:ext>
+            </a:extLst>
+          </p:cNvPr>
+          <p:cNvPicPr>
+            <a:picLocks noChangeAspect="1" noChangeArrowheads="1"/>
+          </p:cNvPicPr>
+          <p:nvPr/>
+        </p:nvPicPr>
+        <p:blipFill>
+          <a:blip r:embed="rId2">
+            <a:extLst>
+              <a:ext uri="{28A0092B-C50C-407E-A947-70E740481C1C}">
+                <a14:useLocalDpi xmlns:a14="http://schemas.microsoft.com/office/drawing/2010/main" val="0"/>
+              </a:ext>
+            </a:extLst>
+          </a:blip>
+          <a:srcRect/>
+          <a:stretch>
+            <a:fillRect/>
+          </a:stretch>
+        </p:blipFill>
+        <p:spPr bwMode="auto">
+          <a:xfrm>
+            <a:off x="246014" y="268224"/>
+            <a:ext cx="767777" cy="767777"/>
+          </a:xfrm>
+          <a:prstGeom prst="rect">
+            <a:avLst/>
+          </a:prstGeom>
+          <a:noFill/>
+          <a:extLst>
+            <a:ext uri="{909E8E84-426E-40DD-AFC4-6F175D3DCCD1}">
+              <a14:hiddenFill xmlns:a14="http://schemas.microsoft.com/office/drawing/2010/main">
+                <a:solidFill>
+                  <a:srgbClr val="FFFFFF"/>
+                </a:solidFill>
+              </a14:hiddenFill>
+            </a:ext>
+          </a:extLst>
+        </p:spPr>
+      </p:pic>
+      <p:sp>
+        <p:nvSpPr>
+          <p:cNvPr id="3" name="TextBox 2">
+            <a:extLst>
+              <a:ext uri="{FF2B5EF4-FFF2-40B4-BE49-F238E27FC236}">
+                <a16:creationId xmlns:a16="http://schemas.microsoft.com/office/drawing/2014/main" id="{210B8C8E-3C7F-7669-6DCB-140C28A8F7C1}"/>
+              </a:ext>
+            </a:extLst>
+          </p:cNvPr>
+          <p:cNvSpPr txBox="1"/>
+          <p:nvPr/>
+        </p:nvSpPr>
+        <p:spPr>
+          <a:xfrm>
+            <a:off x="1013791" y="482602"/>
+            <a:ext cx="4993184" cy="646331"/>
+          </a:xfrm>
+          <a:prstGeom prst="rect">
+            <a:avLst/>
+          </a:prstGeom>
+          <a:noFill/>
+        </p:spPr>
+        <p:txBody>
+          <a:bodyPr wrap="square" rtlCol="0">
+            <a:spAutoFit/>
+          </a:bodyPr>
+          <a:lstStyle/>
+          <a:p>
+            <a:r>
+              <a:rPr lang="en-US" sz="3600" dirty="0">
+                <a:solidFill>
+                  <a:srgbClr val="0037DA"/>
+                </a:solidFill>
+                <a:latin typeface="Segoe UI Variable Text Semibold" pitchFamily="2" charset="0"/>
+              </a:rPr>
+              <a:t>TypeScript</a:t>
+            </a:r>
+            <a:endParaRPr lang="en-IN" sz="3600" b="1" dirty="0">
+              <a:latin typeface="Bahnschrift SemiBold SemiConden" panose="020B0502040204020203" pitchFamily="34" charset="0"/>
+            </a:endParaRPr>
+          </a:p>
+        </p:txBody>
+      </p:sp>
+      <p:sp>
+        <p:nvSpPr>
+          <p:cNvPr id="10" name="TextBox 9">
+            <a:extLst>
+              <a:ext uri="{FF2B5EF4-FFF2-40B4-BE49-F238E27FC236}">
+                <a16:creationId xmlns:a16="http://schemas.microsoft.com/office/drawing/2014/main" id="{C19037F6-2C03-8BDB-1543-3B1C15A6F46C}"/>
+              </a:ext>
+            </a:extLst>
+          </p:cNvPr>
+          <p:cNvSpPr txBox="1"/>
+          <p:nvPr/>
+        </p:nvSpPr>
+        <p:spPr>
+          <a:xfrm>
+            <a:off x="8827825" y="288785"/>
+            <a:ext cx="3118161" cy="1015663"/>
+          </a:xfrm>
+          <a:prstGeom prst="rect">
+            <a:avLst/>
+          </a:prstGeom>
+          <a:noFill/>
+        </p:spPr>
+        <p:txBody>
+          <a:bodyPr wrap="none" rtlCol="0">
+            <a:spAutoFit/>
+          </a:bodyPr>
+          <a:lstStyle/>
+          <a:p>
+            <a:r>
+              <a:rPr lang="en-US" sz="6000" b="1" dirty="0">
+                <a:solidFill>
+                  <a:srgbClr val="92D050"/>
+                </a:solidFill>
+                <a:latin typeface="Bahnschrift SemiBold SemiConden" panose="020B0502040204020203" pitchFamily="34" charset="0"/>
+              </a:rPr>
+              <a:t>Chapter 4</a:t>
+            </a:r>
+            <a:endParaRPr lang="en-IN" sz="6000" dirty="0">
+              <a:solidFill>
+                <a:srgbClr val="92D050"/>
+              </a:solidFill>
+            </a:endParaRPr>
+          </a:p>
+        </p:txBody>
+      </p:sp>
+      <p:sp>
+        <p:nvSpPr>
+          <p:cNvPr id="4" name="TextBox 3">
+            <a:extLst>
+              <a:ext uri="{FF2B5EF4-FFF2-40B4-BE49-F238E27FC236}">
+                <a16:creationId xmlns:a16="http://schemas.microsoft.com/office/drawing/2014/main" id="{BE99698D-4C61-A161-A021-FD62B95097E0}"/>
+              </a:ext>
+            </a:extLst>
+          </p:cNvPr>
+          <p:cNvSpPr txBox="1"/>
+          <p:nvPr/>
+        </p:nvSpPr>
+        <p:spPr>
+          <a:xfrm>
+            <a:off x="290647" y="1867421"/>
+            <a:ext cx="11610706" cy="3539430"/>
+          </a:xfrm>
+          <a:prstGeom prst="rect">
+            <a:avLst/>
+          </a:prstGeom>
+          <a:noFill/>
+        </p:spPr>
+        <p:txBody>
+          <a:bodyPr wrap="square" rtlCol="0">
+            <a:spAutoFit/>
+          </a:bodyPr>
+          <a:lstStyle/>
+          <a:p>
+            <a:pPr algn="ctr"/>
+            <a:r>
+              <a:rPr lang="en-US" sz="7200" b="1" dirty="0">
+                <a:solidFill>
+                  <a:schemeClr val="accent1"/>
+                </a:solidFill>
+                <a:latin typeface="Bahnschrift SemiBold SemiConden" panose="020B0502040204020203" pitchFamily="34" charset="0"/>
+              </a:rPr>
+              <a:t>Types</a:t>
+            </a:r>
+            <a:br>
+              <a:rPr lang="en-US" sz="3600" dirty="0">
+                <a:latin typeface="Bahnschrift SemiBold SemiConden" panose="020B0502040204020203" pitchFamily="34" charset="0"/>
+              </a:rPr>
+            </a:br>
+            <a:r>
+              <a:rPr lang="en-US" sz="8000" dirty="0">
+                <a:latin typeface="Bahnschrift SemiBold SemiConden" panose="020B0502040204020203" pitchFamily="34" charset="0"/>
+              </a:rPr>
+              <a:t>Annotations with Variables</a:t>
+            </a:r>
+            <a:br>
+              <a:rPr lang="en-US" sz="7200" dirty="0">
+                <a:latin typeface="Bahnschrift SemiBold SemiConden" panose="020B0502040204020203" pitchFamily="34" charset="0"/>
+              </a:rPr>
+            </a:br>
+            <a:r>
+              <a:rPr lang="en-US" sz="7200" dirty="0">
+                <a:solidFill>
+                  <a:srgbClr val="0037DA"/>
+                </a:solidFill>
+                <a:latin typeface="Bahnschrift SemiBold SemiConden" panose="020B0502040204020203" pitchFamily="34" charset="0"/>
+              </a:rPr>
+              <a:t>let</a:t>
+            </a:r>
+            <a:r>
+              <a:rPr lang="en-US" sz="7200" dirty="0">
+                <a:latin typeface="Bahnschrift SemiBold SemiConden" panose="020B0502040204020203" pitchFamily="34" charset="0"/>
+              </a:rPr>
+              <a:t> </a:t>
+            </a:r>
+            <a:r>
+              <a:rPr lang="en-US" sz="7200" dirty="0" err="1">
+                <a:latin typeface="Bahnschrift SemiBold SemiConden" panose="020B0502040204020203" pitchFamily="34" charset="0"/>
+              </a:rPr>
+              <a:t>myVar</a:t>
+            </a:r>
+            <a:r>
+              <a:rPr lang="en-US" sz="7200" dirty="0">
+                <a:latin typeface="Bahnschrift SemiBold SemiConden" panose="020B0502040204020203" pitchFamily="34" charset="0"/>
+              </a:rPr>
+              <a:t>: </a:t>
+            </a:r>
+            <a:r>
+              <a:rPr lang="en-US" sz="7200" dirty="0">
+                <a:solidFill>
+                  <a:schemeClr val="accent2">
+                    <a:lumMod val="60000"/>
+                    <a:lumOff val="40000"/>
+                  </a:schemeClr>
+                </a:solidFill>
+                <a:latin typeface="Bahnschrift SemiBold SemiConden" panose="020B0502040204020203" pitchFamily="34" charset="0"/>
+              </a:rPr>
+              <a:t>number</a:t>
+            </a:r>
+            <a:r>
+              <a:rPr lang="en-US" sz="7200" dirty="0">
+                <a:latin typeface="Bahnschrift SemiBold SemiConden" panose="020B0502040204020203" pitchFamily="34" charset="0"/>
+              </a:rPr>
+              <a:t> = </a:t>
+            </a:r>
+            <a:r>
+              <a:rPr lang="en-US" sz="7200" dirty="0">
+                <a:solidFill>
+                  <a:srgbClr val="FFC000"/>
+                </a:solidFill>
+                <a:latin typeface="Bahnschrift SemiBold SemiConden" panose="020B0502040204020203" pitchFamily="34" charset="0"/>
+              </a:rPr>
+              <a:t>10</a:t>
+            </a:r>
+            <a:endParaRPr lang="en-US" sz="7200" dirty="0">
+              <a:solidFill>
+                <a:srgbClr val="FFC000"/>
+              </a:solidFill>
+              <a:latin typeface="Aptos Narrow" panose="020B0004020202020204" pitchFamily="34" charset="0"/>
+            </a:endParaRPr>
+          </a:p>
+        </p:txBody>
+      </p:sp>
+    </p:spTree>
+    <p:extLst>
+      <p:ext uri="{BB962C8B-B14F-4D97-AF65-F5344CB8AC3E}">
+        <p14:creationId xmlns:p14="http://schemas.microsoft.com/office/powerpoint/2010/main" val="3289571504"/>
+      </p:ext>
+    </p:extLst>
+  </p:cSld>
+  <p:clrMapOvr>
+    <a:masterClrMapping/>
+  </p:clrMapOvr>
+</p:sld>
+</file>
+
 <file path=ppt/slides/slide2.xml><?xml version="1.0" encoding="utf-8"?>
 <p:sld xmlns:a="http://schemas.openxmlformats.org/drawingml/2006/main" xmlns:r="http://schemas.openxmlformats.org/officeDocument/2006/relationships" xmlns:p="http://schemas.openxmlformats.org/presentationml/2006/main">
   <p:cSld>

--- a/typescript-tutorials.pptx
+++ b/typescript-tutorials.pptx
@@ -2,7 +2,7 @@
 <file path=ppt/presentation.xml><?xml version="1.0" encoding="utf-8"?>
 <p:presentation xmlns:a="http://schemas.openxmlformats.org/drawingml/2006/main" xmlns:r="http://schemas.openxmlformats.org/officeDocument/2006/relationships" xmlns:p="http://schemas.openxmlformats.org/presentationml/2006/main" saveSubsetFonts="1">
   <p:sldMasterIdLst>
-    <p:sldMasterId id="2147483648" r:id="rId1"/>
+    <p:sldMasterId id="2147483696" r:id="rId1"/>
   </p:sldMasterIdLst>
   <p:sldIdLst>
     <p:sldId id="256" r:id="rId2"/>
@@ -18,6 +18,7 @@
     <p:sldId id="268" r:id="rId12"/>
     <p:sldId id="267" r:id="rId13"/>
     <p:sldId id="269" r:id="rId14"/>
+    <p:sldId id="270" r:id="rId15"/>
   </p:sldIdLst>
   <p:sldSz cx="12192000" cy="6858000"/>
   <p:notesSz cx="6858000" cy="9144000"/>
@@ -25,7 +26,7 @@
     <a:defPPr>
       <a:defRPr lang="en-US"/>
     </a:defPPr>
-    <a:lvl1pPr marL="0" algn="l" defTabSz="914400" rtl="0" eaLnBrk="1" latinLnBrk="0" hangingPunct="1">
+    <a:lvl1pPr marL="0" algn="l" defTabSz="457200" rtl="0" eaLnBrk="1" latinLnBrk="0" hangingPunct="1">
       <a:defRPr sz="1800" kern="1200">
         <a:solidFill>
           <a:schemeClr val="tx1"/>
@@ -35,7 +36,7 @@
         <a:cs typeface="+mn-cs"/>
       </a:defRPr>
     </a:lvl1pPr>
-    <a:lvl2pPr marL="457200" algn="l" defTabSz="914400" rtl="0" eaLnBrk="1" latinLnBrk="0" hangingPunct="1">
+    <a:lvl2pPr marL="457200" algn="l" defTabSz="457200" rtl="0" eaLnBrk="1" latinLnBrk="0" hangingPunct="1">
       <a:defRPr sz="1800" kern="1200">
         <a:solidFill>
           <a:schemeClr val="tx1"/>
@@ -45,7 +46,7 @@
         <a:cs typeface="+mn-cs"/>
       </a:defRPr>
     </a:lvl2pPr>
-    <a:lvl3pPr marL="914400" algn="l" defTabSz="914400" rtl="0" eaLnBrk="1" latinLnBrk="0" hangingPunct="1">
+    <a:lvl3pPr marL="914400" algn="l" defTabSz="457200" rtl="0" eaLnBrk="1" latinLnBrk="0" hangingPunct="1">
       <a:defRPr sz="1800" kern="1200">
         <a:solidFill>
           <a:schemeClr val="tx1"/>
@@ -55,7 +56,7 @@
         <a:cs typeface="+mn-cs"/>
       </a:defRPr>
     </a:lvl3pPr>
-    <a:lvl4pPr marL="1371600" algn="l" defTabSz="914400" rtl="0" eaLnBrk="1" latinLnBrk="0" hangingPunct="1">
+    <a:lvl4pPr marL="1371600" algn="l" defTabSz="457200" rtl="0" eaLnBrk="1" latinLnBrk="0" hangingPunct="1">
       <a:defRPr sz="1800" kern="1200">
         <a:solidFill>
           <a:schemeClr val="tx1"/>
@@ -65,7 +66,7 @@
         <a:cs typeface="+mn-cs"/>
       </a:defRPr>
     </a:lvl4pPr>
-    <a:lvl5pPr marL="1828800" algn="l" defTabSz="914400" rtl="0" eaLnBrk="1" latinLnBrk="0" hangingPunct="1">
+    <a:lvl5pPr marL="1828800" algn="l" defTabSz="457200" rtl="0" eaLnBrk="1" latinLnBrk="0" hangingPunct="1">
       <a:defRPr sz="1800" kern="1200">
         <a:solidFill>
           <a:schemeClr val="tx1"/>
@@ -75,7 +76,7 @@
         <a:cs typeface="+mn-cs"/>
       </a:defRPr>
     </a:lvl5pPr>
-    <a:lvl6pPr marL="2286000" algn="l" defTabSz="914400" rtl="0" eaLnBrk="1" latinLnBrk="0" hangingPunct="1">
+    <a:lvl6pPr marL="2286000" algn="l" defTabSz="457200" rtl="0" eaLnBrk="1" latinLnBrk="0" hangingPunct="1">
       <a:defRPr sz="1800" kern="1200">
         <a:solidFill>
           <a:schemeClr val="tx1"/>
@@ -85,7 +86,7 @@
         <a:cs typeface="+mn-cs"/>
       </a:defRPr>
     </a:lvl6pPr>
-    <a:lvl7pPr marL="2743200" algn="l" defTabSz="914400" rtl="0" eaLnBrk="1" latinLnBrk="0" hangingPunct="1">
+    <a:lvl7pPr marL="2743200" algn="l" defTabSz="457200" rtl="0" eaLnBrk="1" latinLnBrk="0" hangingPunct="1">
       <a:defRPr sz="1800" kern="1200">
         <a:solidFill>
           <a:schemeClr val="tx1"/>
@@ -95,7 +96,7 @@
         <a:cs typeface="+mn-cs"/>
       </a:defRPr>
     </a:lvl7pPr>
-    <a:lvl8pPr marL="3200400" algn="l" defTabSz="914400" rtl="0" eaLnBrk="1" latinLnBrk="0" hangingPunct="1">
+    <a:lvl8pPr marL="3200400" algn="l" defTabSz="457200" rtl="0" eaLnBrk="1" latinLnBrk="0" hangingPunct="1">
       <a:defRPr sz="1800" kern="1200">
         <a:solidFill>
           <a:schemeClr val="tx1"/>
@@ -105,7 +106,7 @@
         <a:cs typeface="+mn-cs"/>
       </a:defRPr>
     </a:lvl8pPr>
-    <a:lvl9pPr marL="3657600" algn="l" defTabSz="914400" rtl="0" eaLnBrk="1" latinLnBrk="0" hangingPunct="1">
+    <a:lvl9pPr marL="3657600" algn="l" defTabSz="457200" rtl="0" eaLnBrk="1" latinLnBrk="0" hangingPunct="1">
       <a:defRPr sz="1800" kern="1200">
         <a:solidFill>
           <a:schemeClr val="tx1"/>
@@ -143,13 +144,7 @@
       </p:grpSpPr>
       <p:sp>
         <p:nvSpPr>
-          <p:cNvPr id="2" name="Title 1">
-            <a:extLst>
-              <a:ext uri="{FF2B5EF4-FFF2-40B4-BE49-F238E27FC236}">
-                <a16:creationId xmlns:a16="http://schemas.microsoft.com/office/drawing/2014/main" id="{EC44C183-0836-F850-2462-7A2459FD3237}"/>
-              </a:ext>
-            </a:extLst>
-          </p:cNvPr>
+          <p:cNvPr id="2" name="Title 1"/>
           <p:cNvSpPr>
             <a:spLocks noGrp="1"/>
           </p:cNvSpPr>
@@ -175,19 +170,13 @@
               <a:rPr lang="en-US"/>
               <a:t>Click to edit Master title style</a:t>
             </a:r>
-            <a:endParaRPr lang="en-IN"/>
-          </a:p>
-        </p:txBody>
-      </p:sp>
-      <p:sp>
-        <p:nvSpPr>
-          <p:cNvPr id="3" name="Subtitle 2">
-            <a:extLst>
-              <a:ext uri="{FF2B5EF4-FFF2-40B4-BE49-F238E27FC236}">
-                <a16:creationId xmlns:a16="http://schemas.microsoft.com/office/drawing/2014/main" id="{B7C12538-0B7A-7CCD-7FAE-7E7F95D6AB7D}"/>
-              </a:ext>
-            </a:extLst>
-          </p:cNvPr>
+            <a:endParaRPr lang="en-US" dirty="0"/>
+          </a:p>
+        </p:txBody>
+      </p:sp>
+      <p:sp>
+        <p:nvSpPr>
+          <p:cNvPr id="3" name="Subtitle 2"/>
           <p:cNvSpPr>
             <a:spLocks noGrp="1"/>
           </p:cNvSpPr>
@@ -246,19 +235,13 @@
               <a:rPr lang="en-US"/>
               <a:t>Click to edit Master subtitle style</a:t>
             </a:r>
-            <a:endParaRPr lang="en-IN"/>
-          </a:p>
-        </p:txBody>
-      </p:sp>
-      <p:sp>
-        <p:nvSpPr>
-          <p:cNvPr id="4" name="Date Placeholder 3">
-            <a:extLst>
-              <a:ext uri="{FF2B5EF4-FFF2-40B4-BE49-F238E27FC236}">
-                <a16:creationId xmlns:a16="http://schemas.microsoft.com/office/drawing/2014/main" id="{E8AC654A-9C96-940B-77DA-781DA5826F3C}"/>
-              </a:ext>
-            </a:extLst>
-          </p:cNvPr>
+            <a:endParaRPr lang="en-US" dirty="0"/>
+          </a:p>
+        </p:txBody>
+      </p:sp>
+      <p:sp>
+        <p:nvSpPr>
+          <p:cNvPr id="4" name="Date Placeholder 3"/>
           <p:cNvSpPr>
             <a:spLocks noGrp="1"/>
           </p:cNvSpPr>
@@ -273,7 +256,7 @@
           <a:p>
             <a:fld id="{0BD99723-41B8-49F9-B72A-1C6CA71BE0CC}" type="datetimeFigureOut">
               <a:rPr lang="en-IN" smtClean="0"/>
-              <a:t>17-10-2025</a:t>
+              <a:t>01-11-2025</a:t>
             </a:fld>
             <a:endParaRPr lang="en-IN"/>
           </a:p>
@@ -281,13 +264,7 @@
       </p:sp>
       <p:sp>
         <p:nvSpPr>
-          <p:cNvPr id="5" name="Footer Placeholder 4">
-            <a:extLst>
-              <a:ext uri="{FF2B5EF4-FFF2-40B4-BE49-F238E27FC236}">
-                <a16:creationId xmlns:a16="http://schemas.microsoft.com/office/drawing/2014/main" id="{E78C0C7F-027E-4757-A860-0E1FCA2B3A0E}"/>
-              </a:ext>
-            </a:extLst>
-          </p:cNvPr>
+          <p:cNvPr id="5" name="Footer Placeholder 4"/>
           <p:cNvSpPr>
             <a:spLocks noGrp="1"/>
           </p:cNvSpPr>
@@ -306,13 +283,7 @@
       </p:sp>
       <p:sp>
         <p:nvSpPr>
-          <p:cNvPr id="6" name="Slide Number Placeholder 5">
-            <a:extLst>
-              <a:ext uri="{FF2B5EF4-FFF2-40B4-BE49-F238E27FC236}">
-                <a16:creationId xmlns:a16="http://schemas.microsoft.com/office/drawing/2014/main" id="{2F0DAAF1-9B3A-3976-867B-19A84490BB8C}"/>
-              </a:ext>
-            </a:extLst>
-          </p:cNvPr>
+          <p:cNvPr id="6" name="Slide Number Placeholder 5"/>
           <p:cNvSpPr>
             <a:spLocks noGrp="1"/>
           </p:cNvSpPr>
@@ -336,7 +307,7 @@
     </p:spTree>
     <p:extLst>
       <p:ext uri="{BB962C8B-B14F-4D97-AF65-F5344CB8AC3E}">
-        <p14:creationId xmlns:p14="http://schemas.microsoft.com/office/powerpoint/2010/main" val="1372141815"/>
+        <p14:creationId xmlns:p14="http://schemas.microsoft.com/office/powerpoint/2010/main" val="1121730084"/>
       </p:ext>
     </p:extLst>
   </p:cSld>
@@ -365,13 +336,7 @@
       </p:grpSpPr>
       <p:sp>
         <p:nvSpPr>
-          <p:cNvPr id="2" name="Title 1">
-            <a:extLst>
-              <a:ext uri="{FF2B5EF4-FFF2-40B4-BE49-F238E27FC236}">
-                <a16:creationId xmlns:a16="http://schemas.microsoft.com/office/drawing/2014/main" id="{E438A22A-0D0D-BE7C-296C-CDBE56D15826}"/>
-              </a:ext>
-            </a:extLst>
-          </p:cNvPr>
+          <p:cNvPr id="2" name="Title 1"/>
           <p:cNvSpPr>
             <a:spLocks noGrp="1"/>
           </p:cNvSpPr>
@@ -388,19 +353,13 @@
               <a:rPr lang="en-US"/>
               <a:t>Click to edit Master title style</a:t>
             </a:r>
-            <a:endParaRPr lang="en-IN"/>
-          </a:p>
-        </p:txBody>
-      </p:sp>
-      <p:sp>
-        <p:nvSpPr>
-          <p:cNvPr id="3" name="Vertical Text Placeholder 2">
-            <a:extLst>
-              <a:ext uri="{FF2B5EF4-FFF2-40B4-BE49-F238E27FC236}">
-                <a16:creationId xmlns:a16="http://schemas.microsoft.com/office/drawing/2014/main" id="{B31773BB-4CE1-93BD-36DF-8FDFFE536A02}"/>
-              </a:ext>
-            </a:extLst>
-          </p:cNvPr>
+            <a:endParaRPr lang="en-US" dirty="0"/>
+          </a:p>
+        </p:txBody>
+      </p:sp>
+      <p:sp>
+        <p:nvSpPr>
+          <p:cNvPr id="3" name="Vertical Text Placeholder 2"/>
           <p:cNvSpPr>
             <a:spLocks noGrp="1"/>
           </p:cNvSpPr>
@@ -446,19 +405,13 @@
               <a:rPr lang="en-US"/>
               <a:t>Fifth level</a:t>
             </a:r>
-            <a:endParaRPr lang="en-IN"/>
-          </a:p>
-        </p:txBody>
-      </p:sp>
-      <p:sp>
-        <p:nvSpPr>
-          <p:cNvPr id="4" name="Date Placeholder 3">
-            <a:extLst>
-              <a:ext uri="{FF2B5EF4-FFF2-40B4-BE49-F238E27FC236}">
-                <a16:creationId xmlns:a16="http://schemas.microsoft.com/office/drawing/2014/main" id="{94ADA382-340A-CDF4-CEC8-86932C3DEE77}"/>
-              </a:ext>
-            </a:extLst>
-          </p:cNvPr>
+            <a:endParaRPr lang="en-US" dirty="0"/>
+          </a:p>
+        </p:txBody>
+      </p:sp>
+      <p:sp>
+        <p:nvSpPr>
+          <p:cNvPr id="4" name="Date Placeholder 3"/>
           <p:cNvSpPr>
             <a:spLocks noGrp="1"/>
           </p:cNvSpPr>
@@ -473,7 +426,7 @@
           <a:p>
             <a:fld id="{0BD99723-41B8-49F9-B72A-1C6CA71BE0CC}" type="datetimeFigureOut">
               <a:rPr lang="en-IN" smtClean="0"/>
-              <a:t>17-10-2025</a:t>
+              <a:t>01-11-2025</a:t>
             </a:fld>
             <a:endParaRPr lang="en-IN"/>
           </a:p>
@@ -481,13 +434,7 @@
       </p:sp>
       <p:sp>
         <p:nvSpPr>
-          <p:cNvPr id="5" name="Footer Placeholder 4">
-            <a:extLst>
-              <a:ext uri="{FF2B5EF4-FFF2-40B4-BE49-F238E27FC236}">
-                <a16:creationId xmlns:a16="http://schemas.microsoft.com/office/drawing/2014/main" id="{D7E6FA7D-D06A-2D25-7B94-35ECD1D0F250}"/>
-              </a:ext>
-            </a:extLst>
-          </p:cNvPr>
+          <p:cNvPr id="5" name="Footer Placeholder 4"/>
           <p:cNvSpPr>
             <a:spLocks noGrp="1"/>
           </p:cNvSpPr>
@@ -506,13 +453,7 @@
       </p:sp>
       <p:sp>
         <p:nvSpPr>
-          <p:cNvPr id="6" name="Slide Number Placeholder 5">
-            <a:extLst>
-              <a:ext uri="{FF2B5EF4-FFF2-40B4-BE49-F238E27FC236}">
-                <a16:creationId xmlns:a16="http://schemas.microsoft.com/office/drawing/2014/main" id="{F8B5838C-88F4-B6B8-C7BA-2928077624D8}"/>
-              </a:ext>
-            </a:extLst>
-          </p:cNvPr>
+          <p:cNvPr id="6" name="Slide Number Placeholder 5"/>
           <p:cNvSpPr>
             <a:spLocks noGrp="1"/>
           </p:cNvSpPr>
@@ -536,7 +477,7 @@
     </p:spTree>
     <p:extLst>
       <p:ext uri="{BB962C8B-B14F-4D97-AF65-F5344CB8AC3E}">
-        <p14:creationId xmlns:p14="http://schemas.microsoft.com/office/powerpoint/2010/main" val="3103524258"/>
+        <p14:creationId xmlns:p14="http://schemas.microsoft.com/office/powerpoint/2010/main" val="2574618253"/>
       </p:ext>
     </p:extLst>
   </p:cSld>
@@ -565,13 +506,7 @@
       </p:grpSpPr>
       <p:sp>
         <p:nvSpPr>
-          <p:cNvPr id="2" name="Vertical Title 1">
-            <a:extLst>
-              <a:ext uri="{FF2B5EF4-FFF2-40B4-BE49-F238E27FC236}">
-                <a16:creationId xmlns:a16="http://schemas.microsoft.com/office/drawing/2014/main" id="{9D391D00-0E2A-F614-1AF6-8A5B25681353}"/>
-              </a:ext>
-            </a:extLst>
-          </p:cNvPr>
+          <p:cNvPr id="2" name="Vertical Title 1"/>
           <p:cNvSpPr>
             <a:spLocks noGrp="1"/>
           </p:cNvSpPr>
@@ -593,19 +528,13 @@
               <a:rPr lang="en-US"/>
               <a:t>Click to edit Master title style</a:t>
             </a:r>
-            <a:endParaRPr lang="en-IN"/>
-          </a:p>
-        </p:txBody>
-      </p:sp>
-      <p:sp>
-        <p:nvSpPr>
-          <p:cNvPr id="3" name="Vertical Text Placeholder 2">
-            <a:extLst>
-              <a:ext uri="{FF2B5EF4-FFF2-40B4-BE49-F238E27FC236}">
-                <a16:creationId xmlns:a16="http://schemas.microsoft.com/office/drawing/2014/main" id="{4C24FB4D-F489-3233-25F8-7B8ADC52A197}"/>
-              </a:ext>
-            </a:extLst>
-          </p:cNvPr>
+            <a:endParaRPr lang="en-US" dirty="0"/>
+          </a:p>
+        </p:txBody>
+      </p:sp>
+      <p:sp>
+        <p:nvSpPr>
+          <p:cNvPr id="3" name="Vertical Text Placeholder 2"/>
           <p:cNvSpPr>
             <a:spLocks noGrp="1"/>
           </p:cNvSpPr>
@@ -656,19 +585,13 @@
               <a:rPr lang="en-US"/>
               <a:t>Fifth level</a:t>
             </a:r>
-            <a:endParaRPr lang="en-IN"/>
-          </a:p>
-        </p:txBody>
-      </p:sp>
-      <p:sp>
-        <p:nvSpPr>
-          <p:cNvPr id="4" name="Date Placeholder 3">
-            <a:extLst>
-              <a:ext uri="{FF2B5EF4-FFF2-40B4-BE49-F238E27FC236}">
-                <a16:creationId xmlns:a16="http://schemas.microsoft.com/office/drawing/2014/main" id="{3109ECC5-5A58-EC9F-F3C8-128F69DC157A}"/>
-              </a:ext>
-            </a:extLst>
-          </p:cNvPr>
+            <a:endParaRPr lang="en-US" dirty="0"/>
+          </a:p>
+        </p:txBody>
+      </p:sp>
+      <p:sp>
+        <p:nvSpPr>
+          <p:cNvPr id="4" name="Date Placeholder 3"/>
           <p:cNvSpPr>
             <a:spLocks noGrp="1"/>
           </p:cNvSpPr>
@@ -683,7 +606,7 @@
           <a:p>
             <a:fld id="{0BD99723-41B8-49F9-B72A-1C6CA71BE0CC}" type="datetimeFigureOut">
               <a:rPr lang="en-IN" smtClean="0"/>
-              <a:t>17-10-2025</a:t>
+              <a:t>01-11-2025</a:t>
             </a:fld>
             <a:endParaRPr lang="en-IN"/>
           </a:p>
@@ -691,13 +614,7 @@
       </p:sp>
       <p:sp>
         <p:nvSpPr>
-          <p:cNvPr id="5" name="Footer Placeholder 4">
-            <a:extLst>
-              <a:ext uri="{FF2B5EF4-FFF2-40B4-BE49-F238E27FC236}">
-                <a16:creationId xmlns:a16="http://schemas.microsoft.com/office/drawing/2014/main" id="{66CA89D7-E6B2-ED78-4C2F-77AE6EF99B1F}"/>
-              </a:ext>
-            </a:extLst>
-          </p:cNvPr>
+          <p:cNvPr id="5" name="Footer Placeholder 4"/>
           <p:cNvSpPr>
             <a:spLocks noGrp="1"/>
           </p:cNvSpPr>
@@ -716,13 +633,7 @@
       </p:sp>
       <p:sp>
         <p:nvSpPr>
-          <p:cNvPr id="6" name="Slide Number Placeholder 5">
-            <a:extLst>
-              <a:ext uri="{FF2B5EF4-FFF2-40B4-BE49-F238E27FC236}">
-                <a16:creationId xmlns:a16="http://schemas.microsoft.com/office/drawing/2014/main" id="{0B8568E1-F0D8-8A7D-FB31-8396952E547F}"/>
-              </a:ext>
-            </a:extLst>
-          </p:cNvPr>
+          <p:cNvPr id="6" name="Slide Number Placeholder 5"/>
           <p:cNvSpPr>
             <a:spLocks noGrp="1"/>
           </p:cNvSpPr>
@@ -746,7 +657,7 @@
     </p:spTree>
     <p:extLst>
       <p:ext uri="{BB962C8B-B14F-4D97-AF65-F5344CB8AC3E}">
-        <p14:creationId xmlns:p14="http://schemas.microsoft.com/office/powerpoint/2010/main" val="1171060236"/>
+        <p14:creationId xmlns:p14="http://schemas.microsoft.com/office/powerpoint/2010/main" val="3074835231"/>
       </p:ext>
     </p:extLst>
   </p:cSld>
@@ -775,13 +686,7 @@
       </p:grpSpPr>
       <p:sp>
         <p:nvSpPr>
-          <p:cNvPr id="2" name="Title 1">
-            <a:extLst>
-              <a:ext uri="{FF2B5EF4-FFF2-40B4-BE49-F238E27FC236}">
-                <a16:creationId xmlns:a16="http://schemas.microsoft.com/office/drawing/2014/main" id="{1B81156B-76A2-DF80-C88F-EBEC5098B774}"/>
-              </a:ext>
-            </a:extLst>
-          </p:cNvPr>
+          <p:cNvPr id="2" name="Title 1"/>
           <p:cNvSpPr>
             <a:spLocks noGrp="1"/>
           </p:cNvSpPr>
@@ -798,19 +703,13 @@
               <a:rPr lang="en-US"/>
               <a:t>Click to edit Master title style</a:t>
             </a:r>
-            <a:endParaRPr lang="en-IN"/>
-          </a:p>
-        </p:txBody>
-      </p:sp>
-      <p:sp>
-        <p:nvSpPr>
-          <p:cNvPr id="3" name="Content Placeholder 2">
-            <a:extLst>
-              <a:ext uri="{FF2B5EF4-FFF2-40B4-BE49-F238E27FC236}">
-                <a16:creationId xmlns:a16="http://schemas.microsoft.com/office/drawing/2014/main" id="{A3C80B0E-16C1-0B0D-982F-EC5B60289AE4}"/>
-              </a:ext>
-            </a:extLst>
-          </p:cNvPr>
+            <a:endParaRPr lang="en-US" dirty="0"/>
+          </a:p>
+        </p:txBody>
+      </p:sp>
+      <p:sp>
+        <p:nvSpPr>
+          <p:cNvPr id="3" name="Content Placeholder 2"/>
           <p:cNvSpPr>
             <a:spLocks noGrp="1"/>
           </p:cNvSpPr>
@@ -856,19 +755,13 @@
               <a:rPr lang="en-US"/>
               <a:t>Fifth level</a:t>
             </a:r>
-            <a:endParaRPr lang="en-IN"/>
-          </a:p>
-        </p:txBody>
-      </p:sp>
-      <p:sp>
-        <p:nvSpPr>
-          <p:cNvPr id="4" name="Date Placeholder 3">
-            <a:extLst>
-              <a:ext uri="{FF2B5EF4-FFF2-40B4-BE49-F238E27FC236}">
-                <a16:creationId xmlns:a16="http://schemas.microsoft.com/office/drawing/2014/main" id="{7E7063AE-9720-2E32-4636-C7A739F3FD5E}"/>
-              </a:ext>
-            </a:extLst>
-          </p:cNvPr>
+            <a:endParaRPr lang="en-US" dirty="0"/>
+          </a:p>
+        </p:txBody>
+      </p:sp>
+      <p:sp>
+        <p:nvSpPr>
+          <p:cNvPr id="4" name="Date Placeholder 3"/>
           <p:cNvSpPr>
             <a:spLocks noGrp="1"/>
           </p:cNvSpPr>
@@ -883,7 +776,7 @@
           <a:p>
             <a:fld id="{0BD99723-41B8-49F9-B72A-1C6CA71BE0CC}" type="datetimeFigureOut">
               <a:rPr lang="en-IN" smtClean="0"/>
-              <a:t>17-10-2025</a:t>
+              <a:t>01-11-2025</a:t>
             </a:fld>
             <a:endParaRPr lang="en-IN"/>
           </a:p>
@@ -891,13 +784,7 @@
       </p:sp>
       <p:sp>
         <p:nvSpPr>
-          <p:cNvPr id="5" name="Footer Placeholder 4">
-            <a:extLst>
-              <a:ext uri="{FF2B5EF4-FFF2-40B4-BE49-F238E27FC236}">
-                <a16:creationId xmlns:a16="http://schemas.microsoft.com/office/drawing/2014/main" id="{FAD17965-A0A0-1109-450D-314EA800D6D6}"/>
-              </a:ext>
-            </a:extLst>
-          </p:cNvPr>
+          <p:cNvPr id="5" name="Footer Placeholder 4"/>
           <p:cNvSpPr>
             <a:spLocks noGrp="1"/>
           </p:cNvSpPr>
@@ -916,13 +803,7 @@
       </p:sp>
       <p:sp>
         <p:nvSpPr>
-          <p:cNvPr id="6" name="Slide Number Placeholder 5">
-            <a:extLst>
-              <a:ext uri="{FF2B5EF4-FFF2-40B4-BE49-F238E27FC236}">
-                <a16:creationId xmlns:a16="http://schemas.microsoft.com/office/drawing/2014/main" id="{D7B3E403-A992-8887-50DE-EE4F4CFF0260}"/>
-              </a:ext>
-            </a:extLst>
-          </p:cNvPr>
+          <p:cNvPr id="6" name="Slide Number Placeholder 5"/>
           <p:cNvSpPr>
             <a:spLocks noGrp="1"/>
           </p:cNvSpPr>
@@ -946,7 +827,7 @@
     </p:spTree>
     <p:extLst>
       <p:ext uri="{BB962C8B-B14F-4D97-AF65-F5344CB8AC3E}">
-        <p14:creationId xmlns:p14="http://schemas.microsoft.com/office/powerpoint/2010/main" val="2058160031"/>
+        <p14:creationId xmlns:p14="http://schemas.microsoft.com/office/powerpoint/2010/main" val="1882717875"/>
       </p:ext>
     </p:extLst>
   </p:cSld>
@@ -975,13 +856,7 @@
       </p:grpSpPr>
       <p:sp>
         <p:nvSpPr>
-          <p:cNvPr id="2" name="Title 1">
-            <a:extLst>
-              <a:ext uri="{FF2B5EF4-FFF2-40B4-BE49-F238E27FC236}">
-                <a16:creationId xmlns:a16="http://schemas.microsoft.com/office/drawing/2014/main" id="{DB25AC82-19AA-C683-CDA7-CF967ACDEFB5}"/>
-              </a:ext>
-            </a:extLst>
-          </p:cNvPr>
+          <p:cNvPr id="2" name="Title 1"/>
           <p:cNvSpPr>
             <a:spLocks noGrp="1"/>
           </p:cNvSpPr>
@@ -1007,19 +882,13 @@
               <a:rPr lang="en-US"/>
               <a:t>Click to edit Master title style</a:t>
             </a:r>
-            <a:endParaRPr lang="en-IN"/>
-          </a:p>
-        </p:txBody>
-      </p:sp>
-      <p:sp>
-        <p:nvSpPr>
-          <p:cNvPr id="3" name="Text Placeholder 2">
-            <a:extLst>
-              <a:ext uri="{FF2B5EF4-FFF2-40B4-BE49-F238E27FC236}">
-                <a16:creationId xmlns:a16="http://schemas.microsoft.com/office/drawing/2014/main" id="{C7836325-8364-1C24-8BCC-BBDAE3F25A0E}"/>
-              </a:ext>
-            </a:extLst>
-          </p:cNvPr>
+            <a:endParaRPr lang="en-US" dirty="0"/>
+          </a:p>
+        </p:txBody>
+      </p:sp>
+      <p:sp>
+        <p:nvSpPr>
+          <p:cNvPr id="3" name="Text Placeholder 2"/>
           <p:cNvSpPr>
             <a:spLocks noGrp="1"/>
           </p:cNvSpPr>
@@ -1138,13 +1007,7 @@
       </p:sp>
       <p:sp>
         <p:nvSpPr>
-          <p:cNvPr id="4" name="Date Placeholder 3">
-            <a:extLst>
-              <a:ext uri="{FF2B5EF4-FFF2-40B4-BE49-F238E27FC236}">
-                <a16:creationId xmlns:a16="http://schemas.microsoft.com/office/drawing/2014/main" id="{CE2A0FD8-0992-8044-F440-43A26621BEA8}"/>
-              </a:ext>
-            </a:extLst>
-          </p:cNvPr>
+          <p:cNvPr id="4" name="Date Placeholder 3"/>
           <p:cNvSpPr>
             <a:spLocks noGrp="1"/>
           </p:cNvSpPr>
@@ -1159,7 +1022,7 @@
           <a:p>
             <a:fld id="{0BD99723-41B8-49F9-B72A-1C6CA71BE0CC}" type="datetimeFigureOut">
               <a:rPr lang="en-IN" smtClean="0"/>
-              <a:t>17-10-2025</a:t>
+              <a:t>01-11-2025</a:t>
             </a:fld>
             <a:endParaRPr lang="en-IN"/>
           </a:p>
@@ -1167,13 +1030,7 @@
       </p:sp>
       <p:sp>
         <p:nvSpPr>
-          <p:cNvPr id="5" name="Footer Placeholder 4">
-            <a:extLst>
-              <a:ext uri="{FF2B5EF4-FFF2-40B4-BE49-F238E27FC236}">
-                <a16:creationId xmlns:a16="http://schemas.microsoft.com/office/drawing/2014/main" id="{2C7A5CC1-334A-7578-2E7F-5D87E64A3293}"/>
-              </a:ext>
-            </a:extLst>
-          </p:cNvPr>
+          <p:cNvPr id="5" name="Footer Placeholder 4"/>
           <p:cNvSpPr>
             <a:spLocks noGrp="1"/>
           </p:cNvSpPr>
@@ -1192,13 +1049,7 @@
       </p:sp>
       <p:sp>
         <p:nvSpPr>
-          <p:cNvPr id="6" name="Slide Number Placeholder 5">
-            <a:extLst>
-              <a:ext uri="{FF2B5EF4-FFF2-40B4-BE49-F238E27FC236}">
-                <a16:creationId xmlns:a16="http://schemas.microsoft.com/office/drawing/2014/main" id="{7D19F9F5-A1E8-86D8-F933-CCBCC8D6425E}"/>
-              </a:ext>
-            </a:extLst>
-          </p:cNvPr>
+          <p:cNvPr id="6" name="Slide Number Placeholder 5"/>
           <p:cNvSpPr>
             <a:spLocks noGrp="1"/>
           </p:cNvSpPr>
@@ -1222,7 +1073,7 @@
     </p:spTree>
     <p:extLst>
       <p:ext uri="{BB962C8B-B14F-4D97-AF65-F5344CB8AC3E}">
-        <p14:creationId xmlns:p14="http://schemas.microsoft.com/office/powerpoint/2010/main" val="122382722"/>
+        <p14:creationId xmlns:p14="http://schemas.microsoft.com/office/powerpoint/2010/main" val="832808802"/>
       </p:ext>
     </p:extLst>
   </p:cSld>
@@ -1251,13 +1102,7 @@
       </p:grpSpPr>
       <p:sp>
         <p:nvSpPr>
-          <p:cNvPr id="2" name="Title 1">
-            <a:extLst>
-              <a:ext uri="{FF2B5EF4-FFF2-40B4-BE49-F238E27FC236}">
-                <a16:creationId xmlns:a16="http://schemas.microsoft.com/office/drawing/2014/main" id="{C501D5F5-7209-1264-1D16-1FC92BF7C84E}"/>
-              </a:ext>
-            </a:extLst>
-          </p:cNvPr>
+          <p:cNvPr id="2" name="Title 1"/>
           <p:cNvSpPr>
             <a:spLocks noGrp="1"/>
           </p:cNvSpPr>
@@ -1274,19 +1119,13 @@
               <a:rPr lang="en-US"/>
               <a:t>Click to edit Master title style</a:t>
             </a:r>
-            <a:endParaRPr lang="en-IN"/>
-          </a:p>
-        </p:txBody>
-      </p:sp>
-      <p:sp>
-        <p:nvSpPr>
-          <p:cNvPr id="3" name="Content Placeholder 2">
-            <a:extLst>
-              <a:ext uri="{FF2B5EF4-FFF2-40B4-BE49-F238E27FC236}">
-                <a16:creationId xmlns:a16="http://schemas.microsoft.com/office/drawing/2014/main" id="{B3A049D8-3BB8-8367-7A70-05DA0AC1049A}"/>
-              </a:ext>
-            </a:extLst>
-          </p:cNvPr>
+            <a:endParaRPr lang="en-US" dirty="0"/>
+          </a:p>
+        </p:txBody>
+      </p:sp>
+      <p:sp>
+        <p:nvSpPr>
+          <p:cNvPr id="3" name="Content Placeholder 2"/>
           <p:cNvSpPr>
             <a:spLocks noGrp="1"/>
           </p:cNvSpPr>
@@ -1337,19 +1176,13 @@
               <a:rPr lang="en-US"/>
               <a:t>Fifth level</a:t>
             </a:r>
-            <a:endParaRPr lang="en-IN"/>
-          </a:p>
-        </p:txBody>
-      </p:sp>
-      <p:sp>
-        <p:nvSpPr>
-          <p:cNvPr id="4" name="Content Placeholder 3">
-            <a:extLst>
-              <a:ext uri="{FF2B5EF4-FFF2-40B4-BE49-F238E27FC236}">
-                <a16:creationId xmlns:a16="http://schemas.microsoft.com/office/drawing/2014/main" id="{A9352D8A-A5DC-BD66-956F-C1183818B68B}"/>
-              </a:ext>
-            </a:extLst>
-          </p:cNvPr>
+            <a:endParaRPr lang="en-US" dirty="0"/>
+          </a:p>
+        </p:txBody>
+      </p:sp>
+      <p:sp>
+        <p:nvSpPr>
+          <p:cNvPr id="4" name="Content Placeholder 3"/>
           <p:cNvSpPr>
             <a:spLocks noGrp="1"/>
           </p:cNvSpPr>
@@ -1400,19 +1233,13 @@
               <a:rPr lang="en-US"/>
               <a:t>Fifth level</a:t>
             </a:r>
-            <a:endParaRPr lang="en-IN"/>
-          </a:p>
-        </p:txBody>
-      </p:sp>
-      <p:sp>
-        <p:nvSpPr>
-          <p:cNvPr id="5" name="Date Placeholder 4">
-            <a:extLst>
-              <a:ext uri="{FF2B5EF4-FFF2-40B4-BE49-F238E27FC236}">
-                <a16:creationId xmlns:a16="http://schemas.microsoft.com/office/drawing/2014/main" id="{D662DA1E-4376-4AFA-7FE9-C13D4B4A1C45}"/>
-              </a:ext>
-            </a:extLst>
-          </p:cNvPr>
+            <a:endParaRPr lang="en-US" dirty="0"/>
+          </a:p>
+        </p:txBody>
+      </p:sp>
+      <p:sp>
+        <p:nvSpPr>
+          <p:cNvPr id="5" name="Date Placeholder 4"/>
           <p:cNvSpPr>
             <a:spLocks noGrp="1"/>
           </p:cNvSpPr>
@@ -1427,7 +1254,7 @@
           <a:p>
             <a:fld id="{0BD99723-41B8-49F9-B72A-1C6CA71BE0CC}" type="datetimeFigureOut">
               <a:rPr lang="en-IN" smtClean="0"/>
-              <a:t>17-10-2025</a:t>
+              <a:t>01-11-2025</a:t>
             </a:fld>
             <a:endParaRPr lang="en-IN"/>
           </a:p>
@@ -1435,13 +1262,7 @@
       </p:sp>
       <p:sp>
         <p:nvSpPr>
-          <p:cNvPr id="6" name="Footer Placeholder 5">
-            <a:extLst>
-              <a:ext uri="{FF2B5EF4-FFF2-40B4-BE49-F238E27FC236}">
-                <a16:creationId xmlns:a16="http://schemas.microsoft.com/office/drawing/2014/main" id="{9E30B23F-68BD-7FB4-B85B-5E1D0F36C60F}"/>
-              </a:ext>
-            </a:extLst>
-          </p:cNvPr>
+          <p:cNvPr id="6" name="Footer Placeholder 5"/>
           <p:cNvSpPr>
             <a:spLocks noGrp="1"/>
           </p:cNvSpPr>
@@ -1460,13 +1281,7 @@
       </p:sp>
       <p:sp>
         <p:nvSpPr>
-          <p:cNvPr id="7" name="Slide Number Placeholder 6">
-            <a:extLst>
-              <a:ext uri="{FF2B5EF4-FFF2-40B4-BE49-F238E27FC236}">
-                <a16:creationId xmlns:a16="http://schemas.microsoft.com/office/drawing/2014/main" id="{5F84786E-D512-6385-D6D4-51469784E11F}"/>
-              </a:ext>
-            </a:extLst>
-          </p:cNvPr>
+          <p:cNvPr id="7" name="Slide Number Placeholder 6"/>
           <p:cNvSpPr>
             <a:spLocks noGrp="1"/>
           </p:cNvSpPr>
@@ -1490,7 +1305,7 @@
     </p:spTree>
     <p:extLst>
       <p:ext uri="{BB962C8B-B14F-4D97-AF65-F5344CB8AC3E}">
-        <p14:creationId xmlns:p14="http://schemas.microsoft.com/office/powerpoint/2010/main" val="115643091"/>
+        <p14:creationId xmlns:p14="http://schemas.microsoft.com/office/powerpoint/2010/main" val="2971244370"/>
       </p:ext>
     </p:extLst>
   </p:cSld>
@@ -1519,13 +1334,7 @@
       </p:grpSpPr>
       <p:sp>
         <p:nvSpPr>
-          <p:cNvPr id="2" name="Title 1">
-            <a:extLst>
-              <a:ext uri="{FF2B5EF4-FFF2-40B4-BE49-F238E27FC236}">
-                <a16:creationId xmlns:a16="http://schemas.microsoft.com/office/drawing/2014/main" id="{894C6BC7-5512-A6AD-8984-695CEB046D2E}"/>
-              </a:ext>
-            </a:extLst>
-          </p:cNvPr>
+          <p:cNvPr id="2" name="Title 1"/>
           <p:cNvSpPr>
             <a:spLocks noGrp="1"/>
           </p:cNvSpPr>
@@ -1547,19 +1356,13 @@
               <a:rPr lang="en-US"/>
               <a:t>Click to edit Master title style</a:t>
             </a:r>
-            <a:endParaRPr lang="en-IN"/>
-          </a:p>
-        </p:txBody>
-      </p:sp>
-      <p:sp>
-        <p:nvSpPr>
-          <p:cNvPr id="3" name="Text Placeholder 2">
-            <a:extLst>
-              <a:ext uri="{FF2B5EF4-FFF2-40B4-BE49-F238E27FC236}">
-                <a16:creationId xmlns:a16="http://schemas.microsoft.com/office/drawing/2014/main" id="{A228604D-7D08-CD13-12E9-11A23A845A8D}"/>
-              </a:ext>
-            </a:extLst>
-          </p:cNvPr>
+            <a:endParaRPr lang="en-US" dirty="0"/>
+          </a:p>
+        </p:txBody>
+      </p:sp>
+      <p:sp>
+        <p:nvSpPr>
+          <p:cNvPr id="3" name="Text Placeholder 2"/>
           <p:cNvSpPr>
             <a:spLocks noGrp="1"/>
           </p:cNvSpPr>
@@ -1624,13 +1427,7 @@
       </p:sp>
       <p:sp>
         <p:nvSpPr>
-          <p:cNvPr id="4" name="Content Placeholder 3">
-            <a:extLst>
-              <a:ext uri="{FF2B5EF4-FFF2-40B4-BE49-F238E27FC236}">
-                <a16:creationId xmlns:a16="http://schemas.microsoft.com/office/drawing/2014/main" id="{44233AEA-9BA4-1976-F9CD-9CE81E3BF1C5}"/>
-              </a:ext>
-            </a:extLst>
-          </p:cNvPr>
+          <p:cNvPr id="4" name="Content Placeholder 3"/>
           <p:cNvSpPr>
             <a:spLocks noGrp="1"/>
           </p:cNvSpPr>
@@ -1681,19 +1478,13 @@
               <a:rPr lang="en-US"/>
               <a:t>Fifth level</a:t>
             </a:r>
-            <a:endParaRPr lang="en-IN"/>
-          </a:p>
-        </p:txBody>
-      </p:sp>
-      <p:sp>
-        <p:nvSpPr>
-          <p:cNvPr id="5" name="Text Placeholder 4">
-            <a:extLst>
-              <a:ext uri="{FF2B5EF4-FFF2-40B4-BE49-F238E27FC236}">
-                <a16:creationId xmlns:a16="http://schemas.microsoft.com/office/drawing/2014/main" id="{82519E6E-FE50-6C51-76E0-E14BABC258E2}"/>
-              </a:ext>
-            </a:extLst>
-          </p:cNvPr>
+            <a:endParaRPr lang="en-US" dirty="0"/>
+          </a:p>
+        </p:txBody>
+      </p:sp>
+      <p:sp>
+        <p:nvSpPr>
+          <p:cNvPr id="5" name="Text Placeholder 4"/>
           <p:cNvSpPr>
             <a:spLocks noGrp="1"/>
           </p:cNvSpPr>
@@ -1758,13 +1549,7 @@
       </p:sp>
       <p:sp>
         <p:nvSpPr>
-          <p:cNvPr id="6" name="Content Placeholder 5">
-            <a:extLst>
-              <a:ext uri="{FF2B5EF4-FFF2-40B4-BE49-F238E27FC236}">
-                <a16:creationId xmlns:a16="http://schemas.microsoft.com/office/drawing/2014/main" id="{A21F7F2F-8007-3278-F189-900EAFE5D560}"/>
-              </a:ext>
-            </a:extLst>
-          </p:cNvPr>
+          <p:cNvPr id="6" name="Content Placeholder 5"/>
           <p:cNvSpPr>
             <a:spLocks noGrp="1"/>
           </p:cNvSpPr>
@@ -1815,19 +1600,13 @@
               <a:rPr lang="en-US"/>
               <a:t>Fifth level</a:t>
             </a:r>
-            <a:endParaRPr lang="en-IN"/>
-          </a:p>
-        </p:txBody>
-      </p:sp>
-      <p:sp>
-        <p:nvSpPr>
-          <p:cNvPr id="7" name="Date Placeholder 6">
-            <a:extLst>
-              <a:ext uri="{FF2B5EF4-FFF2-40B4-BE49-F238E27FC236}">
-                <a16:creationId xmlns:a16="http://schemas.microsoft.com/office/drawing/2014/main" id="{1CDA917E-1C53-2AA2-17DE-F911E56CFC56}"/>
-              </a:ext>
-            </a:extLst>
-          </p:cNvPr>
+            <a:endParaRPr lang="en-US" dirty="0"/>
+          </a:p>
+        </p:txBody>
+      </p:sp>
+      <p:sp>
+        <p:nvSpPr>
+          <p:cNvPr id="7" name="Date Placeholder 6"/>
           <p:cNvSpPr>
             <a:spLocks noGrp="1"/>
           </p:cNvSpPr>
@@ -1842,7 +1621,7 @@
           <a:p>
             <a:fld id="{0BD99723-41B8-49F9-B72A-1C6CA71BE0CC}" type="datetimeFigureOut">
               <a:rPr lang="en-IN" smtClean="0"/>
-              <a:t>17-10-2025</a:t>
+              <a:t>01-11-2025</a:t>
             </a:fld>
             <a:endParaRPr lang="en-IN"/>
           </a:p>
@@ -1850,13 +1629,7 @@
       </p:sp>
       <p:sp>
         <p:nvSpPr>
-          <p:cNvPr id="8" name="Footer Placeholder 7">
-            <a:extLst>
-              <a:ext uri="{FF2B5EF4-FFF2-40B4-BE49-F238E27FC236}">
-                <a16:creationId xmlns:a16="http://schemas.microsoft.com/office/drawing/2014/main" id="{7568FD93-F63F-07CB-E751-0AFE4CAE67FF}"/>
-              </a:ext>
-            </a:extLst>
-          </p:cNvPr>
+          <p:cNvPr id="8" name="Footer Placeholder 7"/>
           <p:cNvSpPr>
             <a:spLocks noGrp="1"/>
           </p:cNvSpPr>
@@ -1875,13 +1648,7 @@
       </p:sp>
       <p:sp>
         <p:nvSpPr>
-          <p:cNvPr id="9" name="Slide Number Placeholder 8">
-            <a:extLst>
-              <a:ext uri="{FF2B5EF4-FFF2-40B4-BE49-F238E27FC236}">
-                <a16:creationId xmlns:a16="http://schemas.microsoft.com/office/drawing/2014/main" id="{8D49E53C-2DF9-6612-E2C5-5ACEEDFAF566}"/>
-              </a:ext>
-            </a:extLst>
-          </p:cNvPr>
+          <p:cNvPr id="9" name="Slide Number Placeholder 8"/>
           <p:cNvSpPr>
             <a:spLocks noGrp="1"/>
           </p:cNvSpPr>
@@ -1905,7 +1672,7 @@
     </p:spTree>
     <p:extLst>
       <p:ext uri="{BB962C8B-B14F-4D97-AF65-F5344CB8AC3E}">
-        <p14:creationId xmlns:p14="http://schemas.microsoft.com/office/powerpoint/2010/main" val="3671015021"/>
+        <p14:creationId xmlns:p14="http://schemas.microsoft.com/office/powerpoint/2010/main" val="842108016"/>
       </p:ext>
     </p:extLst>
   </p:cSld>
@@ -1934,13 +1701,7 @@
       </p:grpSpPr>
       <p:sp>
         <p:nvSpPr>
-          <p:cNvPr id="2" name="Title 1">
-            <a:extLst>
-              <a:ext uri="{FF2B5EF4-FFF2-40B4-BE49-F238E27FC236}">
-                <a16:creationId xmlns:a16="http://schemas.microsoft.com/office/drawing/2014/main" id="{CA2D08E4-12A3-7B20-4836-A25E956C4D32}"/>
-              </a:ext>
-            </a:extLst>
-          </p:cNvPr>
+          <p:cNvPr id="2" name="Title 1"/>
           <p:cNvSpPr>
             <a:spLocks noGrp="1"/>
           </p:cNvSpPr>
@@ -1957,19 +1718,13 @@
               <a:rPr lang="en-US"/>
               <a:t>Click to edit Master title style</a:t>
             </a:r>
-            <a:endParaRPr lang="en-IN"/>
-          </a:p>
-        </p:txBody>
-      </p:sp>
-      <p:sp>
-        <p:nvSpPr>
-          <p:cNvPr id="3" name="Date Placeholder 2">
-            <a:extLst>
-              <a:ext uri="{FF2B5EF4-FFF2-40B4-BE49-F238E27FC236}">
-                <a16:creationId xmlns:a16="http://schemas.microsoft.com/office/drawing/2014/main" id="{1B84BF39-53B8-0D0A-F890-CB510F65C0E2}"/>
-              </a:ext>
-            </a:extLst>
-          </p:cNvPr>
+            <a:endParaRPr lang="en-US" dirty="0"/>
+          </a:p>
+        </p:txBody>
+      </p:sp>
+      <p:sp>
+        <p:nvSpPr>
+          <p:cNvPr id="3" name="Date Placeholder 2"/>
           <p:cNvSpPr>
             <a:spLocks noGrp="1"/>
           </p:cNvSpPr>
@@ -1984,7 +1739,7 @@
           <a:p>
             <a:fld id="{0BD99723-41B8-49F9-B72A-1C6CA71BE0CC}" type="datetimeFigureOut">
               <a:rPr lang="en-IN" smtClean="0"/>
-              <a:t>17-10-2025</a:t>
+              <a:t>01-11-2025</a:t>
             </a:fld>
             <a:endParaRPr lang="en-IN"/>
           </a:p>
@@ -1992,13 +1747,7 @@
       </p:sp>
       <p:sp>
         <p:nvSpPr>
-          <p:cNvPr id="4" name="Footer Placeholder 3">
-            <a:extLst>
-              <a:ext uri="{FF2B5EF4-FFF2-40B4-BE49-F238E27FC236}">
-                <a16:creationId xmlns:a16="http://schemas.microsoft.com/office/drawing/2014/main" id="{D132073E-4E8D-3085-EBAA-6F7EDA473A92}"/>
-              </a:ext>
-            </a:extLst>
-          </p:cNvPr>
+          <p:cNvPr id="4" name="Footer Placeholder 3"/>
           <p:cNvSpPr>
             <a:spLocks noGrp="1"/>
           </p:cNvSpPr>
@@ -2017,13 +1766,7 @@
       </p:sp>
       <p:sp>
         <p:nvSpPr>
-          <p:cNvPr id="5" name="Slide Number Placeholder 4">
-            <a:extLst>
-              <a:ext uri="{FF2B5EF4-FFF2-40B4-BE49-F238E27FC236}">
-                <a16:creationId xmlns:a16="http://schemas.microsoft.com/office/drawing/2014/main" id="{0BF2D4CF-22E9-B378-A9A4-DD18A47D2EEB}"/>
-              </a:ext>
-            </a:extLst>
-          </p:cNvPr>
+          <p:cNvPr id="5" name="Slide Number Placeholder 4"/>
           <p:cNvSpPr>
             <a:spLocks noGrp="1"/>
           </p:cNvSpPr>
@@ -2047,7 +1790,7 @@
     </p:spTree>
     <p:extLst>
       <p:ext uri="{BB962C8B-B14F-4D97-AF65-F5344CB8AC3E}">
-        <p14:creationId xmlns:p14="http://schemas.microsoft.com/office/powerpoint/2010/main" val="1610928316"/>
+        <p14:creationId xmlns:p14="http://schemas.microsoft.com/office/powerpoint/2010/main" val="136301662"/>
       </p:ext>
     </p:extLst>
   </p:cSld>
@@ -2076,13 +1819,7 @@
       </p:grpSpPr>
       <p:sp>
         <p:nvSpPr>
-          <p:cNvPr id="2" name="Date Placeholder 1">
-            <a:extLst>
-              <a:ext uri="{FF2B5EF4-FFF2-40B4-BE49-F238E27FC236}">
-                <a16:creationId xmlns:a16="http://schemas.microsoft.com/office/drawing/2014/main" id="{B5D0B42A-A44B-19E7-6778-EC5F023116C0}"/>
-              </a:ext>
-            </a:extLst>
-          </p:cNvPr>
+          <p:cNvPr id="2" name="Date Placeholder 1"/>
           <p:cNvSpPr>
             <a:spLocks noGrp="1"/>
           </p:cNvSpPr>
@@ -2097,7 +1834,7 @@
           <a:p>
             <a:fld id="{0BD99723-41B8-49F9-B72A-1C6CA71BE0CC}" type="datetimeFigureOut">
               <a:rPr lang="en-IN" smtClean="0"/>
-              <a:t>17-10-2025</a:t>
+              <a:t>01-11-2025</a:t>
             </a:fld>
             <a:endParaRPr lang="en-IN"/>
           </a:p>
@@ -2105,13 +1842,7 @@
       </p:sp>
       <p:sp>
         <p:nvSpPr>
-          <p:cNvPr id="3" name="Footer Placeholder 2">
-            <a:extLst>
-              <a:ext uri="{FF2B5EF4-FFF2-40B4-BE49-F238E27FC236}">
-                <a16:creationId xmlns:a16="http://schemas.microsoft.com/office/drawing/2014/main" id="{724E142C-B456-128D-A570-8D3603BABFF4}"/>
-              </a:ext>
-            </a:extLst>
-          </p:cNvPr>
+          <p:cNvPr id="3" name="Footer Placeholder 2"/>
           <p:cNvSpPr>
             <a:spLocks noGrp="1"/>
           </p:cNvSpPr>
@@ -2130,13 +1861,7 @@
       </p:sp>
       <p:sp>
         <p:nvSpPr>
-          <p:cNvPr id="4" name="Slide Number Placeholder 3">
-            <a:extLst>
-              <a:ext uri="{FF2B5EF4-FFF2-40B4-BE49-F238E27FC236}">
-                <a16:creationId xmlns:a16="http://schemas.microsoft.com/office/drawing/2014/main" id="{49495397-B7D7-FE4A-7E3B-BFFFD3AAEF4F}"/>
-              </a:ext>
-            </a:extLst>
-          </p:cNvPr>
+          <p:cNvPr id="4" name="Slide Number Placeholder 3"/>
           <p:cNvSpPr>
             <a:spLocks noGrp="1"/>
           </p:cNvSpPr>
@@ -2160,7 +1885,7 @@
     </p:spTree>
     <p:extLst>
       <p:ext uri="{BB962C8B-B14F-4D97-AF65-F5344CB8AC3E}">
-        <p14:creationId xmlns:p14="http://schemas.microsoft.com/office/powerpoint/2010/main" val="1974823100"/>
+        <p14:creationId xmlns:p14="http://schemas.microsoft.com/office/powerpoint/2010/main" val="4027635322"/>
       </p:ext>
     </p:extLst>
   </p:cSld>
@@ -2189,13 +1914,7 @@
       </p:grpSpPr>
       <p:sp>
         <p:nvSpPr>
-          <p:cNvPr id="2" name="Title 1">
-            <a:extLst>
-              <a:ext uri="{FF2B5EF4-FFF2-40B4-BE49-F238E27FC236}">
-                <a16:creationId xmlns:a16="http://schemas.microsoft.com/office/drawing/2014/main" id="{E9310B6C-4912-3CA7-59A0-A6BF10C38B7B}"/>
-              </a:ext>
-            </a:extLst>
-          </p:cNvPr>
+          <p:cNvPr id="2" name="Title 1"/>
           <p:cNvSpPr>
             <a:spLocks noGrp="1"/>
           </p:cNvSpPr>
@@ -2221,19 +1940,13 @@
               <a:rPr lang="en-US"/>
               <a:t>Click to edit Master title style</a:t>
             </a:r>
-            <a:endParaRPr lang="en-IN"/>
-          </a:p>
-        </p:txBody>
-      </p:sp>
-      <p:sp>
-        <p:nvSpPr>
-          <p:cNvPr id="3" name="Content Placeholder 2">
-            <a:extLst>
-              <a:ext uri="{FF2B5EF4-FFF2-40B4-BE49-F238E27FC236}">
-                <a16:creationId xmlns:a16="http://schemas.microsoft.com/office/drawing/2014/main" id="{1580A53F-309A-533A-F83A-BDCCB546E1F1}"/>
-              </a:ext>
-            </a:extLst>
-          </p:cNvPr>
+            <a:endParaRPr lang="en-US" dirty="0"/>
+          </a:p>
+        </p:txBody>
+      </p:sp>
+      <p:sp>
+        <p:nvSpPr>
+          <p:cNvPr id="3" name="Content Placeholder 2"/>
           <p:cNvSpPr>
             <a:spLocks noGrp="1"/>
           </p:cNvSpPr>
@@ -2312,19 +2025,13 @@
               <a:rPr lang="en-US"/>
               <a:t>Fifth level</a:t>
             </a:r>
-            <a:endParaRPr lang="en-IN"/>
-          </a:p>
-        </p:txBody>
-      </p:sp>
-      <p:sp>
-        <p:nvSpPr>
-          <p:cNvPr id="4" name="Text Placeholder 3">
-            <a:extLst>
-              <a:ext uri="{FF2B5EF4-FFF2-40B4-BE49-F238E27FC236}">
-                <a16:creationId xmlns:a16="http://schemas.microsoft.com/office/drawing/2014/main" id="{BD991A6D-1780-DEBD-A367-0E7FB45B4DC8}"/>
-              </a:ext>
-            </a:extLst>
-          </p:cNvPr>
+            <a:endParaRPr lang="en-US" dirty="0"/>
+          </a:p>
+        </p:txBody>
+      </p:sp>
+      <p:sp>
+        <p:nvSpPr>
+          <p:cNvPr id="4" name="Text Placeholder 3"/>
           <p:cNvSpPr>
             <a:spLocks noGrp="1"/>
           </p:cNvSpPr>
@@ -2389,13 +2096,7 @@
       </p:sp>
       <p:sp>
         <p:nvSpPr>
-          <p:cNvPr id="5" name="Date Placeholder 4">
-            <a:extLst>
-              <a:ext uri="{FF2B5EF4-FFF2-40B4-BE49-F238E27FC236}">
-                <a16:creationId xmlns:a16="http://schemas.microsoft.com/office/drawing/2014/main" id="{AE45476A-4F3D-F268-A58F-B81A5DC9036D}"/>
-              </a:ext>
-            </a:extLst>
-          </p:cNvPr>
+          <p:cNvPr id="5" name="Date Placeholder 4"/>
           <p:cNvSpPr>
             <a:spLocks noGrp="1"/>
           </p:cNvSpPr>
@@ -2410,7 +2111,7 @@
           <a:p>
             <a:fld id="{0BD99723-41B8-49F9-B72A-1C6CA71BE0CC}" type="datetimeFigureOut">
               <a:rPr lang="en-IN" smtClean="0"/>
-              <a:t>17-10-2025</a:t>
+              <a:t>01-11-2025</a:t>
             </a:fld>
             <a:endParaRPr lang="en-IN"/>
           </a:p>
@@ -2418,13 +2119,7 @@
       </p:sp>
       <p:sp>
         <p:nvSpPr>
-          <p:cNvPr id="6" name="Footer Placeholder 5">
-            <a:extLst>
-              <a:ext uri="{FF2B5EF4-FFF2-40B4-BE49-F238E27FC236}">
-                <a16:creationId xmlns:a16="http://schemas.microsoft.com/office/drawing/2014/main" id="{7BDB2A95-EFA3-407A-6C94-708E94F9FF3D}"/>
-              </a:ext>
-            </a:extLst>
-          </p:cNvPr>
+          <p:cNvPr id="6" name="Footer Placeholder 5"/>
           <p:cNvSpPr>
             <a:spLocks noGrp="1"/>
           </p:cNvSpPr>
@@ -2443,13 +2138,7 @@
       </p:sp>
       <p:sp>
         <p:nvSpPr>
-          <p:cNvPr id="7" name="Slide Number Placeholder 6">
-            <a:extLst>
-              <a:ext uri="{FF2B5EF4-FFF2-40B4-BE49-F238E27FC236}">
-                <a16:creationId xmlns:a16="http://schemas.microsoft.com/office/drawing/2014/main" id="{5AD6814A-2DA1-BBFC-821C-2A0C5A7F9A12}"/>
-              </a:ext>
-            </a:extLst>
-          </p:cNvPr>
+          <p:cNvPr id="7" name="Slide Number Placeholder 6"/>
           <p:cNvSpPr>
             <a:spLocks noGrp="1"/>
           </p:cNvSpPr>
@@ -2473,7 +2162,7 @@
     </p:spTree>
     <p:extLst>
       <p:ext uri="{BB962C8B-B14F-4D97-AF65-F5344CB8AC3E}">
-        <p14:creationId xmlns:p14="http://schemas.microsoft.com/office/powerpoint/2010/main" val="123249076"/>
+        <p14:creationId xmlns:p14="http://schemas.microsoft.com/office/powerpoint/2010/main" val="2234284134"/>
       </p:ext>
     </p:extLst>
   </p:cSld>
@@ -2502,13 +2191,7 @@
       </p:grpSpPr>
       <p:sp>
         <p:nvSpPr>
-          <p:cNvPr id="2" name="Title 1">
-            <a:extLst>
-              <a:ext uri="{FF2B5EF4-FFF2-40B4-BE49-F238E27FC236}">
-                <a16:creationId xmlns:a16="http://schemas.microsoft.com/office/drawing/2014/main" id="{2A61C779-A496-7BF0-0A2D-CC54E66424D7}"/>
-              </a:ext>
-            </a:extLst>
-          </p:cNvPr>
+          <p:cNvPr id="2" name="Title 1"/>
           <p:cNvSpPr>
             <a:spLocks noGrp="1"/>
           </p:cNvSpPr>
@@ -2534,21 +2217,15 @@
               <a:rPr lang="en-US"/>
               <a:t>Click to edit Master title style</a:t>
             </a:r>
-            <a:endParaRPr lang="en-IN"/>
-          </a:p>
-        </p:txBody>
-      </p:sp>
-      <p:sp>
-        <p:nvSpPr>
-          <p:cNvPr id="3" name="Picture Placeholder 2">
-            <a:extLst>
-              <a:ext uri="{FF2B5EF4-FFF2-40B4-BE49-F238E27FC236}">
-                <a16:creationId xmlns:a16="http://schemas.microsoft.com/office/drawing/2014/main" id="{3FEAE7BD-4FA2-6412-45A4-851EE0933A61}"/>
-              </a:ext>
-            </a:extLst>
-          </p:cNvPr>
+            <a:endParaRPr lang="en-US" dirty="0"/>
+          </a:p>
+        </p:txBody>
+      </p:sp>
+      <p:sp>
+        <p:nvSpPr>
+          <p:cNvPr id="3" name="Picture Placeholder 2"/>
           <p:cNvSpPr>
-            <a:spLocks noGrp="1"/>
+            <a:spLocks noGrp="1" noChangeAspect="1"/>
           </p:cNvSpPr>
           <p:nvPr>
             <p:ph type="pic" idx="1"/>
@@ -2561,7 +2238,7 @@
           </a:xfrm>
         </p:spPr>
         <p:txBody>
-          <a:bodyPr/>
+          <a:bodyPr anchor="t"/>
           <a:lstStyle>
             <a:lvl1pPr marL="0" indent="0">
               <a:buNone/>
@@ -2601,19 +2278,17 @@
             </a:lvl9pPr>
           </a:lstStyle>
           <a:p>
-            <a:endParaRPr lang="en-IN"/>
-          </a:p>
-        </p:txBody>
-      </p:sp>
-      <p:sp>
-        <p:nvSpPr>
-          <p:cNvPr id="4" name="Text Placeholder 3">
-            <a:extLst>
-              <a:ext uri="{FF2B5EF4-FFF2-40B4-BE49-F238E27FC236}">
-                <a16:creationId xmlns:a16="http://schemas.microsoft.com/office/drawing/2014/main" id="{5B1D810B-CEA1-F9C4-8FAC-7BE1771A9C24}"/>
-              </a:ext>
-            </a:extLst>
-          </p:cNvPr>
+            <a:r>
+              <a:rPr lang="en-US"/>
+              <a:t>Click icon to add picture</a:t>
+            </a:r>
+            <a:endParaRPr lang="en-US" dirty="0"/>
+          </a:p>
+        </p:txBody>
+      </p:sp>
+      <p:sp>
+        <p:nvSpPr>
+          <p:cNvPr id="4" name="Text Placeholder 3"/>
           <p:cNvSpPr>
             <a:spLocks noGrp="1"/>
           </p:cNvSpPr>
@@ -2678,13 +2353,7 @@
       </p:sp>
       <p:sp>
         <p:nvSpPr>
-          <p:cNvPr id="5" name="Date Placeholder 4">
-            <a:extLst>
-              <a:ext uri="{FF2B5EF4-FFF2-40B4-BE49-F238E27FC236}">
-                <a16:creationId xmlns:a16="http://schemas.microsoft.com/office/drawing/2014/main" id="{E426881B-2801-93B2-124A-73A505A8BE60}"/>
-              </a:ext>
-            </a:extLst>
-          </p:cNvPr>
+          <p:cNvPr id="5" name="Date Placeholder 4"/>
           <p:cNvSpPr>
             <a:spLocks noGrp="1"/>
           </p:cNvSpPr>
@@ -2699,7 +2368,7 @@
           <a:p>
             <a:fld id="{0BD99723-41B8-49F9-B72A-1C6CA71BE0CC}" type="datetimeFigureOut">
               <a:rPr lang="en-IN" smtClean="0"/>
-              <a:t>17-10-2025</a:t>
+              <a:t>01-11-2025</a:t>
             </a:fld>
             <a:endParaRPr lang="en-IN"/>
           </a:p>
@@ -2707,13 +2376,7 @@
       </p:sp>
       <p:sp>
         <p:nvSpPr>
-          <p:cNvPr id="6" name="Footer Placeholder 5">
-            <a:extLst>
-              <a:ext uri="{FF2B5EF4-FFF2-40B4-BE49-F238E27FC236}">
-                <a16:creationId xmlns:a16="http://schemas.microsoft.com/office/drawing/2014/main" id="{97B75400-D090-8B0A-2880-305873C0B9B4}"/>
-              </a:ext>
-            </a:extLst>
-          </p:cNvPr>
+          <p:cNvPr id="6" name="Footer Placeholder 5"/>
           <p:cNvSpPr>
             <a:spLocks noGrp="1"/>
           </p:cNvSpPr>
@@ -2732,13 +2395,7 @@
       </p:sp>
       <p:sp>
         <p:nvSpPr>
-          <p:cNvPr id="7" name="Slide Number Placeholder 6">
-            <a:extLst>
-              <a:ext uri="{FF2B5EF4-FFF2-40B4-BE49-F238E27FC236}">
-                <a16:creationId xmlns:a16="http://schemas.microsoft.com/office/drawing/2014/main" id="{4F1458A3-6FA7-BF6D-9BEE-152ECD78881E}"/>
-              </a:ext>
-            </a:extLst>
-          </p:cNvPr>
+          <p:cNvPr id="7" name="Slide Number Placeholder 6"/>
           <p:cNvSpPr>
             <a:spLocks noGrp="1"/>
           </p:cNvSpPr>
@@ -2762,7 +2419,7 @@
     </p:spTree>
     <p:extLst>
       <p:ext uri="{BB962C8B-B14F-4D97-AF65-F5344CB8AC3E}">
-        <p14:creationId xmlns:p14="http://schemas.microsoft.com/office/powerpoint/2010/main" val="376396440"/>
+        <p14:creationId xmlns:p14="http://schemas.microsoft.com/office/powerpoint/2010/main" val="2312037692"/>
       </p:ext>
     </p:extLst>
   </p:cSld>
@@ -2796,13 +2453,7 @@
       </p:grpSpPr>
       <p:sp>
         <p:nvSpPr>
-          <p:cNvPr id="2" name="Title Placeholder 1">
-            <a:extLst>
-              <a:ext uri="{FF2B5EF4-FFF2-40B4-BE49-F238E27FC236}">
-                <a16:creationId xmlns:a16="http://schemas.microsoft.com/office/drawing/2014/main" id="{A6D1256F-EB44-DB16-A12C-1B0F256FFC76}"/>
-              </a:ext>
-            </a:extLst>
-          </p:cNvPr>
+          <p:cNvPr id="2" name="Title Placeholder 1"/>
           <p:cNvSpPr>
             <a:spLocks noGrp="1"/>
           </p:cNvSpPr>
@@ -2829,19 +2480,13 @@
               <a:rPr lang="en-US"/>
               <a:t>Click to edit Master title style</a:t>
             </a:r>
-            <a:endParaRPr lang="en-IN"/>
-          </a:p>
-        </p:txBody>
-      </p:sp>
-      <p:sp>
-        <p:nvSpPr>
-          <p:cNvPr id="3" name="Text Placeholder 2">
-            <a:extLst>
-              <a:ext uri="{FF2B5EF4-FFF2-40B4-BE49-F238E27FC236}">
-                <a16:creationId xmlns:a16="http://schemas.microsoft.com/office/drawing/2014/main" id="{DCF05D04-FD27-8E29-72EF-906AEAA155B9}"/>
-              </a:ext>
-            </a:extLst>
-          </p:cNvPr>
+            <a:endParaRPr lang="en-US" dirty="0"/>
+          </a:p>
+        </p:txBody>
+      </p:sp>
+      <p:sp>
+        <p:nvSpPr>
+          <p:cNvPr id="3" name="Text Placeholder 2"/>
           <p:cNvSpPr>
             <a:spLocks noGrp="1"/>
           </p:cNvSpPr>
@@ -2897,19 +2542,13 @@
               <a:rPr lang="en-US"/>
               <a:t>Fifth level</a:t>
             </a:r>
-            <a:endParaRPr lang="en-IN"/>
-          </a:p>
-        </p:txBody>
-      </p:sp>
-      <p:sp>
-        <p:nvSpPr>
-          <p:cNvPr id="4" name="Date Placeholder 3">
-            <a:extLst>
-              <a:ext uri="{FF2B5EF4-FFF2-40B4-BE49-F238E27FC236}">
-                <a16:creationId xmlns:a16="http://schemas.microsoft.com/office/drawing/2014/main" id="{7BBC5FC0-B8A8-B87A-383D-7DADD6E30123}"/>
-              </a:ext>
-            </a:extLst>
-          </p:cNvPr>
+            <a:endParaRPr lang="en-US" dirty="0"/>
+          </a:p>
+        </p:txBody>
+      </p:sp>
+      <p:sp>
+        <p:nvSpPr>
+          <p:cNvPr id="4" name="Date Placeholder 3"/>
           <p:cNvSpPr>
             <a:spLocks noGrp="1"/>
           </p:cNvSpPr>
@@ -2942,7 +2581,7 @@
           <a:p>
             <a:fld id="{0BD99723-41B8-49F9-B72A-1C6CA71BE0CC}" type="datetimeFigureOut">
               <a:rPr lang="en-IN" smtClean="0"/>
-              <a:t>17-10-2025</a:t>
+              <a:t>01-11-2025</a:t>
             </a:fld>
             <a:endParaRPr lang="en-IN"/>
           </a:p>
@@ -2950,13 +2589,7 @@
       </p:sp>
       <p:sp>
         <p:nvSpPr>
-          <p:cNvPr id="5" name="Footer Placeholder 4">
-            <a:extLst>
-              <a:ext uri="{FF2B5EF4-FFF2-40B4-BE49-F238E27FC236}">
-                <a16:creationId xmlns:a16="http://schemas.microsoft.com/office/drawing/2014/main" id="{844CD8BA-3FE8-C21C-F02E-F86CE84E6FAA}"/>
-              </a:ext>
-            </a:extLst>
-          </p:cNvPr>
+          <p:cNvPr id="5" name="Footer Placeholder 4"/>
           <p:cNvSpPr>
             <a:spLocks noGrp="1"/>
           </p:cNvSpPr>
@@ -2993,13 +2626,7 @@
       </p:sp>
       <p:sp>
         <p:nvSpPr>
-          <p:cNvPr id="6" name="Slide Number Placeholder 5">
-            <a:extLst>
-              <a:ext uri="{FF2B5EF4-FFF2-40B4-BE49-F238E27FC236}">
-                <a16:creationId xmlns:a16="http://schemas.microsoft.com/office/drawing/2014/main" id="{22F6B300-0832-D5A6-042E-163FF5CD1577}"/>
-              </a:ext>
-            </a:extLst>
-          </p:cNvPr>
+          <p:cNvPr id="6" name="Slide Number Placeholder 5"/>
           <p:cNvSpPr>
             <a:spLocks noGrp="1"/>
           </p:cNvSpPr>
@@ -3041,23 +2668,23 @@
     </p:spTree>
     <p:extLst>
       <p:ext uri="{BB962C8B-B14F-4D97-AF65-F5344CB8AC3E}">
-        <p14:creationId xmlns:p14="http://schemas.microsoft.com/office/powerpoint/2010/main" val="3761504996"/>
+        <p14:creationId xmlns:p14="http://schemas.microsoft.com/office/powerpoint/2010/main" val="852988254"/>
       </p:ext>
     </p:extLst>
   </p:cSld>
   <p:clrMap bg1="lt1" tx1="dk1" bg2="lt2" tx2="dk2" accent1="accent1" accent2="accent2" accent3="accent3" accent4="accent4" accent5="accent5" accent6="accent6" hlink="hlink" folHlink="folHlink"/>
   <p:sldLayoutIdLst>
-    <p:sldLayoutId id="2147483649" r:id="rId1"/>
-    <p:sldLayoutId id="2147483650" r:id="rId2"/>
-    <p:sldLayoutId id="2147483651" r:id="rId3"/>
-    <p:sldLayoutId id="2147483652" r:id="rId4"/>
-    <p:sldLayoutId id="2147483653" r:id="rId5"/>
-    <p:sldLayoutId id="2147483654" r:id="rId6"/>
-    <p:sldLayoutId id="2147483655" r:id="rId7"/>
-    <p:sldLayoutId id="2147483656" r:id="rId8"/>
-    <p:sldLayoutId id="2147483657" r:id="rId9"/>
-    <p:sldLayoutId id="2147483658" r:id="rId10"/>
-    <p:sldLayoutId id="2147483659" r:id="rId11"/>
+    <p:sldLayoutId id="2147483697" r:id="rId1"/>
+    <p:sldLayoutId id="2147483698" r:id="rId2"/>
+    <p:sldLayoutId id="2147483699" r:id="rId3"/>
+    <p:sldLayoutId id="2147483700" r:id="rId4"/>
+    <p:sldLayoutId id="2147483701" r:id="rId5"/>
+    <p:sldLayoutId id="2147483702" r:id="rId6"/>
+    <p:sldLayoutId id="2147483703" r:id="rId7"/>
+    <p:sldLayoutId id="2147483704" r:id="rId8"/>
+    <p:sldLayoutId id="2147483705" r:id="rId9"/>
+    <p:sldLayoutId id="2147483706" r:id="rId10"/>
+    <p:sldLayoutId id="2147483707" r:id="rId11"/>
   </p:sldLayoutIdLst>
   <p:txStyles>
     <p:titleStyle>
@@ -5119,6 +4746,446 @@
 </p:sld>
 </file>
 
+<file path=ppt/slides/slide14.xml><?xml version="1.0" encoding="utf-8"?>
+<p:sld xmlns:a="http://schemas.openxmlformats.org/drawingml/2006/main" xmlns:r="http://schemas.openxmlformats.org/officeDocument/2006/relationships" xmlns:p="http://schemas.openxmlformats.org/presentationml/2006/main">
+  <p:cSld>
+    <p:bg>
+      <p:bgPr>
+        <a:solidFill>
+          <a:schemeClr val="bg1"/>
+        </a:solidFill>
+        <a:effectLst/>
+      </p:bgPr>
+    </p:bg>
+    <p:spTree>
+      <p:nvGrpSpPr>
+        <p:cNvPr id="1" name="">
+          <a:extLst>
+            <a:ext uri="{FF2B5EF4-FFF2-40B4-BE49-F238E27FC236}">
+              <a16:creationId xmlns:a16="http://schemas.microsoft.com/office/drawing/2014/main" id="{757F752C-D190-8EBF-8D4A-527177DDB8D4}"/>
+            </a:ext>
+          </a:extLst>
+        </p:cNvPr>
+        <p:cNvGrpSpPr/>
+        <p:nvPr/>
+      </p:nvGrpSpPr>
+      <p:grpSpPr>
+        <a:xfrm>
+          <a:off x="0" y="0"/>
+          <a:ext cx="0" cy="0"/>
+          <a:chOff x="0" y="0"/>
+          <a:chExt cx="0" cy="0"/>
+        </a:xfrm>
+      </p:grpSpPr>
+      <p:sp>
+        <p:nvSpPr>
+          <p:cNvPr id="2" name="Title 1">
+            <a:extLst>
+              <a:ext uri="{FF2B5EF4-FFF2-40B4-BE49-F238E27FC236}">
+                <a16:creationId xmlns:a16="http://schemas.microsoft.com/office/drawing/2014/main" id="{2E3AB310-BCAC-6615-9612-01A2411A47E0}"/>
+              </a:ext>
+            </a:extLst>
+          </p:cNvPr>
+          <p:cNvSpPr>
+            <a:spLocks noGrp="1"/>
+          </p:cNvSpPr>
+          <p:nvPr>
+            <p:ph type="ctrTitle"/>
+          </p:nvPr>
+        </p:nvSpPr>
+        <p:spPr>
+          <a:xfrm>
+            <a:off x="0" y="-519142"/>
+            <a:ext cx="3720548" cy="438771"/>
+          </a:xfrm>
+        </p:spPr>
+        <p:txBody>
+          <a:bodyPr>
+            <a:normAutofit/>
+          </a:bodyPr>
+          <a:lstStyle/>
+          <a:p>
+            <a:pPr algn="l"/>
+            <a:r>
+              <a:rPr lang="en-US" sz="2400" dirty="0">
+                <a:solidFill>
+                  <a:schemeClr val="bg1"/>
+                </a:solidFill>
+              </a:rPr>
+              <a:t>Types – chapter 6</a:t>
+            </a:r>
+            <a:endParaRPr lang="en-IN" sz="2400" dirty="0">
+              <a:solidFill>
+                <a:schemeClr val="bg1"/>
+              </a:solidFill>
+            </a:endParaRPr>
+          </a:p>
+        </p:txBody>
+      </p:sp>
+      <p:pic>
+        <p:nvPicPr>
+          <p:cNvPr id="1026" name="Picture 2" descr="Typescript - Free logo icons">
+            <a:extLst>
+              <a:ext uri="{FF2B5EF4-FFF2-40B4-BE49-F238E27FC236}">
+                <a16:creationId xmlns:a16="http://schemas.microsoft.com/office/drawing/2014/main" id="{D28C421F-665D-606A-11B1-D2D71A7B471B}"/>
+              </a:ext>
+            </a:extLst>
+          </p:cNvPr>
+          <p:cNvPicPr>
+            <a:picLocks noChangeAspect="1" noChangeArrowheads="1"/>
+          </p:cNvPicPr>
+          <p:nvPr/>
+        </p:nvPicPr>
+        <p:blipFill>
+          <a:blip r:embed="rId2">
+            <a:extLst>
+              <a:ext uri="{28A0092B-C50C-407E-A947-70E740481C1C}">
+                <a14:useLocalDpi xmlns:a14="http://schemas.microsoft.com/office/drawing/2010/main" val="0"/>
+              </a:ext>
+            </a:extLst>
+          </a:blip>
+          <a:srcRect/>
+          <a:stretch>
+            <a:fillRect/>
+          </a:stretch>
+        </p:blipFill>
+        <p:spPr bwMode="auto">
+          <a:xfrm>
+            <a:off x="246014" y="268224"/>
+            <a:ext cx="767777" cy="767777"/>
+          </a:xfrm>
+          <a:prstGeom prst="rect">
+            <a:avLst/>
+          </a:prstGeom>
+          <a:noFill/>
+          <a:extLst>
+            <a:ext uri="{909E8E84-426E-40DD-AFC4-6F175D3DCCD1}">
+              <a14:hiddenFill xmlns:a14="http://schemas.microsoft.com/office/drawing/2010/main">
+                <a:solidFill>
+                  <a:srgbClr val="FFFFFF"/>
+                </a:solidFill>
+              </a14:hiddenFill>
+            </a:ext>
+          </a:extLst>
+        </p:spPr>
+      </p:pic>
+      <p:sp>
+        <p:nvSpPr>
+          <p:cNvPr id="3" name="TextBox 2">
+            <a:extLst>
+              <a:ext uri="{FF2B5EF4-FFF2-40B4-BE49-F238E27FC236}">
+                <a16:creationId xmlns:a16="http://schemas.microsoft.com/office/drawing/2014/main" id="{05E0D0D0-6114-CAD6-27A4-F0AAD070CCB2}"/>
+              </a:ext>
+            </a:extLst>
+          </p:cNvPr>
+          <p:cNvSpPr txBox="1"/>
+          <p:nvPr/>
+        </p:nvSpPr>
+        <p:spPr>
+          <a:xfrm>
+            <a:off x="1013791" y="482602"/>
+            <a:ext cx="4993184" cy="646331"/>
+          </a:xfrm>
+          <a:prstGeom prst="rect">
+            <a:avLst/>
+          </a:prstGeom>
+          <a:noFill/>
+        </p:spPr>
+        <p:txBody>
+          <a:bodyPr wrap="square" rtlCol="0">
+            <a:spAutoFit/>
+          </a:bodyPr>
+          <a:lstStyle/>
+          <a:p>
+            <a:r>
+              <a:rPr lang="en-US" sz="3600" dirty="0">
+                <a:solidFill>
+                  <a:srgbClr val="0037DA"/>
+                </a:solidFill>
+                <a:latin typeface="Segoe UI Variable Text Semibold" pitchFamily="2" charset="0"/>
+              </a:rPr>
+              <a:t>TypeScript</a:t>
+            </a:r>
+            <a:endParaRPr lang="en-IN" sz="3600" b="1" dirty="0">
+              <a:latin typeface="Bahnschrift SemiBold SemiConden" panose="020B0502040204020203" pitchFamily="34" charset="0"/>
+            </a:endParaRPr>
+          </a:p>
+        </p:txBody>
+      </p:sp>
+      <p:sp>
+        <p:nvSpPr>
+          <p:cNvPr id="10" name="TextBox 9">
+            <a:extLst>
+              <a:ext uri="{FF2B5EF4-FFF2-40B4-BE49-F238E27FC236}">
+                <a16:creationId xmlns:a16="http://schemas.microsoft.com/office/drawing/2014/main" id="{9DE45C9C-0544-98F5-FE68-92A4192A9029}"/>
+              </a:ext>
+            </a:extLst>
+          </p:cNvPr>
+          <p:cNvSpPr txBox="1"/>
+          <p:nvPr/>
+        </p:nvSpPr>
+        <p:spPr>
+          <a:xfrm>
+            <a:off x="8827825" y="288785"/>
+            <a:ext cx="3118161" cy="1015663"/>
+          </a:xfrm>
+          <a:prstGeom prst="rect">
+            <a:avLst/>
+          </a:prstGeom>
+          <a:noFill/>
+        </p:spPr>
+        <p:txBody>
+          <a:bodyPr wrap="none" rtlCol="0">
+            <a:spAutoFit/>
+          </a:bodyPr>
+          <a:lstStyle/>
+          <a:p>
+            <a:r>
+              <a:rPr lang="en-US" sz="6000" b="1" dirty="0">
+                <a:solidFill>
+                  <a:schemeClr val="tx1">
+                    <a:lumMod val="95000"/>
+                    <a:lumOff val="5000"/>
+                  </a:schemeClr>
+                </a:solidFill>
+                <a:latin typeface="Bahnschrift SemiBold SemiConden" panose="020B0502040204020203" pitchFamily="34" charset="0"/>
+              </a:rPr>
+              <a:t>Chapter 5</a:t>
+            </a:r>
+            <a:endParaRPr lang="en-IN" sz="6000" dirty="0">
+              <a:solidFill>
+                <a:schemeClr val="tx1">
+                  <a:lumMod val="95000"/>
+                  <a:lumOff val="5000"/>
+                </a:schemeClr>
+              </a:solidFill>
+            </a:endParaRPr>
+          </a:p>
+        </p:txBody>
+      </p:sp>
+      <p:sp>
+        <p:nvSpPr>
+          <p:cNvPr id="4" name="TextBox 3">
+            <a:extLst>
+              <a:ext uri="{FF2B5EF4-FFF2-40B4-BE49-F238E27FC236}">
+                <a16:creationId xmlns:a16="http://schemas.microsoft.com/office/drawing/2014/main" id="{258416B6-1A7F-F26D-7DE7-A2D62C2E0C6A}"/>
+              </a:ext>
+            </a:extLst>
+          </p:cNvPr>
+          <p:cNvSpPr txBox="1"/>
+          <p:nvPr/>
+        </p:nvSpPr>
+        <p:spPr>
+          <a:xfrm>
+            <a:off x="201622" y="2955776"/>
+            <a:ext cx="11610706" cy="2062103"/>
+          </a:xfrm>
+          <a:prstGeom prst="rect">
+            <a:avLst/>
+          </a:prstGeom>
+          <a:noFill/>
+        </p:spPr>
+        <p:txBody>
+          <a:bodyPr wrap="square" rtlCol="0">
+            <a:spAutoFit/>
+          </a:bodyPr>
+          <a:lstStyle/>
+          <a:p>
+            <a:pPr algn="ctr"/>
+            <a:r>
+              <a:rPr lang="en-US" sz="8000" dirty="0">
+                <a:latin typeface="Bahnschrift SemiBold SemiConden" panose="020B0502040204020203" pitchFamily="34" charset="0"/>
+              </a:rPr>
+              <a:t>Annotations with </a:t>
+            </a:r>
+            <a:r>
+              <a:rPr lang="en-US" sz="8000" b="1" dirty="0">
+                <a:solidFill>
+                  <a:srgbClr val="00B050"/>
+                </a:solidFill>
+                <a:latin typeface="Arial Rounded MT Bold" panose="020F0704030504030204" pitchFamily="34" charset="0"/>
+              </a:rPr>
+              <a:t>Objects</a:t>
+            </a:r>
+            <a:br>
+              <a:rPr lang="en-US" sz="7200" dirty="0">
+                <a:latin typeface="Bahnschrift SemiBold SemiConden" panose="020B0502040204020203" pitchFamily="34" charset="0"/>
+              </a:rPr>
+            </a:br>
+            <a:r>
+              <a:rPr lang="en-US" sz="4800" dirty="0">
+                <a:solidFill>
+                  <a:srgbClr val="0037DA"/>
+                </a:solidFill>
+                <a:latin typeface="Cascadia Code SemiBold" panose="020B0609020000020004" pitchFamily="49" charset="0"/>
+                <a:ea typeface="Cascadia Code SemiBold" panose="020B0609020000020004" pitchFamily="49" charset="0"/>
+                <a:cs typeface="Cascadia Code SemiBold" panose="020B0609020000020004" pitchFamily="49" charset="0"/>
+              </a:rPr>
+              <a:t>let</a:t>
+            </a:r>
+            <a:r>
+              <a:rPr lang="en-US" sz="4800" dirty="0">
+                <a:latin typeface="Cascadia Code SemiBold" panose="020B0609020000020004" pitchFamily="49" charset="0"/>
+                <a:ea typeface="Cascadia Code SemiBold" panose="020B0609020000020004" pitchFamily="49" charset="0"/>
+                <a:cs typeface="Cascadia Code SemiBold" panose="020B0609020000020004" pitchFamily="49" charset="0"/>
+              </a:rPr>
+              <a:t> </a:t>
+            </a:r>
+            <a:r>
+              <a:rPr lang="en-US" sz="4800" dirty="0" err="1">
+                <a:latin typeface="Cascadia Code SemiBold" panose="020B0609020000020004" pitchFamily="49" charset="0"/>
+                <a:ea typeface="Cascadia Code SemiBold" panose="020B0609020000020004" pitchFamily="49" charset="0"/>
+                <a:cs typeface="Cascadia Code SemiBold" panose="020B0609020000020004" pitchFamily="49" charset="0"/>
+              </a:rPr>
+              <a:t>myObj</a:t>
+            </a:r>
+            <a:r>
+              <a:rPr lang="en-US" sz="4800" dirty="0">
+                <a:latin typeface="Cascadia Code SemiBold" panose="020B0609020000020004" pitchFamily="49" charset="0"/>
+                <a:ea typeface="Cascadia Code SemiBold" panose="020B0609020000020004" pitchFamily="49" charset="0"/>
+                <a:cs typeface="Cascadia Code SemiBold" panose="020B0609020000020004" pitchFamily="49" charset="0"/>
+              </a:rPr>
+              <a:t>:{</a:t>
+            </a:r>
+            <a:r>
+              <a:rPr lang="en-US" sz="4800" dirty="0" err="1">
+                <a:solidFill>
+                  <a:srgbClr val="0070C0"/>
+                </a:solidFill>
+                <a:latin typeface="Cascadia Code SemiBold" panose="020B0609020000020004" pitchFamily="49" charset="0"/>
+                <a:ea typeface="Cascadia Code SemiBold" panose="020B0609020000020004" pitchFamily="49" charset="0"/>
+                <a:cs typeface="Cascadia Code SemiBold" panose="020B0609020000020004" pitchFamily="49" charset="0"/>
+              </a:rPr>
+              <a:t>x</a:t>
+            </a:r>
+            <a:r>
+              <a:rPr lang="en-US" sz="4800" dirty="0" err="1">
+                <a:latin typeface="Cascadia Code SemiBold" panose="020B0609020000020004" pitchFamily="49" charset="0"/>
+                <a:ea typeface="Cascadia Code SemiBold" panose="020B0609020000020004" pitchFamily="49" charset="0"/>
+                <a:cs typeface="Cascadia Code SemiBold" panose="020B0609020000020004" pitchFamily="49" charset="0"/>
+              </a:rPr>
+              <a:t>:</a:t>
+            </a:r>
+            <a:r>
+              <a:rPr lang="en-US" sz="4800" dirty="0" err="1">
+                <a:solidFill>
+                  <a:schemeClr val="accent2">
+                    <a:lumMod val="60000"/>
+                    <a:lumOff val="40000"/>
+                  </a:schemeClr>
+                </a:solidFill>
+                <a:latin typeface="Cascadia Code SemiBold" panose="020B0609020000020004" pitchFamily="49" charset="0"/>
+                <a:ea typeface="Cascadia Code SemiBold" panose="020B0609020000020004" pitchFamily="49" charset="0"/>
+                <a:cs typeface="Cascadia Code SemiBold" panose="020B0609020000020004" pitchFamily="49" charset="0"/>
+              </a:rPr>
+              <a:t>number</a:t>
+            </a:r>
+            <a:r>
+              <a:rPr lang="en-US" sz="4800" dirty="0" err="1">
+                <a:latin typeface="Cascadia Code SemiBold" panose="020B0609020000020004" pitchFamily="49" charset="0"/>
+                <a:ea typeface="Cascadia Code SemiBold" panose="020B0609020000020004" pitchFamily="49" charset="0"/>
+                <a:cs typeface="Cascadia Code SemiBold" panose="020B0609020000020004" pitchFamily="49" charset="0"/>
+              </a:rPr>
+              <a:t>;</a:t>
+            </a:r>
+            <a:r>
+              <a:rPr lang="en-US" sz="4800" dirty="0" err="1">
+                <a:solidFill>
+                  <a:srgbClr val="0070C0"/>
+                </a:solidFill>
+                <a:latin typeface="Cascadia Code SemiBold" panose="020B0609020000020004" pitchFamily="49" charset="0"/>
+                <a:ea typeface="Cascadia Code SemiBold" panose="020B0609020000020004" pitchFamily="49" charset="0"/>
+                <a:cs typeface="Cascadia Code SemiBold" panose="020B0609020000020004" pitchFamily="49" charset="0"/>
+              </a:rPr>
+              <a:t>y</a:t>
+            </a:r>
+            <a:r>
+              <a:rPr lang="en-US" sz="4800" dirty="0" err="1">
+                <a:latin typeface="Cascadia Code SemiBold" panose="020B0609020000020004" pitchFamily="49" charset="0"/>
+                <a:ea typeface="Cascadia Code SemiBold" panose="020B0609020000020004" pitchFamily="49" charset="0"/>
+                <a:cs typeface="Cascadia Code SemiBold" panose="020B0609020000020004" pitchFamily="49" charset="0"/>
+              </a:rPr>
+              <a:t>:</a:t>
+            </a:r>
+            <a:r>
+              <a:rPr lang="en-US" sz="4800" dirty="0" err="1">
+                <a:solidFill>
+                  <a:schemeClr val="accent2">
+                    <a:lumMod val="60000"/>
+                    <a:lumOff val="40000"/>
+                  </a:schemeClr>
+                </a:solidFill>
+                <a:latin typeface="Cascadia Code SemiBold" panose="020B0609020000020004" pitchFamily="49" charset="0"/>
+                <a:ea typeface="Cascadia Code SemiBold" panose="020B0609020000020004" pitchFamily="49" charset="0"/>
+                <a:cs typeface="Cascadia Code SemiBold" panose="020B0609020000020004" pitchFamily="49" charset="0"/>
+              </a:rPr>
+              <a:t>number</a:t>
+            </a:r>
+            <a:r>
+              <a:rPr lang="en-US" sz="4800" dirty="0">
+                <a:latin typeface="Cascadia Code SemiBold" panose="020B0609020000020004" pitchFamily="49" charset="0"/>
+                <a:ea typeface="Cascadia Code SemiBold" panose="020B0609020000020004" pitchFamily="49" charset="0"/>
+                <a:cs typeface="Cascadia Code SemiBold" panose="020B0609020000020004" pitchFamily="49" charset="0"/>
+              </a:rPr>
+              <a:t>}</a:t>
+            </a:r>
+          </a:p>
+        </p:txBody>
+      </p:sp>
+      <p:sp>
+        <p:nvSpPr>
+          <p:cNvPr id="5" name="TextBox 4">
+            <a:extLst>
+              <a:ext uri="{FF2B5EF4-FFF2-40B4-BE49-F238E27FC236}">
+                <a16:creationId xmlns:a16="http://schemas.microsoft.com/office/drawing/2014/main" id="{3BAC96ED-0220-68B1-ECB7-4945EA8D4E1D}"/>
+              </a:ext>
+            </a:extLst>
+          </p:cNvPr>
+          <p:cNvSpPr txBox="1"/>
+          <p:nvPr/>
+        </p:nvSpPr>
+        <p:spPr>
+          <a:xfrm>
+            <a:off x="4779774" y="1509226"/>
+            <a:ext cx="2154757" cy="1446550"/>
+          </a:xfrm>
+          <a:prstGeom prst="rect">
+            <a:avLst/>
+          </a:prstGeom>
+          <a:noFill/>
+        </p:spPr>
+        <p:txBody>
+          <a:bodyPr wrap="none" rtlCol="0">
+            <a:spAutoFit/>
+          </a:bodyPr>
+          <a:lstStyle/>
+          <a:p>
+            <a:r>
+              <a:rPr lang="en-US" sz="8800" b="1" dirty="0">
+                <a:solidFill>
+                  <a:schemeClr val="accent1"/>
+                </a:solidFill>
+                <a:latin typeface="Bahnschrift SemiBold SemiConden" panose="020B0502040204020203" pitchFamily="34" charset="0"/>
+              </a:rPr>
+              <a:t>Type</a:t>
+            </a:r>
+            <a:endParaRPr lang="en-IN" sz="8800" dirty="0"/>
+          </a:p>
+        </p:txBody>
+      </p:sp>
+    </p:spTree>
+    <p:extLst>
+      <p:ext uri="{BB962C8B-B14F-4D97-AF65-F5344CB8AC3E}">
+        <p14:creationId xmlns:p14="http://schemas.microsoft.com/office/powerpoint/2010/main" val="2489983879"/>
+      </p:ext>
+    </p:extLst>
+  </p:cSld>
+  <p:clrMapOvr>
+    <a:masterClrMapping/>
+  </p:clrMapOvr>
+</p:sld>
+</file>
+
 <file path=ppt/slides/slide2.xml><?xml version="1.0" encoding="utf-8"?>
 <p:sld xmlns:a="http://schemas.openxmlformats.org/drawingml/2006/main" xmlns:r="http://schemas.openxmlformats.org/officeDocument/2006/relationships" xmlns:p="http://schemas.openxmlformats.org/presentationml/2006/main">
   <p:cSld>
@@ -10591,7 +10658,7 @@
 <file path=ppt/theme/theme1.xml><?xml version="1.0" encoding="utf-8"?>
 <a:theme xmlns:a="http://schemas.openxmlformats.org/drawingml/2006/main" name="Office Theme">
   <a:themeElements>
-    <a:clrScheme name="Office">
+    <a:clrScheme name="Office Theme">
       <a:dk1>
         <a:sysClr val="windowText" lastClr="000000"/>
       </a:dk1>
@@ -10629,7 +10696,7 @@
         <a:srgbClr val="954F72"/>
       </a:folHlink>
     </a:clrScheme>
-    <a:fontScheme name="Office">
+    <a:fontScheme name="Office Theme">
       <a:majorFont>
         <a:latin typeface="Calibri Light" panose="020F0302020204030204"/>
         <a:ea typeface=""/>
@@ -10664,23 +10731,6 @@
         <a:font script="Viet" typeface="Times New Roman"/>
         <a:font script="Uigh" typeface="Microsoft Uighur"/>
         <a:font script="Geor" typeface="Sylfaen"/>
-        <a:font script="Armn" typeface="Arial"/>
-        <a:font script="Bugi" typeface="Leelawadee UI"/>
-        <a:font script="Bopo" typeface="Microsoft JhengHei"/>
-        <a:font script="Java" typeface="Javanese Text"/>
-        <a:font script="Lisu" typeface="Segoe UI"/>
-        <a:font script="Mymr" typeface="Myanmar Text"/>
-        <a:font script="Nkoo" typeface="Ebrima"/>
-        <a:font script="Olck" typeface="Nirmala UI"/>
-        <a:font script="Osma" typeface="Ebrima"/>
-        <a:font script="Phag" typeface="Phagspa"/>
-        <a:font script="Syrn" typeface="Estrangelo Edessa"/>
-        <a:font script="Syrj" typeface="Estrangelo Edessa"/>
-        <a:font script="Syre" typeface="Estrangelo Edessa"/>
-        <a:font script="Sora" typeface="Nirmala UI"/>
-        <a:font script="Tale" typeface="Microsoft Tai Le"/>
-        <a:font script="Talu" typeface="Microsoft New Tai Lue"/>
-        <a:font script="Tfng" typeface="Ebrima"/>
       </a:majorFont>
       <a:minorFont>
         <a:latin typeface="Calibri" panose="020F0502020204030204"/>
@@ -10716,26 +10766,9 @@
         <a:font script="Viet" typeface="Arial"/>
         <a:font script="Uigh" typeface="Microsoft Uighur"/>
         <a:font script="Geor" typeface="Sylfaen"/>
-        <a:font script="Armn" typeface="Arial"/>
-        <a:font script="Bugi" typeface="Leelawadee UI"/>
-        <a:font script="Bopo" typeface="Microsoft JhengHei"/>
-        <a:font script="Java" typeface="Javanese Text"/>
-        <a:font script="Lisu" typeface="Segoe UI"/>
-        <a:font script="Mymr" typeface="Myanmar Text"/>
-        <a:font script="Nkoo" typeface="Ebrima"/>
-        <a:font script="Olck" typeface="Nirmala UI"/>
-        <a:font script="Osma" typeface="Ebrima"/>
-        <a:font script="Phag" typeface="Phagspa"/>
-        <a:font script="Syrn" typeface="Estrangelo Edessa"/>
-        <a:font script="Syrj" typeface="Estrangelo Edessa"/>
-        <a:font script="Syre" typeface="Estrangelo Edessa"/>
-        <a:font script="Sora" typeface="Nirmala UI"/>
-        <a:font script="Tale" typeface="Microsoft Tai Le"/>
-        <a:font script="Talu" typeface="Microsoft New Tai Lue"/>
-        <a:font script="Tfng" typeface="Ebrima"/>
       </a:minorFont>
     </a:fontScheme>
-    <a:fmtScheme name="Office">
+    <a:fmtScheme name="Office Theme">
       <a:fillStyleLst>
         <a:solidFill>
           <a:schemeClr val="phClr"/>
@@ -10877,7 +10910,7 @@
   <a:extraClrSchemeLst/>
   <a:extLst>
     <a:ext uri="{05A4C25C-085E-4340-85A3-A5531E510DB2}">
-      <thm15:themeFamily xmlns:thm15="http://schemas.microsoft.com/office/thememl/2012/main" name="Office Theme" id="{62F939B6-93AF-4DB8-9C6B-D6C7DFDC589F}" vid="{4A3C46E8-61CC-4603-A589-7422A47A8E4A}"/>
+      <thm15:themeFamily xmlns:thm15="http://schemas.microsoft.com/office/thememl/2012/main" name="Office 2013 - 2022 Theme" id="{62F939B6-93AF-4DB8-9C6B-D6C7DFDC589F}" vid="{4A3C46E8-61CC-4603-A589-7422A47A8E4A}"/>
     </a:ext>
   </a:extLst>
 </a:theme>

--- a/typescript-tutorials.pptx
+++ b/typescript-tutorials.pptx
@@ -16,9 +16,12 @@
     <p:sldId id="265" r:id="rId10"/>
     <p:sldId id="266" r:id="rId11"/>
     <p:sldId id="268" r:id="rId12"/>
-    <p:sldId id="267" r:id="rId13"/>
-    <p:sldId id="269" r:id="rId14"/>
-    <p:sldId id="270" r:id="rId15"/>
+    <p:sldId id="272" r:id="rId13"/>
+    <p:sldId id="273" r:id="rId14"/>
+    <p:sldId id="279" r:id="rId15"/>
+    <p:sldId id="278" r:id="rId16"/>
+    <p:sldId id="276" r:id="rId17"/>
+    <p:sldId id="277" r:id="rId18"/>
   </p:sldIdLst>
   <p:sldSz cx="12192000" cy="6858000"/>
   <p:notesSz cx="6858000" cy="9144000"/>
@@ -256,7 +259,7 @@
           <a:p>
             <a:fld id="{0BD99723-41B8-49F9-B72A-1C6CA71BE0CC}" type="datetimeFigureOut">
               <a:rPr lang="en-IN" smtClean="0"/>
-              <a:t>01-11-2025</a:t>
+              <a:t>10-11-2025</a:t>
             </a:fld>
             <a:endParaRPr lang="en-IN"/>
           </a:p>
@@ -426,7 +429,7 @@
           <a:p>
             <a:fld id="{0BD99723-41B8-49F9-B72A-1C6CA71BE0CC}" type="datetimeFigureOut">
               <a:rPr lang="en-IN" smtClean="0"/>
-              <a:t>01-11-2025</a:t>
+              <a:t>10-11-2025</a:t>
             </a:fld>
             <a:endParaRPr lang="en-IN"/>
           </a:p>
@@ -606,7 +609,7 @@
           <a:p>
             <a:fld id="{0BD99723-41B8-49F9-B72A-1C6CA71BE0CC}" type="datetimeFigureOut">
               <a:rPr lang="en-IN" smtClean="0"/>
-              <a:t>01-11-2025</a:t>
+              <a:t>10-11-2025</a:t>
             </a:fld>
             <a:endParaRPr lang="en-IN"/>
           </a:p>
@@ -776,7 +779,7 @@
           <a:p>
             <a:fld id="{0BD99723-41B8-49F9-B72A-1C6CA71BE0CC}" type="datetimeFigureOut">
               <a:rPr lang="en-IN" smtClean="0"/>
-              <a:t>01-11-2025</a:t>
+              <a:t>10-11-2025</a:t>
             </a:fld>
             <a:endParaRPr lang="en-IN"/>
           </a:p>
@@ -1022,7 +1025,7 @@
           <a:p>
             <a:fld id="{0BD99723-41B8-49F9-B72A-1C6CA71BE0CC}" type="datetimeFigureOut">
               <a:rPr lang="en-IN" smtClean="0"/>
-              <a:t>01-11-2025</a:t>
+              <a:t>10-11-2025</a:t>
             </a:fld>
             <a:endParaRPr lang="en-IN"/>
           </a:p>
@@ -1254,7 +1257,7 @@
           <a:p>
             <a:fld id="{0BD99723-41B8-49F9-B72A-1C6CA71BE0CC}" type="datetimeFigureOut">
               <a:rPr lang="en-IN" smtClean="0"/>
-              <a:t>01-11-2025</a:t>
+              <a:t>10-11-2025</a:t>
             </a:fld>
             <a:endParaRPr lang="en-IN"/>
           </a:p>
@@ -1621,7 +1624,7 @@
           <a:p>
             <a:fld id="{0BD99723-41B8-49F9-B72A-1C6CA71BE0CC}" type="datetimeFigureOut">
               <a:rPr lang="en-IN" smtClean="0"/>
-              <a:t>01-11-2025</a:t>
+              <a:t>10-11-2025</a:t>
             </a:fld>
             <a:endParaRPr lang="en-IN"/>
           </a:p>
@@ -1739,7 +1742,7 @@
           <a:p>
             <a:fld id="{0BD99723-41B8-49F9-B72A-1C6CA71BE0CC}" type="datetimeFigureOut">
               <a:rPr lang="en-IN" smtClean="0"/>
-              <a:t>01-11-2025</a:t>
+              <a:t>10-11-2025</a:t>
             </a:fld>
             <a:endParaRPr lang="en-IN"/>
           </a:p>
@@ -1834,7 +1837,7 @@
           <a:p>
             <a:fld id="{0BD99723-41B8-49F9-B72A-1C6CA71BE0CC}" type="datetimeFigureOut">
               <a:rPr lang="en-IN" smtClean="0"/>
-              <a:t>01-11-2025</a:t>
+              <a:t>10-11-2025</a:t>
             </a:fld>
             <a:endParaRPr lang="en-IN"/>
           </a:p>
@@ -2111,7 +2114,7 @@
           <a:p>
             <a:fld id="{0BD99723-41B8-49F9-B72A-1C6CA71BE0CC}" type="datetimeFigureOut">
               <a:rPr lang="en-IN" smtClean="0"/>
-              <a:t>01-11-2025</a:t>
+              <a:t>10-11-2025</a:t>
             </a:fld>
             <a:endParaRPr lang="en-IN"/>
           </a:p>
@@ -2368,7 +2371,7 @@
           <a:p>
             <a:fld id="{0BD99723-41B8-49F9-B72A-1C6CA71BE0CC}" type="datetimeFigureOut">
               <a:rPr lang="en-IN" smtClean="0"/>
-              <a:t>01-11-2025</a:t>
+              <a:t>10-11-2025</a:t>
             </a:fld>
             <a:endParaRPr lang="en-IN"/>
           </a:p>
@@ -2581,7 +2584,7 @@
           <a:p>
             <a:fld id="{0BD99723-41B8-49F9-B72A-1C6CA71BE0CC}" type="datetimeFigureOut">
               <a:rPr lang="en-IN" smtClean="0"/>
-              <a:t>01-11-2025</a:t>
+              <a:t>10-11-2025</a:t>
             </a:fld>
             <a:endParaRPr lang="en-IN"/>
           </a:p>
@@ -4090,20 +4093,12 @@
 <file path=ppt/slides/slide12.xml><?xml version="1.0" encoding="utf-8"?>
 <p:sld xmlns:a="http://schemas.openxmlformats.org/drawingml/2006/main" xmlns:r="http://schemas.openxmlformats.org/officeDocument/2006/relationships" xmlns:p="http://schemas.openxmlformats.org/presentationml/2006/main">
   <p:cSld>
-    <p:bg>
-      <p:bgPr>
-        <a:solidFill>
-          <a:schemeClr val="bg1"/>
-        </a:solidFill>
-        <a:effectLst/>
-      </p:bgPr>
-    </p:bg>
     <p:spTree>
       <p:nvGrpSpPr>
         <p:cNvPr id="1" name="">
           <a:extLst>
             <a:ext uri="{FF2B5EF4-FFF2-40B4-BE49-F238E27FC236}">
-              <a16:creationId xmlns:a16="http://schemas.microsoft.com/office/drawing/2014/main" id="{2322FEC1-1A90-935C-A82D-844CFCC27521}"/>
+              <a16:creationId xmlns:a16="http://schemas.microsoft.com/office/drawing/2014/main" id="{008FF27E-8816-2FF6-5DD8-ED1F2300B81D}"/>
             </a:ext>
           </a:extLst>
         </p:cNvPr>
@@ -4123,7 +4118,7 @@
           <p:cNvPr id="2" name="Title 1">
             <a:extLst>
               <a:ext uri="{FF2B5EF4-FFF2-40B4-BE49-F238E27FC236}">
-                <a16:creationId xmlns:a16="http://schemas.microsoft.com/office/drawing/2014/main" id="{B58143DA-2EBB-A414-C29D-C7CC523A0658}"/>
+                <a16:creationId xmlns:a16="http://schemas.microsoft.com/office/drawing/2014/main" id="{4476E35A-2793-E6B7-7D09-5D5CF3952E85}"/>
               </a:ext>
             </a:extLst>
           </p:cNvPr>
@@ -4168,7 +4163,7 @@
           <p:cNvPr id="1026" name="Picture 2" descr="Typescript - Free logo icons">
             <a:extLst>
               <a:ext uri="{FF2B5EF4-FFF2-40B4-BE49-F238E27FC236}">
-                <a16:creationId xmlns:a16="http://schemas.microsoft.com/office/drawing/2014/main" id="{E0E08FCD-5DDE-D7F8-0CC1-BBFA9CEBB363}"/>
+                <a16:creationId xmlns:a16="http://schemas.microsoft.com/office/drawing/2014/main" id="{DA83B2BF-1968-35C9-E51E-63C0B0D7800E}"/>
               </a:ext>
             </a:extLst>
           </p:cNvPr>
@@ -4192,8 +4187,8 @@
         </p:blipFill>
         <p:spPr bwMode="auto">
           <a:xfrm>
-            <a:off x="246014" y="268224"/>
-            <a:ext cx="767777" cy="767777"/>
+            <a:off x="379672" y="867819"/>
+            <a:ext cx="2574367" cy="2574367"/>
           </a:xfrm>
           <a:prstGeom prst="rect">
             <a:avLst/>
@@ -4215,7 +4210,7 @@
           <p:cNvPr id="3" name="TextBox 2">
             <a:extLst>
               <a:ext uri="{FF2B5EF4-FFF2-40B4-BE49-F238E27FC236}">
-                <a16:creationId xmlns:a16="http://schemas.microsoft.com/office/drawing/2014/main" id="{83454EFB-0C74-6F93-4603-53864A181976}"/>
+                <a16:creationId xmlns:a16="http://schemas.microsoft.com/office/drawing/2014/main" id="{8074DF12-0435-8DA8-8B97-9C83B467146E}"/>
               </a:ext>
             </a:extLst>
           </p:cNvPr>
@@ -4224,8 +4219,8 @@
         </p:nvSpPr>
         <p:spPr>
           <a:xfrm>
-            <a:off x="1013791" y="482602"/>
-            <a:ext cx="4993184" cy="646331"/>
+            <a:off x="3202516" y="1985711"/>
+            <a:ext cx="6760941" cy="1569660"/>
           </a:xfrm>
           <a:prstGeom prst="rect">
             <a:avLst/>
@@ -4239,7 +4234,7 @@
           <a:lstStyle/>
           <a:p>
             <a:r>
-              <a:rPr lang="en-US" sz="3600" dirty="0">
+              <a:rPr lang="en-US" sz="9600" dirty="0">
                 <a:solidFill>
                   <a:srgbClr val="0037DA"/>
                 </a:solidFill>
@@ -4247,7 +4242,7 @@
               </a:rPr>
               <a:t>TypeScript</a:t>
             </a:r>
-            <a:endParaRPr lang="en-IN" sz="3600" b="1" dirty="0">
+            <a:endParaRPr lang="en-IN" sz="9600" b="1" dirty="0">
               <a:latin typeface="Bahnschrift SemiBold SemiConden" panose="020B0502040204020203" pitchFamily="34" charset="0"/>
             </a:endParaRPr>
           </a:p>
@@ -4258,7 +4253,7 @@
           <p:cNvPr id="10" name="TextBox 9">
             <a:extLst>
               <a:ext uri="{FF2B5EF4-FFF2-40B4-BE49-F238E27FC236}">
-                <a16:creationId xmlns:a16="http://schemas.microsoft.com/office/drawing/2014/main" id="{C3E1C2F7-5ED2-3A81-B435-66FBC88CD887}"/>
+                <a16:creationId xmlns:a16="http://schemas.microsoft.com/office/drawing/2014/main" id="{900D7E37-21D5-581E-07E5-5955511255A9}"/>
               </a:ext>
             </a:extLst>
           </p:cNvPr>
@@ -4267,8 +4262,8 @@
         </p:nvSpPr>
         <p:spPr>
           <a:xfrm>
-            <a:off x="8827825" y="288785"/>
-            <a:ext cx="3118161" cy="1015663"/>
+            <a:off x="6905832" y="144544"/>
+            <a:ext cx="4485523" cy="1446550"/>
           </a:xfrm>
           <a:prstGeom prst="rect">
             <a:avLst/>
@@ -4282,17 +4277,23 @@
           <a:lstStyle/>
           <a:p>
             <a:r>
-              <a:rPr lang="en-US" sz="6000" b="1" dirty="0">
-                <a:solidFill>
-                  <a:srgbClr val="92D050"/>
+              <a:rPr lang="en-US" sz="8800" b="1" dirty="0">
+                <a:solidFill>
+                  <a:schemeClr val="tx1">
+                    <a:lumMod val="95000"/>
+                    <a:lumOff val="5000"/>
+                  </a:schemeClr>
                 </a:solidFill>
                 <a:latin typeface="Bahnschrift SemiBold SemiConden" panose="020B0502040204020203" pitchFamily="34" charset="0"/>
               </a:rPr>
               <a:t>Chapter 3</a:t>
             </a:r>
-            <a:endParaRPr lang="en-IN" sz="6000" dirty="0">
+            <a:endParaRPr lang="en-IN" sz="8800" dirty="0">
               <a:solidFill>
-                <a:srgbClr val="92D050"/>
+                <a:schemeClr val="tx1">
+                  <a:lumMod val="95000"/>
+                  <a:lumOff val="5000"/>
+                </a:schemeClr>
               </a:solidFill>
             </a:endParaRPr>
           </a:p>
@@ -4303,7 +4304,7 @@
           <p:cNvPr id="4" name="TextBox 3">
             <a:extLst>
               <a:ext uri="{FF2B5EF4-FFF2-40B4-BE49-F238E27FC236}">
-                <a16:creationId xmlns:a16="http://schemas.microsoft.com/office/drawing/2014/main" id="{F4FB6286-D3C6-8DA6-7003-BC0B1BB457DF}"/>
+                <a16:creationId xmlns:a16="http://schemas.microsoft.com/office/drawing/2014/main" id="{30E1DCA7-BD31-F6FC-4A25-2E4610E39DF4}"/>
               </a:ext>
             </a:extLst>
           </p:cNvPr>
@@ -4312,8 +4313,8 @@
         </p:nvSpPr>
         <p:spPr>
           <a:xfrm>
-            <a:off x="335280" y="1691906"/>
-            <a:ext cx="11610706" cy="4031873"/>
+            <a:off x="201622" y="3750906"/>
+            <a:ext cx="11610706" cy="3046988"/>
           </a:xfrm>
           <a:prstGeom prst="rect">
             <a:avLst/>
@@ -4326,76 +4327,28 @@
           </a:bodyPr>
           <a:lstStyle/>
           <a:p>
-            <a:r>
-              <a:rPr lang="en-US" sz="7200" b="1" dirty="0">
-                <a:solidFill>
-                  <a:schemeClr val="accent1"/>
-                </a:solidFill>
-                <a:latin typeface="Bahnschrift SemiBold SemiConden" panose="020B0502040204020203" pitchFamily="34" charset="0"/>
-              </a:rPr>
-              <a:t>Types</a:t>
-            </a:r>
-            <a:br>
-              <a:rPr lang="en-US" sz="3600" dirty="0">
-                <a:latin typeface="Bahnschrift SemiBold SemiConden" panose="020B0502040204020203" pitchFamily="34" charset="0"/>
-              </a:rPr>
-            </a:br>
-            <a:r>
-              <a:rPr lang="en-US" sz="3600" dirty="0">
-                <a:latin typeface="Bahnschrift SemiBold SemiConden" panose="020B0502040204020203" pitchFamily="34" charset="0"/>
-              </a:rPr>
-              <a:t>Why should we use types?</a:t>
-            </a:r>
-            <a:br>
-              <a:rPr lang="en-US" sz="3600" dirty="0">
-                <a:latin typeface="Bahnschrift SemiBold SemiConden" panose="020B0502040204020203" pitchFamily="34" charset="0"/>
-              </a:rPr>
-            </a:br>
-            <a:r>
-              <a:rPr lang="en-US" sz="2800" dirty="0">
-                <a:latin typeface="Aptos Narrow" panose="020B0004020202020204" pitchFamily="34" charset="0"/>
-              </a:rPr>
-              <a:t>1. Compiler shows errors during code writing </a:t>
-            </a:r>
-          </a:p>
-          <a:p>
-            <a:r>
-              <a:rPr lang="en-US" sz="2800" dirty="0">
-                <a:latin typeface="Aptos Narrow" panose="020B0004020202020204" pitchFamily="34" charset="0"/>
-              </a:rPr>
-              <a:t>2. The developer can understand what type of data is flowing through our code.</a:t>
-            </a:r>
-            <a:br>
-              <a:rPr lang="en-US" sz="2800" dirty="0">
-                <a:latin typeface="Aptos Narrow" panose="020B0004020202020204" pitchFamily="34" charset="0"/>
-              </a:rPr>
-            </a:br>
-            <a:endParaRPr lang="en-US" sz="2800" dirty="0">
-              <a:latin typeface="Aptos Narrow" panose="020B0004020202020204" pitchFamily="34" charset="0"/>
+            <a:pPr algn="ctr"/>
+            <a:r>
+              <a:rPr lang="en-US" sz="9600" b="1" dirty="0">
+                <a:solidFill>
+                  <a:srgbClr val="00B050"/>
+                </a:solidFill>
+                <a:latin typeface="Arial Rounded MT Bold" panose="020F0704030504030204" pitchFamily="34" charset="0"/>
+              </a:rPr>
+              <a:t>How &amp; where to use </a:t>
+            </a:r>
+            <a:endParaRPr lang="en-US" sz="9600" dirty="0">
+              <a:latin typeface="Cascadia Code SemiBold" panose="020B0609020000020004" pitchFamily="49" charset="0"/>
+              <a:ea typeface="Cascadia Code SemiBold" panose="020B0609020000020004" pitchFamily="49" charset="0"/>
+              <a:cs typeface="Cascadia Code SemiBold" panose="020B0609020000020004" pitchFamily="49" charset="0"/>
             </a:endParaRPr>
-          </a:p>
-          <a:p>
-            <a:r>
-              <a:rPr lang="en-US" sz="3600" b="1" dirty="0">
-                <a:latin typeface="Aptos Narrow" panose="020B0004020202020204" pitchFamily="34" charset="0"/>
-              </a:rPr>
-              <a:t>Where do we use types?</a:t>
-            </a:r>
-          </a:p>
-          <a:p>
-            <a:r>
-              <a:rPr lang="en-US" sz="2800" dirty="0">
-                <a:latin typeface="Aptos Narrow" panose="020B0004020202020204" pitchFamily="34" charset="0"/>
-              </a:rPr>
-              <a:t>Ans- Everywhere</a:t>
-            </a:r>
           </a:p>
         </p:txBody>
       </p:sp>
     </p:spTree>
     <p:extLst>
       <p:ext uri="{BB962C8B-B14F-4D97-AF65-F5344CB8AC3E}">
-        <p14:creationId xmlns:p14="http://schemas.microsoft.com/office/powerpoint/2010/main" val="2195064751"/>
+        <p14:creationId xmlns:p14="http://schemas.microsoft.com/office/powerpoint/2010/main" val="2441000931"/>
       </p:ext>
     </p:extLst>
   </p:cSld>
@@ -4408,20 +4361,12 @@
 <file path=ppt/slides/slide13.xml><?xml version="1.0" encoding="utf-8"?>
 <p:sld xmlns:a="http://schemas.openxmlformats.org/drawingml/2006/main" xmlns:r="http://schemas.openxmlformats.org/officeDocument/2006/relationships" xmlns:p="http://schemas.openxmlformats.org/presentationml/2006/main">
   <p:cSld>
-    <p:bg>
-      <p:bgPr>
-        <a:solidFill>
-          <a:schemeClr val="bg1"/>
-        </a:solidFill>
-        <a:effectLst/>
-      </p:bgPr>
-    </p:bg>
     <p:spTree>
       <p:nvGrpSpPr>
         <p:cNvPr id="1" name="">
           <a:extLst>
             <a:ext uri="{FF2B5EF4-FFF2-40B4-BE49-F238E27FC236}">
-              <a16:creationId xmlns:a16="http://schemas.microsoft.com/office/drawing/2014/main" id="{79E33B9C-B4BB-2FAF-C94E-F48455232ADE}"/>
+              <a16:creationId xmlns:a16="http://schemas.microsoft.com/office/drawing/2014/main" id="{05D3055E-1AC1-CFCC-0A54-A9EE106CCD99}"/>
             </a:ext>
           </a:extLst>
         </p:cNvPr>
@@ -4441,7 +4386,7 @@
           <p:cNvPr id="2" name="Title 1">
             <a:extLst>
               <a:ext uri="{FF2B5EF4-FFF2-40B4-BE49-F238E27FC236}">
-                <a16:creationId xmlns:a16="http://schemas.microsoft.com/office/drawing/2014/main" id="{90844403-284E-7B68-C5D4-9FE065D2A48D}"/>
+                <a16:creationId xmlns:a16="http://schemas.microsoft.com/office/drawing/2014/main" id="{BB0A9EBD-80E1-4E97-382E-8EEF6A4F17A9}"/>
               </a:ext>
             </a:extLst>
           </p:cNvPr>
@@ -4486,7 +4431,7 @@
           <p:cNvPr id="1026" name="Picture 2" descr="Typescript - Free logo icons">
             <a:extLst>
               <a:ext uri="{FF2B5EF4-FFF2-40B4-BE49-F238E27FC236}">
-                <a16:creationId xmlns:a16="http://schemas.microsoft.com/office/drawing/2014/main" id="{47637FE2-0701-FDE7-A123-11037792552B}"/>
+                <a16:creationId xmlns:a16="http://schemas.microsoft.com/office/drawing/2014/main" id="{F54D5690-9E69-D062-3942-FD776AAE03BD}"/>
               </a:ext>
             </a:extLst>
           </p:cNvPr>
@@ -4510,8 +4455,8 @@
         </p:blipFill>
         <p:spPr bwMode="auto">
           <a:xfrm>
-            <a:off x="246014" y="268224"/>
-            <a:ext cx="767777" cy="767777"/>
+            <a:off x="379672" y="867819"/>
+            <a:ext cx="2441331" cy="2441331"/>
           </a:xfrm>
           <a:prstGeom prst="rect">
             <a:avLst/>
@@ -4533,7 +4478,7 @@
           <p:cNvPr id="3" name="TextBox 2">
             <a:extLst>
               <a:ext uri="{FF2B5EF4-FFF2-40B4-BE49-F238E27FC236}">
-                <a16:creationId xmlns:a16="http://schemas.microsoft.com/office/drawing/2014/main" id="{210B8C8E-3C7F-7669-6DCB-140C28A8F7C1}"/>
+                <a16:creationId xmlns:a16="http://schemas.microsoft.com/office/drawing/2014/main" id="{D459FC27-DEC5-18A0-139B-94773A75AF9E}"/>
               </a:ext>
             </a:extLst>
           </p:cNvPr>
@@ -4542,8 +4487,8 @@
         </p:nvSpPr>
         <p:spPr>
           <a:xfrm>
-            <a:off x="1013791" y="482602"/>
-            <a:ext cx="4993184" cy="646331"/>
+            <a:off x="3202516" y="1985711"/>
+            <a:ext cx="6760941" cy="1323439"/>
           </a:xfrm>
           <a:prstGeom prst="rect">
             <a:avLst/>
@@ -4557,7 +4502,7 @@
           <a:lstStyle/>
           <a:p>
             <a:r>
-              <a:rPr lang="en-US" sz="3600" dirty="0">
+              <a:rPr lang="en-US" sz="8000" dirty="0">
                 <a:solidFill>
                   <a:srgbClr val="0037DA"/>
                 </a:solidFill>
@@ -4565,7 +4510,7 @@
               </a:rPr>
               <a:t>TypeScript</a:t>
             </a:r>
-            <a:endParaRPr lang="en-IN" sz="3600" b="1" dirty="0">
+            <a:endParaRPr lang="en-IN" sz="8000" b="1" dirty="0">
               <a:latin typeface="Bahnschrift SemiBold SemiConden" panose="020B0502040204020203" pitchFamily="34" charset="0"/>
             </a:endParaRPr>
           </a:p>
@@ -4576,7 +4521,7 @@
           <p:cNvPr id="10" name="TextBox 9">
             <a:extLst>
               <a:ext uri="{FF2B5EF4-FFF2-40B4-BE49-F238E27FC236}">
-                <a16:creationId xmlns:a16="http://schemas.microsoft.com/office/drawing/2014/main" id="{C19037F6-2C03-8BDB-1543-3B1C15A6F46C}"/>
+                <a16:creationId xmlns:a16="http://schemas.microsoft.com/office/drawing/2014/main" id="{B678D4D0-37BE-911D-F50A-D0E3C23948DD}"/>
               </a:ext>
             </a:extLst>
           </p:cNvPr>
@@ -4585,8 +4530,8 @@
         </p:nvSpPr>
         <p:spPr>
           <a:xfrm>
-            <a:off x="8827825" y="288785"/>
-            <a:ext cx="3118161" cy="1015663"/>
+            <a:off x="6905832" y="144544"/>
+            <a:ext cx="4485523" cy="1446550"/>
           </a:xfrm>
           <a:prstGeom prst="rect">
             <a:avLst/>
@@ -4600,17 +4545,23 @@
           <a:lstStyle/>
           <a:p>
             <a:r>
-              <a:rPr lang="en-US" sz="6000" b="1" dirty="0">
-                <a:solidFill>
-                  <a:srgbClr val="92D050"/>
+              <a:rPr lang="en-US" sz="8800" b="1" dirty="0">
+                <a:solidFill>
+                  <a:schemeClr val="tx1">
+                    <a:lumMod val="95000"/>
+                    <a:lumOff val="5000"/>
+                  </a:schemeClr>
                 </a:solidFill>
                 <a:latin typeface="Bahnschrift SemiBold SemiConden" panose="020B0502040204020203" pitchFamily="34" charset="0"/>
               </a:rPr>
               <a:t>Chapter 4</a:t>
             </a:r>
-            <a:endParaRPr lang="en-IN" sz="6000" dirty="0">
+            <a:endParaRPr lang="en-IN" sz="8800" dirty="0">
               <a:solidFill>
-                <a:srgbClr val="92D050"/>
+                <a:schemeClr val="tx1">
+                  <a:lumMod val="95000"/>
+                  <a:lumOff val="5000"/>
+                </a:schemeClr>
               </a:solidFill>
             </a:endParaRPr>
           </a:p>
@@ -4621,7 +4572,7 @@
           <p:cNvPr id="4" name="TextBox 3">
             <a:extLst>
               <a:ext uri="{FF2B5EF4-FFF2-40B4-BE49-F238E27FC236}">
-                <a16:creationId xmlns:a16="http://schemas.microsoft.com/office/drawing/2014/main" id="{BE99698D-4C61-A161-A021-FD62B95097E0}"/>
+                <a16:creationId xmlns:a16="http://schemas.microsoft.com/office/drawing/2014/main" id="{9EE8063A-7E1C-3F0A-796D-21BE9720F800}"/>
               </a:ext>
             </a:extLst>
           </p:cNvPr>
@@ -4630,8 +4581,8 @@
         </p:nvSpPr>
         <p:spPr>
           <a:xfrm>
-            <a:off x="290647" y="1867421"/>
-            <a:ext cx="11610706" cy="3539430"/>
+            <a:off x="290647" y="3167389"/>
+            <a:ext cx="11610706" cy="3170099"/>
           </a:xfrm>
           <a:prstGeom prst="rect">
             <a:avLst/>
@@ -4644,91 +4595,38 @@
           </a:bodyPr>
           <a:lstStyle/>
           <a:p>
-            <a:pPr algn="ctr"/>
-            <a:r>
-              <a:rPr lang="en-US" sz="7200" b="1" dirty="0">
-                <a:solidFill>
-                  <a:schemeClr val="accent1"/>
-                </a:solidFill>
-                <a:latin typeface="Bahnschrift SemiBold SemiConden" panose="020B0502040204020203" pitchFamily="34" charset="0"/>
-              </a:rPr>
-              <a:t>Types</a:t>
+            <a:pPr algn="ctr">
+              <a:lnSpc>
+                <a:spcPts val="12000"/>
+              </a:lnSpc>
+            </a:pPr>
+            <a:r>
+              <a:rPr lang="en-US" sz="8000" b="1" dirty="0">
+                <a:latin typeface="Bahnschrift SemiCondensed" panose="020B0502040204020203" pitchFamily="34" charset="0"/>
+              </a:rPr>
+              <a:t>Annotate</a:t>
             </a:r>
             <a:br>
-              <a:rPr lang="en-US" sz="3600" dirty="0">
-                <a:latin typeface="Bahnschrift SemiBold SemiConden" panose="020B0502040204020203" pitchFamily="34" charset="0"/>
+              <a:rPr lang="en-US" sz="15000" b="1" dirty="0">
+                <a:solidFill>
+                  <a:srgbClr val="00B050"/>
+                </a:solidFill>
+                <a:latin typeface="Arial Rounded MT Bold" panose="020F0704030504030204" pitchFamily="34" charset="0"/>
               </a:rPr>
             </a:br>
             <a:r>
-              <a:rPr lang="en-US" sz="8000" dirty="0">
-                <a:latin typeface="Bahnschrift SemiBold SemiConden" panose="020B0502040204020203" pitchFamily="34" charset="0"/>
-              </a:rPr>
-              <a:t>Annotations with Variables</a:t>
-            </a:r>
-            <a:br>
-              <a:rPr lang="en-US" sz="7200" dirty="0">
-                <a:latin typeface="Bahnschrift SemiBold SemiConden" panose="020B0502040204020203" pitchFamily="34" charset="0"/>
-              </a:rPr>
-            </a:br>
-            <a:r>
-              <a:rPr lang="en-US" sz="7200" dirty="0">
-                <a:solidFill>
-                  <a:srgbClr val="0037DA"/>
-                </a:solidFill>
-                <a:latin typeface="Bahnschrift SemiBold SemiConden" panose="020B0502040204020203" pitchFamily="34" charset="0"/>
-              </a:rPr>
-              <a:t>let</a:t>
-            </a:r>
-            <a:r>
-              <a:rPr lang="en-US" sz="7200" dirty="0">
-                <a:latin typeface="Bahnschrift SemiBold SemiConden" panose="020B0502040204020203" pitchFamily="34" charset="0"/>
-              </a:rPr>
-              <a:t> </a:t>
-            </a:r>
-            <a:r>
-              <a:rPr lang="en-US" sz="7200" dirty="0" err="1">
-                <a:latin typeface="Bahnschrift SemiBold SemiConden" panose="020B0502040204020203" pitchFamily="34" charset="0"/>
-              </a:rPr>
-              <a:t>myVar</a:t>
-            </a:r>
-            <a:r>
-              <a:rPr lang="en-US" sz="7200" dirty="0">
-                <a:latin typeface="Bahnschrift SemiBold SemiConden" panose="020B0502040204020203" pitchFamily="34" charset="0"/>
-              </a:rPr>
-              <a:t>: </a:t>
-            </a:r>
-            <a:r>
-              <a:rPr lang="en-US" sz="7200" dirty="0">
-                <a:solidFill>
-                  <a:schemeClr val="accent2">
-                    <a:lumMod val="60000"/>
-                    <a:lumOff val="40000"/>
-                  </a:schemeClr>
-                </a:solidFill>
-                <a:latin typeface="Bahnschrift SemiBold SemiConden" panose="020B0502040204020203" pitchFamily="34" charset="0"/>
-              </a:rPr>
-              <a:t>number</a:t>
-            </a:r>
-            <a:r>
-              <a:rPr lang="en-US" sz="7200" dirty="0">
-                <a:latin typeface="Bahnschrift SemiBold SemiConden" panose="020B0502040204020203" pitchFamily="34" charset="0"/>
-              </a:rPr>
-              <a:t> = </a:t>
-            </a:r>
-            <a:r>
-              <a:rPr lang="en-US" sz="7200" dirty="0">
-                <a:solidFill>
-                  <a:srgbClr val="FFC000"/>
-                </a:solidFill>
-                <a:latin typeface="Bahnschrift SemiBold SemiConden" panose="020B0502040204020203" pitchFamily="34" charset="0"/>
-              </a:rPr>
-              <a:t>10</a:t>
-            </a:r>
-            <a:endParaRPr lang="en-US" sz="7200" dirty="0">
-              <a:solidFill>
-                <a:srgbClr val="FFC000"/>
-              </a:solidFill>
-              <a:latin typeface="Aptos Narrow" panose="020B0004020202020204" pitchFamily="34" charset="0"/>
+              <a:rPr lang="en-US" sz="12000" b="1" dirty="0">
+                <a:solidFill>
+                  <a:srgbClr val="00B050"/>
+                </a:solidFill>
+                <a:latin typeface="Arial Rounded MT Bold" panose="020F0704030504030204" pitchFamily="34" charset="0"/>
+              </a:rPr>
+              <a:t>primitive data</a:t>
+            </a:r>
+            <a:endParaRPr lang="en-US" sz="12000" dirty="0">
+              <a:latin typeface="Cascadia Code SemiBold" panose="020B0609020000020004" pitchFamily="49" charset="0"/>
+              <a:ea typeface="Cascadia Code SemiBold" panose="020B0609020000020004" pitchFamily="49" charset="0"/>
+              <a:cs typeface="Cascadia Code SemiBold" panose="020B0609020000020004" pitchFamily="49" charset="0"/>
             </a:endParaRPr>
           </a:p>
         </p:txBody>
@@ -4736,7 +4634,7 @@
     </p:spTree>
     <p:extLst>
       <p:ext uri="{BB962C8B-B14F-4D97-AF65-F5344CB8AC3E}">
-        <p14:creationId xmlns:p14="http://schemas.microsoft.com/office/powerpoint/2010/main" val="3289571504"/>
+        <p14:creationId xmlns:p14="http://schemas.microsoft.com/office/powerpoint/2010/main" val="1839615320"/>
       </p:ext>
     </p:extLst>
   </p:cSld>
@@ -4749,20 +4647,12 @@
 <file path=ppt/slides/slide14.xml><?xml version="1.0" encoding="utf-8"?>
 <p:sld xmlns:a="http://schemas.openxmlformats.org/drawingml/2006/main" xmlns:r="http://schemas.openxmlformats.org/officeDocument/2006/relationships" xmlns:p="http://schemas.openxmlformats.org/presentationml/2006/main">
   <p:cSld>
-    <p:bg>
-      <p:bgPr>
-        <a:solidFill>
-          <a:schemeClr val="bg1"/>
-        </a:solidFill>
-        <a:effectLst/>
-      </p:bgPr>
-    </p:bg>
     <p:spTree>
       <p:nvGrpSpPr>
         <p:cNvPr id="1" name="">
           <a:extLst>
             <a:ext uri="{FF2B5EF4-FFF2-40B4-BE49-F238E27FC236}">
-              <a16:creationId xmlns:a16="http://schemas.microsoft.com/office/drawing/2014/main" id="{757F752C-D190-8EBF-8D4A-527177DDB8D4}"/>
+              <a16:creationId xmlns:a16="http://schemas.microsoft.com/office/drawing/2014/main" id="{73F61417-FF48-BD36-0317-7DD4DF1CDEFA}"/>
             </a:ext>
           </a:extLst>
         </p:cNvPr>
@@ -4782,7 +4672,7 @@
           <p:cNvPr id="2" name="Title 1">
             <a:extLst>
               <a:ext uri="{FF2B5EF4-FFF2-40B4-BE49-F238E27FC236}">
-                <a16:creationId xmlns:a16="http://schemas.microsoft.com/office/drawing/2014/main" id="{2E3AB310-BCAC-6615-9612-01A2411A47E0}"/>
+                <a16:creationId xmlns:a16="http://schemas.microsoft.com/office/drawing/2014/main" id="{E8A27054-030D-86F1-4F81-ACF29A5D01B9}"/>
               </a:ext>
             </a:extLst>
           </p:cNvPr>
@@ -4827,7 +4717,7 @@
           <p:cNvPr id="1026" name="Picture 2" descr="Typescript - Free logo icons">
             <a:extLst>
               <a:ext uri="{FF2B5EF4-FFF2-40B4-BE49-F238E27FC236}">
-                <a16:creationId xmlns:a16="http://schemas.microsoft.com/office/drawing/2014/main" id="{D28C421F-665D-606A-11B1-D2D71A7B471B}"/>
+                <a16:creationId xmlns:a16="http://schemas.microsoft.com/office/drawing/2014/main" id="{BF1CA1B7-624B-B4BF-82BF-86877781D7C5}"/>
               </a:ext>
             </a:extLst>
           </p:cNvPr>
@@ -4851,8 +4741,8 @@
         </p:blipFill>
         <p:spPr bwMode="auto">
           <a:xfrm>
-            <a:off x="246014" y="268224"/>
-            <a:ext cx="767777" cy="767777"/>
+            <a:off x="379672" y="867819"/>
+            <a:ext cx="2441331" cy="2441331"/>
           </a:xfrm>
           <a:prstGeom prst="rect">
             <a:avLst/>
@@ -4874,7 +4764,7 @@
           <p:cNvPr id="3" name="TextBox 2">
             <a:extLst>
               <a:ext uri="{FF2B5EF4-FFF2-40B4-BE49-F238E27FC236}">
-                <a16:creationId xmlns:a16="http://schemas.microsoft.com/office/drawing/2014/main" id="{05E0D0D0-6114-CAD6-27A4-F0AAD070CCB2}"/>
+                <a16:creationId xmlns:a16="http://schemas.microsoft.com/office/drawing/2014/main" id="{E7C228DD-D519-7981-3247-F0C59580696C}"/>
               </a:ext>
             </a:extLst>
           </p:cNvPr>
@@ -4883,8 +4773,8 @@
         </p:nvSpPr>
         <p:spPr>
           <a:xfrm>
-            <a:off x="1013791" y="482602"/>
-            <a:ext cx="4993184" cy="646331"/>
+            <a:off x="3202516" y="1985711"/>
+            <a:ext cx="6760941" cy="1323439"/>
           </a:xfrm>
           <a:prstGeom prst="rect">
             <a:avLst/>
@@ -4898,7 +4788,7 @@
           <a:lstStyle/>
           <a:p>
             <a:r>
-              <a:rPr lang="en-US" sz="3600" dirty="0">
+              <a:rPr lang="en-US" sz="8000" dirty="0">
                 <a:solidFill>
                   <a:srgbClr val="0037DA"/>
                 </a:solidFill>
@@ -4906,7 +4796,7 @@
               </a:rPr>
               <a:t>TypeScript</a:t>
             </a:r>
-            <a:endParaRPr lang="en-IN" sz="3600" b="1" dirty="0">
+            <a:endParaRPr lang="en-IN" sz="8000" b="1" dirty="0">
               <a:latin typeface="Bahnschrift SemiBold SemiConden" panose="020B0502040204020203" pitchFamily="34" charset="0"/>
             </a:endParaRPr>
           </a:p>
@@ -4917,7 +4807,7 @@
           <p:cNvPr id="10" name="TextBox 9">
             <a:extLst>
               <a:ext uri="{FF2B5EF4-FFF2-40B4-BE49-F238E27FC236}">
-                <a16:creationId xmlns:a16="http://schemas.microsoft.com/office/drawing/2014/main" id="{9DE45C9C-0544-98F5-FE68-92A4192A9029}"/>
+                <a16:creationId xmlns:a16="http://schemas.microsoft.com/office/drawing/2014/main" id="{A538DB93-FAF8-A801-A528-C2905EB4A8E9}"/>
               </a:ext>
             </a:extLst>
           </p:cNvPr>
@@ -4926,8 +4816,8 @@
         </p:nvSpPr>
         <p:spPr>
           <a:xfrm>
-            <a:off x="8827825" y="288785"/>
-            <a:ext cx="3118161" cy="1015663"/>
+            <a:off x="6905832" y="144544"/>
+            <a:ext cx="4429418" cy="1446550"/>
           </a:xfrm>
           <a:prstGeom prst="rect">
             <a:avLst/>
@@ -4941,7 +4831,7 @@
           <a:lstStyle/>
           <a:p>
             <a:r>
-              <a:rPr lang="en-US" sz="6000" b="1" dirty="0">
+              <a:rPr lang="en-US" sz="8800" b="1" dirty="0">
                 <a:solidFill>
                   <a:schemeClr val="tx1">
                     <a:lumMod val="95000"/>
@@ -4952,7 +4842,7 @@
               </a:rPr>
               <a:t>Chapter 5</a:t>
             </a:r>
-            <a:endParaRPr lang="en-IN" sz="6000" dirty="0">
+            <a:endParaRPr lang="en-IN" sz="8800" dirty="0">
               <a:solidFill>
                 <a:schemeClr val="tx1">
                   <a:lumMod val="95000"/>
@@ -4968,7 +4858,7 @@
           <p:cNvPr id="4" name="TextBox 3">
             <a:extLst>
               <a:ext uri="{FF2B5EF4-FFF2-40B4-BE49-F238E27FC236}">
-                <a16:creationId xmlns:a16="http://schemas.microsoft.com/office/drawing/2014/main" id="{258416B6-1A7F-F26D-7DE7-A2D62C2E0C6A}"/>
+                <a16:creationId xmlns:a16="http://schemas.microsoft.com/office/drawing/2014/main" id="{CE79390C-7914-8C3F-2A33-17FCF6C78A0C}"/>
               </a:ext>
             </a:extLst>
           </p:cNvPr>
@@ -4977,8 +4867,8 @@
         </p:nvSpPr>
         <p:spPr>
           <a:xfrm>
-            <a:off x="201622" y="2955776"/>
-            <a:ext cx="11610706" cy="2062103"/>
+            <a:off x="290647" y="3167389"/>
+            <a:ext cx="11610706" cy="3242041"/>
           </a:xfrm>
           <a:prstGeom prst="rect">
             <a:avLst/>
@@ -4991,153 +4881,219 @@
           </a:bodyPr>
           <a:lstStyle/>
           <a:p>
-            <a:pPr algn="ctr"/>
+            <a:pPr algn="ctr">
+              <a:lnSpc>
+                <a:spcPts val="12000"/>
+              </a:lnSpc>
+            </a:pPr>
+            <a:r>
+              <a:rPr lang="en-US" sz="8000" b="1" dirty="0">
+                <a:latin typeface="Bahnschrift SemiCondensed" panose="020B0502040204020203" pitchFamily="34" charset="0"/>
+              </a:rPr>
+              <a:t>Annotate</a:t>
+            </a:r>
+            <a:br>
+              <a:rPr lang="en-US" sz="15000" b="1" dirty="0">
+                <a:solidFill>
+                  <a:srgbClr val="00B050"/>
+                </a:solidFill>
+                <a:latin typeface="Arial Rounded MT Bold" panose="020F0704030504030204" pitchFamily="34" charset="0"/>
+              </a:rPr>
+            </a:br>
+            <a:r>
+              <a:rPr lang="en-US" sz="15000" b="1" dirty="0">
+                <a:solidFill>
+                  <a:srgbClr val="00B050"/>
+                </a:solidFill>
+                <a:latin typeface="Arial Rounded MT Bold" panose="020F0704030504030204" pitchFamily="34" charset="0"/>
+              </a:rPr>
+              <a:t>object</a:t>
+            </a:r>
+            <a:endParaRPr lang="en-US" sz="15000" dirty="0">
+              <a:latin typeface="Cascadia Code SemiBold" panose="020B0609020000020004" pitchFamily="49" charset="0"/>
+              <a:ea typeface="Cascadia Code SemiBold" panose="020B0609020000020004" pitchFamily="49" charset="0"/>
+              <a:cs typeface="Cascadia Code SemiBold" panose="020B0609020000020004" pitchFamily="49" charset="0"/>
+            </a:endParaRPr>
+          </a:p>
+        </p:txBody>
+      </p:sp>
+    </p:spTree>
+    <p:extLst>
+      <p:ext uri="{BB962C8B-B14F-4D97-AF65-F5344CB8AC3E}">
+        <p14:creationId xmlns:p14="http://schemas.microsoft.com/office/powerpoint/2010/main" val="634177429"/>
+      </p:ext>
+    </p:extLst>
+  </p:cSld>
+  <p:clrMapOvr>
+    <a:masterClrMapping/>
+  </p:clrMapOvr>
+</p:sld>
+</file>
+
+<file path=ppt/slides/slide15.xml><?xml version="1.0" encoding="utf-8"?>
+<p:sld xmlns:a="http://schemas.openxmlformats.org/drawingml/2006/main" xmlns:r="http://schemas.openxmlformats.org/officeDocument/2006/relationships" xmlns:p="http://schemas.openxmlformats.org/presentationml/2006/main">
+  <p:cSld>
+    <p:spTree>
+      <p:nvGrpSpPr>
+        <p:cNvPr id="1" name="">
+          <a:extLst>
+            <a:ext uri="{FF2B5EF4-FFF2-40B4-BE49-F238E27FC236}">
+              <a16:creationId xmlns:a16="http://schemas.microsoft.com/office/drawing/2014/main" id="{8E5F3FF2-C4C7-35D3-972C-278DAC0238CC}"/>
+            </a:ext>
+          </a:extLst>
+        </p:cNvPr>
+        <p:cNvGrpSpPr/>
+        <p:nvPr/>
+      </p:nvGrpSpPr>
+      <p:grpSpPr>
+        <a:xfrm>
+          <a:off x="0" y="0"/>
+          <a:ext cx="0" cy="0"/>
+          <a:chOff x="0" y="0"/>
+          <a:chExt cx="0" cy="0"/>
+        </a:xfrm>
+      </p:grpSpPr>
+      <p:sp>
+        <p:nvSpPr>
+          <p:cNvPr id="2" name="Title 1">
+            <a:extLst>
+              <a:ext uri="{FF2B5EF4-FFF2-40B4-BE49-F238E27FC236}">
+                <a16:creationId xmlns:a16="http://schemas.microsoft.com/office/drawing/2014/main" id="{8AA76E2C-BA8F-D3AB-673F-93E239AB4C95}"/>
+              </a:ext>
+            </a:extLst>
+          </p:cNvPr>
+          <p:cNvSpPr>
+            <a:spLocks noGrp="1"/>
+          </p:cNvSpPr>
+          <p:nvPr>
+            <p:ph type="ctrTitle"/>
+          </p:nvPr>
+        </p:nvSpPr>
+        <p:spPr>
+          <a:xfrm>
+            <a:off x="0" y="-519142"/>
+            <a:ext cx="3720548" cy="438771"/>
+          </a:xfrm>
+        </p:spPr>
+        <p:txBody>
+          <a:bodyPr>
+            <a:normAutofit/>
+          </a:bodyPr>
+          <a:lstStyle/>
+          <a:p>
+            <a:pPr algn="l"/>
+            <a:r>
+              <a:rPr lang="en-US" sz="2400" dirty="0">
+                <a:solidFill>
+                  <a:schemeClr val="bg1"/>
+                </a:solidFill>
+              </a:rPr>
+              <a:t>Types – chapter 6</a:t>
+            </a:r>
+            <a:endParaRPr lang="en-IN" sz="2400" dirty="0">
+              <a:solidFill>
+                <a:schemeClr val="bg1"/>
+              </a:solidFill>
+            </a:endParaRPr>
+          </a:p>
+        </p:txBody>
+      </p:sp>
+      <p:pic>
+        <p:nvPicPr>
+          <p:cNvPr id="1026" name="Picture 2" descr="Typescript - Free logo icons">
+            <a:extLst>
+              <a:ext uri="{FF2B5EF4-FFF2-40B4-BE49-F238E27FC236}">
+                <a16:creationId xmlns:a16="http://schemas.microsoft.com/office/drawing/2014/main" id="{926BB54C-7516-A36D-9452-E9621B405CBC}"/>
+              </a:ext>
+            </a:extLst>
+          </p:cNvPr>
+          <p:cNvPicPr>
+            <a:picLocks noChangeAspect="1" noChangeArrowheads="1"/>
+          </p:cNvPicPr>
+          <p:nvPr/>
+        </p:nvPicPr>
+        <p:blipFill>
+          <a:blip r:embed="rId2">
+            <a:extLst>
+              <a:ext uri="{28A0092B-C50C-407E-A947-70E740481C1C}">
+                <a14:useLocalDpi xmlns:a14="http://schemas.microsoft.com/office/drawing/2010/main" val="0"/>
+              </a:ext>
+            </a:extLst>
+          </a:blip>
+          <a:srcRect/>
+          <a:stretch>
+            <a:fillRect/>
+          </a:stretch>
+        </p:blipFill>
+        <p:spPr bwMode="auto">
+          <a:xfrm>
+            <a:off x="379672" y="867819"/>
+            <a:ext cx="2441331" cy="2441331"/>
+          </a:xfrm>
+          <a:prstGeom prst="rect">
+            <a:avLst/>
+          </a:prstGeom>
+          <a:noFill/>
+          <a:extLst>
+            <a:ext uri="{909E8E84-426E-40DD-AFC4-6F175D3DCCD1}">
+              <a14:hiddenFill xmlns:a14="http://schemas.microsoft.com/office/drawing/2010/main">
+                <a:solidFill>
+                  <a:srgbClr val="FFFFFF"/>
+                </a:solidFill>
+              </a14:hiddenFill>
+            </a:ext>
+          </a:extLst>
+        </p:spPr>
+      </p:pic>
+      <p:sp>
+        <p:nvSpPr>
+          <p:cNvPr id="3" name="TextBox 2">
+            <a:extLst>
+              <a:ext uri="{FF2B5EF4-FFF2-40B4-BE49-F238E27FC236}">
+                <a16:creationId xmlns:a16="http://schemas.microsoft.com/office/drawing/2014/main" id="{39F0AE13-B58B-EB88-E197-7229DD38D2D2}"/>
+              </a:ext>
+            </a:extLst>
+          </p:cNvPr>
+          <p:cNvSpPr txBox="1"/>
+          <p:nvPr/>
+        </p:nvSpPr>
+        <p:spPr>
+          <a:xfrm>
+            <a:off x="3202516" y="1985711"/>
+            <a:ext cx="6760941" cy="1323439"/>
+          </a:xfrm>
+          <a:prstGeom prst="rect">
+            <a:avLst/>
+          </a:prstGeom>
+          <a:noFill/>
+        </p:spPr>
+        <p:txBody>
+          <a:bodyPr wrap="square" rtlCol="0">
+            <a:spAutoFit/>
+          </a:bodyPr>
+          <a:lstStyle/>
+          <a:p>
             <a:r>
               <a:rPr lang="en-US" sz="8000" dirty="0">
-                <a:latin typeface="Bahnschrift SemiBold SemiConden" panose="020B0502040204020203" pitchFamily="34" charset="0"/>
-              </a:rPr>
-              <a:t>Annotations with </a:t>
-            </a:r>
-            <a:r>
-              <a:rPr lang="en-US" sz="8000" b="1" dirty="0">
-                <a:solidFill>
-                  <a:srgbClr val="00B050"/>
-                </a:solidFill>
-                <a:latin typeface="Arial Rounded MT Bold" panose="020F0704030504030204" pitchFamily="34" charset="0"/>
-              </a:rPr>
-              <a:t>Objects</a:t>
-            </a:r>
-            <a:br>
-              <a:rPr lang="en-US" sz="7200" dirty="0">
-                <a:latin typeface="Bahnschrift SemiBold SemiConden" panose="020B0502040204020203" pitchFamily="34" charset="0"/>
-              </a:rPr>
-            </a:br>
-            <a:r>
-              <a:rPr lang="en-US" sz="4800" dirty="0">
                 <a:solidFill>
                   <a:srgbClr val="0037DA"/>
                 </a:solidFill>
-                <a:latin typeface="Cascadia Code SemiBold" panose="020B0609020000020004" pitchFamily="49" charset="0"/>
-                <a:ea typeface="Cascadia Code SemiBold" panose="020B0609020000020004" pitchFamily="49" charset="0"/>
-                <a:cs typeface="Cascadia Code SemiBold" panose="020B0609020000020004" pitchFamily="49" charset="0"/>
-              </a:rPr>
-              <a:t>let</a:t>
-            </a:r>
-            <a:r>
-              <a:rPr lang="en-US" sz="4800" dirty="0">
-                <a:latin typeface="Cascadia Code SemiBold" panose="020B0609020000020004" pitchFamily="49" charset="0"/>
-                <a:ea typeface="Cascadia Code SemiBold" panose="020B0609020000020004" pitchFamily="49" charset="0"/>
-                <a:cs typeface="Cascadia Code SemiBold" panose="020B0609020000020004" pitchFamily="49" charset="0"/>
-              </a:rPr>
-              <a:t> </a:t>
-            </a:r>
-            <a:r>
-              <a:rPr lang="en-US" sz="4800" dirty="0" err="1">
-                <a:latin typeface="Cascadia Code SemiBold" panose="020B0609020000020004" pitchFamily="49" charset="0"/>
-                <a:ea typeface="Cascadia Code SemiBold" panose="020B0609020000020004" pitchFamily="49" charset="0"/>
-                <a:cs typeface="Cascadia Code SemiBold" panose="020B0609020000020004" pitchFamily="49" charset="0"/>
-              </a:rPr>
-              <a:t>myObj</a:t>
-            </a:r>
-            <a:r>
-              <a:rPr lang="en-US" sz="4800" dirty="0">
-                <a:latin typeface="Cascadia Code SemiBold" panose="020B0609020000020004" pitchFamily="49" charset="0"/>
-                <a:ea typeface="Cascadia Code SemiBold" panose="020B0609020000020004" pitchFamily="49" charset="0"/>
-                <a:cs typeface="Cascadia Code SemiBold" panose="020B0609020000020004" pitchFamily="49" charset="0"/>
-              </a:rPr>
-              <a:t>:{</a:t>
-            </a:r>
-            <a:r>
-              <a:rPr lang="en-US" sz="4800" dirty="0" err="1">
-                <a:solidFill>
-                  <a:srgbClr val="0070C0"/>
-                </a:solidFill>
-                <a:latin typeface="Cascadia Code SemiBold" panose="020B0609020000020004" pitchFamily="49" charset="0"/>
-                <a:ea typeface="Cascadia Code SemiBold" panose="020B0609020000020004" pitchFamily="49" charset="0"/>
-                <a:cs typeface="Cascadia Code SemiBold" panose="020B0609020000020004" pitchFamily="49" charset="0"/>
-              </a:rPr>
-              <a:t>x</a:t>
-            </a:r>
-            <a:r>
-              <a:rPr lang="en-US" sz="4800" dirty="0" err="1">
-                <a:latin typeface="Cascadia Code SemiBold" panose="020B0609020000020004" pitchFamily="49" charset="0"/>
-                <a:ea typeface="Cascadia Code SemiBold" panose="020B0609020000020004" pitchFamily="49" charset="0"/>
-                <a:cs typeface="Cascadia Code SemiBold" panose="020B0609020000020004" pitchFamily="49" charset="0"/>
-              </a:rPr>
-              <a:t>:</a:t>
-            </a:r>
-            <a:r>
-              <a:rPr lang="en-US" sz="4800" dirty="0" err="1">
-                <a:solidFill>
-                  <a:schemeClr val="accent2">
-                    <a:lumMod val="60000"/>
-                    <a:lumOff val="40000"/>
-                  </a:schemeClr>
-                </a:solidFill>
-                <a:latin typeface="Cascadia Code SemiBold" panose="020B0609020000020004" pitchFamily="49" charset="0"/>
-                <a:ea typeface="Cascadia Code SemiBold" panose="020B0609020000020004" pitchFamily="49" charset="0"/>
-                <a:cs typeface="Cascadia Code SemiBold" panose="020B0609020000020004" pitchFamily="49" charset="0"/>
-              </a:rPr>
-              <a:t>number</a:t>
-            </a:r>
-            <a:r>
-              <a:rPr lang="en-US" sz="4800" dirty="0" err="1">
-                <a:latin typeface="Cascadia Code SemiBold" panose="020B0609020000020004" pitchFamily="49" charset="0"/>
-                <a:ea typeface="Cascadia Code SemiBold" panose="020B0609020000020004" pitchFamily="49" charset="0"/>
-                <a:cs typeface="Cascadia Code SemiBold" panose="020B0609020000020004" pitchFamily="49" charset="0"/>
-              </a:rPr>
-              <a:t>;</a:t>
-            </a:r>
-            <a:r>
-              <a:rPr lang="en-US" sz="4800" dirty="0" err="1">
-                <a:solidFill>
-                  <a:srgbClr val="0070C0"/>
-                </a:solidFill>
-                <a:latin typeface="Cascadia Code SemiBold" panose="020B0609020000020004" pitchFamily="49" charset="0"/>
-                <a:ea typeface="Cascadia Code SemiBold" panose="020B0609020000020004" pitchFamily="49" charset="0"/>
-                <a:cs typeface="Cascadia Code SemiBold" panose="020B0609020000020004" pitchFamily="49" charset="0"/>
-              </a:rPr>
-              <a:t>y</a:t>
-            </a:r>
-            <a:r>
-              <a:rPr lang="en-US" sz="4800" dirty="0" err="1">
-                <a:latin typeface="Cascadia Code SemiBold" panose="020B0609020000020004" pitchFamily="49" charset="0"/>
-                <a:ea typeface="Cascadia Code SemiBold" panose="020B0609020000020004" pitchFamily="49" charset="0"/>
-                <a:cs typeface="Cascadia Code SemiBold" panose="020B0609020000020004" pitchFamily="49" charset="0"/>
-              </a:rPr>
-              <a:t>:</a:t>
-            </a:r>
-            <a:r>
-              <a:rPr lang="en-US" sz="4800" dirty="0" err="1">
-                <a:solidFill>
-                  <a:schemeClr val="accent2">
-                    <a:lumMod val="60000"/>
-                    <a:lumOff val="40000"/>
-                  </a:schemeClr>
-                </a:solidFill>
-                <a:latin typeface="Cascadia Code SemiBold" panose="020B0609020000020004" pitchFamily="49" charset="0"/>
-                <a:ea typeface="Cascadia Code SemiBold" panose="020B0609020000020004" pitchFamily="49" charset="0"/>
-                <a:cs typeface="Cascadia Code SemiBold" panose="020B0609020000020004" pitchFamily="49" charset="0"/>
-              </a:rPr>
-              <a:t>number</a:t>
-            </a:r>
-            <a:r>
-              <a:rPr lang="en-US" sz="4800" dirty="0">
-                <a:latin typeface="Cascadia Code SemiBold" panose="020B0609020000020004" pitchFamily="49" charset="0"/>
-                <a:ea typeface="Cascadia Code SemiBold" panose="020B0609020000020004" pitchFamily="49" charset="0"/>
-                <a:cs typeface="Cascadia Code SemiBold" panose="020B0609020000020004" pitchFamily="49" charset="0"/>
-              </a:rPr>
-              <a:t>}</a:t>
-            </a:r>
-          </a:p>
-        </p:txBody>
-      </p:sp>
-      <p:sp>
-        <p:nvSpPr>
-          <p:cNvPr id="5" name="TextBox 4">
-            <a:extLst>
-              <a:ext uri="{FF2B5EF4-FFF2-40B4-BE49-F238E27FC236}">
-                <a16:creationId xmlns:a16="http://schemas.microsoft.com/office/drawing/2014/main" id="{3BAC96ED-0220-68B1-ECB7-4945EA8D4E1D}"/>
+                <a:latin typeface="Segoe UI Variable Text Semibold" pitchFamily="2" charset="0"/>
+              </a:rPr>
+              <a:t>TypeScript</a:t>
+            </a:r>
+            <a:endParaRPr lang="en-IN" sz="8000" b="1" dirty="0">
+              <a:latin typeface="Bahnschrift SemiBold SemiConden" panose="020B0502040204020203" pitchFamily="34" charset="0"/>
+            </a:endParaRPr>
+          </a:p>
+        </p:txBody>
+      </p:sp>
+      <p:sp>
+        <p:nvSpPr>
+          <p:cNvPr id="10" name="TextBox 9">
+            <a:extLst>
+              <a:ext uri="{FF2B5EF4-FFF2-40B4-BE49-F238E27FC236}">
+                <a16:creationId xmlns:a16="http://schemas.microsoft.com/office/drawing/2014/main" id="{09A61822-54EE-1D71-81EE-8828213CEB39}"/>
               </a:ext>
             </a:extLst>
           </p:cNvPr>
@@ -5146,8 +5102,8 @@
         </p:nvSpPr>
         <p:spPr>
           <a:xfrm>
-            <a:off x="4779774" y="1509226"/>
-            <a:ext cx="2154757" cy="1446550"/>
+            <a:off x="6905832" y="144544"/>
+            <a:ext cx="4429418" cy="1446550"/>
           </a:xfrm>
           <a:prstGeom prst="rect">
             <a:avLst/>
@@ -5163,20 +5119,694 @@
             <a:r>
               <a:rPr lang="en-US" sz="8800" b="1" dirty="0">
                 <a:solidFill>
-                  <a:schemeClr val="accent1"/>
+                  <a:schemeClr val="tx1">
+                    <a:lumMod val="95000"/>
+                    <a:lumOff val="5000"/>
+                  </a:schemeClr>
                 </a:solidFill>
                 <a:latin typeface="Bahnschrift SemiBold SemiConden" panose="020B0502040204020203" pitchFamily="34" charset="0"/>
               </a:rPr>
-              <a:t>Type</a:t>
-            </a:r>
-            <a:endParaRPr lang="en-IN" sz="8800" dirty="0"/>
+              <a:t>Chapter 6</a:t>
+            </a:r>
+            <a:endParaRPr lang="en-IN" sz="8800" dirty="0">
+              <a:solidFill>
+                <a:schemeClr val="tx1">
+                  <a:lumMod val="95000"/>
+                  <a:lumOff val="5000"/>
+                </a:schemeClr>
+              </a:solidFill>
+            </a:endParaRPr>
+          </a:p>
+        </p:txBody>
+      </p:sp>
+      <p:sp>
+        <p:nvSpPr>
+          <p:cNvPr id="4" name="TextBox 3">
+            <a:extLst>
+              <a:ext uri="{FF2B5EF4-FFF2-40B4-BE49-F238E27FC236}">
+                <a16:creationId xmlns:a16="http://schemas.microsoft.com/office/drawing/2014/main" id="{C5B18A00-AE66-FE66-D8C7-FBCD3F5B2BD8}"/>
+              </a:ext>
+            </a:extLst>
+          </p:cNvPr>
+          <p:cNvSpPr txBox="1"/>
+          <p:nvPr/>
+        </p:nvSpPr>
+        <p:spPr>
+          <a:xfrm>
+            <a:off x="290647" y="3167389"/>
+            <a:ext cx="11610706" cy="3242041"/>
+          </a:xfrm>
+          <a:prstGeom prst="rect">
+            <a:avLst/>
+          </a:prstGeom>
+          <a:noFill/>
+        </p:spPr>
+        <p:txBody>
+          <a:bodyPr wrap="square" rtlCol="0">
+            <a:spAutoFit/>
+          </a:bodyPr>
+          <a:lstStyle/>
+          <a:p>
+            <a:pPr algn="ctr">
+              <a:lnSpc>
+                <a:spcPts val="12000"/>
+              </a:lnSpc>
+            </a:pPr>
+            <a:r>
+              <a:rPr lang="en-US" sz="8000" b="1" dirty="0">
+                <a:latin typeface="Bahnschrift SemiCondensed" panose="020B0502040204020203" pitchFamily="34" charset="0"/>
+              </a:rPr>
+              <a:t>Annotate</a:t>
+            </a:r>
+            <a:br>
+              <a:rPr lang="en-US" sz="15000" b="1" dirty="0">
+                <a:solidFill>
+                  <a:srgbClr val="00B050"/>
+                </a:solidFill>
+                <a:latin typeface="Arial Rounded MT Bold" panose="020F0704030504030204" pitchFamily="34" charset="0"/>
+              </a:rPr>
+            </a:br>
+            <a:r>
+              <a:rPr lang="en-US" sz="15000" b="1" dirty="0">
+                <a:solidFill>
+                  <a:srgbClr val="00B050"/>
+                </a:solidFill>
+                <a:latin typeface="Arial Rounded MT Bold" panose="020F0704030504030204" pitchFamily="34" charset="0"/>
+              </a:rPr>
+              <a:t>function</a:t>
+            </a:r>
+            <a:endParaRPr lang="en-US" sz="15000" dirty="0">
+              <a:latin typeface="Cascadia Code SemiBold" panose="020B0609020000020004" pitchFamily="49" charset="0"/>
+              <a:ea typeface="Cascadia Code SemiBold" panose="020B0609020000020004" pitchFamily="49" charset="0"/>
+              <a:cs typeface="Cascadia Code SemiBold" panose="020B0609020000020004" pitchFamily="49" charset="0"/>
+            </a:endParaRPr>
           </a:p>
         </p:txBody>
       </p:sp>
     </p:spTree>
     <p:extLst>
       <p:ext uri="{BB962C8B-B14F-4D97-AF65-F5344CB8AC3E}">
-        <p14:creationId xmlns:p14="http://schemas.microsoft.com/office/powerpoint/2010/main" val="2489983879"/>
+        <p14:creationId xmlns:p14="http://schemas.microsoft.com/office/powerpoint/2010/main" val="3719968240"/>
+      </p:ext>
+    </p:extLst>
+  </p:cSld>
+  <p:clrMapOvr>
+    <a:masterClrMapping/>
+  </p:clrMapOvr>
+</p:sld>
+</file>
+
+<file path=ppt/slides/slide16.xml><?xml version="1.0" encoding="utf-8"?>
+<p:sld xmlns:a="http://schemas.openxmlformats.org/drawingml/2006/main" xmlns:r="http://schemas.openxmlformats.org/officeDocument/2006/relationships" xmlns:p="http://schemas.openxmlformats.org/presentationml/2006/main">
+  <p:cSld>
+    <p:spTree>
+      <p:nvGrpSpPr>
+        <p:cNvPr id="1" name="">
+          <a:extLst>
+            <a:ext uri="{FF2B5EF4-FFF2-40B4-BE49-F238E27FC236}">
+              <a16:creationId xmlns:a16="http://schemas.microsoft.com/office/drawing/2014/main" id="{1C6905AD-F7A2-BFDE-08B0-9D6065ED81A1}"/>
+            </a:ext>
+          </a:extLst>
+        </p:cNvPr>
+        <p:cNvGrpSpPr/>
+        <p:nvPr/>
+      </p:nvGrpSpPr>
+      <p:grpSpPr>
+        <a:xfrm>
+          <a:off x="0" y="0"/>
+          <a:ext cx="0" cy="0"/>
+          <a:chOff x="0" y="0"/>
+          <a:chExt cx="0" cy="0"/>
+        </a:xfrm>
+      </p:grpSpPr>
+      <p:sp>
+        <p:nvSpPr>
+          <p:cNvPr id="2" name="Title 1">
+            <a:extLst>
+              <a:ext uri="{FF2B5EF4-FFF2-40B4-BE49-F238E27FC236}">
+                <a16:creationId xmlns:a16="http://schemas.microsoft.com/office/drawing/2014/main" id="{0DF087FA-057B-8E65-2096-695F97BAF31D}"/>
+              </a:ext>
+            </a:extLst>
+          </p:cNvPr>
+          <p:cNvSpPr>
+            <a:spLocks noGrp="1"/>
+          </p:cNvSpPr>
+          <p:nvPr>
+            <p:ph type="ctrTitle"/>
+          </p:nvPr>
+        </p:nvSpPr>
+        <p:spPr>
+          <a:xfrm>
+            <a:off x="0" y="-519142"/>
+            <a:ext cx="3720548" cy="438771"/>
+          </a:xfrm>
+        </p:spPr>
+        <p:txBody>
+          <a:bodyPr>
+            <a:normAutofit/>
+          </a:bodyPr>
+          <a:lstStyle/>
+          <a:p>
+            <a:pPr algn="l"/>
+            <a:r>
+              <a:rPr lang="en-US" sz="2400" dirty="0">
+                <a:solidFill>
+                  <a:schemeClr val="bg1"/>
+                </a:solidFill>
+              </a:rPr>
+              <a:t>Types – chapter 6</a:t>
+            </a:r>
+            <a:endParaRPr lang="en-IN" sz="2400" dirty="0">
+              <a:solidFill>
+                <a:schemeClr val="bg1"/>
+              </a:solidFill>
+            </a:endParaRPr>
+          </a:p>
+        </p:txBody>
+      </p:sp>
+      <p:pic>
+        <p:nvPicPr>
+          <p:cNvPr id="1026" name="Picture 2" descr="Typescript - Free logo icons">
+            <a:extLst>
+              <a:ext uri="{FF2B5EF4-FFF2-40B4-BE49-F238E27FC236}">
+                <a16:creationId xmlns:a16="http://schemas.microsoft.com/office/drawing/2014/main" id="{FBFCDDC4-F86A-1786-E670-A8B0D2693941}"/>
+              </a:ext>
+            </a:extLst>
+          </p:cNvPr>
+          <p:cNvPicPr>
+            <a:picLocks noChangeAspect="1" noChangeArrowheads="1"/>
+          </p:cNvPicPr>
+          <p:nvPr/>
+        </p:nvPicPr>
+        <p:blipFill>
+          <a:blip r:embed="rId2">
+            <a:extLst>
+              <a:ext uri="{28A0092B-C50C-407E-A947-70E740481C1C}">
+                <a14:useLocalDpi xmlns:a14="http://schemas.microsoft.com/office/drawing/2010/main" val="0"/>
+              </a:ext>
+            </a:extLst>
+          </a:blip>
+          <a:srcRect/>
+          <a:stretch>
+            <a:fillRect/>
+          </a:stretch>
+        </p:blipFill>
+        <p:spPr bwMode="auto">
+          <a:xfrm>
+            <a:off x="379672" y="867819"/>
+            <a:ext cx="2441331" cy="2441331"/>
+          </a:xfrm>
+          <a:prstGeom prst="rect">
+            <a:avLst/>
+          </a:prstGeom>
+          <a:noFill/>
+          <a:extLst>
+            <a:ext uri="{909E8E84-426E-40DD-AFC4-6F175D3DCCD1}">
+              <a14:hiddenFill xmlns:a14="http://schemas.microsoft.com/office/drawing/2010/main">
+                <a:solidFill>
+                  <a:srgbClr val="FFFFFF"/>
+                </a:solidFill>
+              </a14:hiddenFill>
+            </a:ext>
+          </a:extLst>
+        </p:spPr>
+      </p:pic>
+      <p:sp>
+        <p:nvSpPr>
+          <p:cNvPr id="3" name="TextBox 2">
+            <a:extLst>
+              <a:ext uri="{FF2B5EF4-FFF2-40B4-BE49-F238E27FC236}">
+                <a16:creationId xmlns:a16="http://schemas.microsoft.com/office/drawing/2014/main" id="{7AD4D6D5-BFFF-E370-977E-4204B2F653BF}"/>
+              </a:ext>
+            </a:extLst>
+          </p:cNvPr>
+          <p:cNvSpPr txBox="1"/>
+          <p:nvPr/>
+        </p:nvSpPr>
+        <p:spPr>
+          <a:xfrm>
+            <a:off x="3202516" y="1985711"/>
+            <a:ext cx="6760941" cy="1323439"/>
+          </a:xfrm>
+          <a:prstGeom prst="rect">
+            <a:avLst/>
+          </a:prstGeom>
+          <a:noFill/>
+        </p:spPr>
+        <p:txBody>
+          <a:bodyPr wrap="square" rtlCol="0">
+            <a:spAutoFit/>
+          </a:bodyPr>
+          <a:lstStyle/>
+          <a:p>
+            <a:r>
+              <a:rPr lang="en-US" sz="8000" dirty="0">
+                <a:solidFill>
+                  <a:srgbClr val="0037DA"/>
+                </a:solidFill>
+                <a:latin typeface="Segoe UI Variable Text Semibold" pitchFamily="2" charset="0"/>
+              </a:rPr>
+              <a:t>TypeScript</a:t>
+            </a:r>
+            <a:endParaRPr lang="en-IN" sz="8000" b="1" dirty="0">
+              <a:latin typeface="Bahnschrift SemiBold SemiConden" panose="020B0502040204020203" pitchFamily="34" charset="0"/>
+            </a:endParaRPr>
+          </a:p>
+        </p:txBody>
+      </p:sp>
+      <p:sp>
+        <p:nvSpPr>
+          <p:cNvPr id="10" name="TextBox 9">
+            <a:extLst>
+              <a:ext uri="{FF2B5EF4-FFF2-40B4-BE49-F238E27FC236}">
+                <a16:creationId xmlns:a16="http://schemas.microsoft.com/office/drawing/2014/main" id="{CB5CB7DB-DCD4-9650-A64E-58E5F725517D}"/>
+              </a:ext>
+            </a:extLst>
+          </p:cNvPr>
+          <p:cNvSpPr txBox="1"/>
+          <p:nvPr/>
+        </p:nvSpPr>
+        <p:spPr>
+          <a:xfrm>
+            <a:off x="6905832" y="144544"/>
+            <a:ext cx="4429418" cy="1446550"/>
+          </a:xfrm>
+          <a:prstGeom prst="rect">
+            <a:avLst/>
+          </a:prstGeom>
+          <a:noFill/>
+        </p:spPr>
+        <p:txBody>
+          <a:bodyPr wrap="none" rtlCol="0">
+            <a:spAutoFit/>
+          </a:bodyPr>
+          <a:lstStyle/>
+          <a:p>
+            <a:r>
+              <a:rPr lang="en-US" sz="8800" b="1" dirty="0">
+                <a:solidFill>
+                  <a:schemeClr val="tx1">
+                    <a:lumMod val="95000"/>
+                    <a:lumOff val="5000"/>
+                  </a:schemeClr>
+                </a:solidFill>
+                <a:latin typeface="Bahnschrift SemiBold SemiConden" panose="020B0502040204020203" pitchFamily="34" charset="0"/>
+              </a:rPr>
+              <a:t>Chapter 7</a:t>
+            </a:r>
+            <a:endParaRPr lang="en-IN" sz="8800" dirty="0">
+              <a:solidFill>
+                <a:schemeClr val="tx1">
+                  <a:lumMod val="95000"/>
+                  <a:lumOff val="5000"/>
+                </a:schemeClr>
+              </a:solidFill>
+            </a:endParaRPr>
+          </a:p>
+        </p:txBody>
+      </p:sp>
+      <p:sp>
+        <p:nvSpPr>
+          <p:cNvPr id="4" name="TextBox 3">
+            <a:extLst>
+              <a:ext uri="{FF2B5EF4-FFF2-40B4-BE49-F238E27FC236}">
+                <a16:creationId xmlns:a16="http://schemas.microsoft.com/office/drawing/2014/main" id="{364A4F67-221F-1BF3-DC29-8AE35ED2FC8F}"/>
+              </a:ext>
+            </a:extLst>
+          </p:cNvPr>
+          <p:cNvSpPr txBox="1"/>
+          <p:nvPr/>
+        </p:nvSpPr>
+        <p:spPr>
+          <a:xfrm>
+            <a:off x="290647" y="3837086"/>
+            <a:ext cx="11610706" cy="1703159"/>
+          </a:xfrm>
+          <a:prstGeom prst="rect">
+            <a:avLst/>
+          </a:prstGeom>
+          <a:noFill/>
+        </p:spPr>
+        <p:txBody>
+          <a:bodyPr wrap="square" rtlCol="0">
+            <a:spAutoFit/>
+          </a:bodyPr>
+          <a:lstStyle/>
+          <a:p>
+            <a:pPr algn="ctr">
+              <a:lnSpc>
+                <a:spcPts val="12000"/>
+              </a:lnSpc>
+            </a:pPr>
+            <a:r>
+              <a:rPr lang="en-US" sz="8000" b="1" dirty="0">
+                <a:latin typeface="Bahnschrift SemiCondensed" panose="020B0502040204020203" pitchFamily="34" charset="0"/>
+              </a:rPr>
+              <a:t>What is </a:t>
+            </a:r>
+            <a:r>
+              <a:rPr lang="en-US" sz="15000" b="1" dirty="0">
+                <a:solidFill>
+                  <a:srgbClr val="00B050"/>
+                </a:solidFill>
+                <a:latin typeface="Arial Rounded MT Bold" panose="020F0704030504030204" pitchFamily="34" charset="0"/>
+              </a:rPr>
+              <a:t>:any</a:t>
+            </a:r>
+            <a:r>
+              <a:rPr lang="en-US" sz="8000" b="1" dirty="0">
+                <a:latin typeface="Bahnschrift SemiCondensed" panose="020B0502040204020203" pitchFamily="34" charset="0"/>
+              </a:rPr>
+              <a:t>?</a:t>
+            </a:r>
+            <a:endParaRPr lang="en-US" sz="8000" dirty="0">
+              <a:latin typeface="Bahnschrift SemiCondensed" panose="020B0502040204020203" pitchFamily="34" charset="0"/>
+              <a:ea typeface="Cascadia Code SemiBold" panose="020B0609020000020004" pitchFamily="49" charset="0"/>
+              <a:cs typeface="Cascadia Code SemiBold" panose="020B0609020000020004" pitchFamily="49" charset="0"/>
+            </a:endParaRPr>
+          </a:p>
+        </p:txBody>
+      </p:sp>
+    </p:spTree>
+    <p:extLst>
+      <p:ext uri="{BB962C8B-B14F-4D97-AF65-F5344CB8AC3E}">
+        <p14:creationId xmlns:p14="http://schemas.microsoft.com/office/powerpoint/2010/main" val="2090097797"/>
+      </p:ext>
+    </p:extLst>
+  </p:cSld>
+  <p:clrMapOvr>
+    <a:masterClrMapping/>
+  </p:clrMapOvr>
+</p:sld>
+</file>
+
+<file path=ppt/slides/slide17.xml><?xml version="1.0" encoding="utf-8"?>
+<p:sld xmlns:a="http://schemas.openxmlformats.org/drawingml/2006/main" xmlns:r="http://schemas.openxmlformats.org/officeDocument/2006/relationships" xmlns:p="http://schemas.openxmlformats.org/presentationml/2006/main">
+  <p:cSld>
+    <p:spTree>
+      <p:nvGrpSpPr>
+        <p:cNvPr id="1" name="">
+          <a:extLst>
+            <a:ext uri="{FF2B5EF4-FFF2-40B4-BE49-F238E27FC236}">
+              <a16:creationId xmlns:a16="http://schemas.microsoft.com/office/drawing/2014/main" id="{15C86D83-EEE2-C589-2551-6788D100BA03}"/>
+            </a:ext>
+          </a:extLst>
+        </p:cNvPr>
+        <p:cNvGrpSpPr/>
+        <p:nvPr/>
+      </p:nvGrpSpPr>
+      <p:grpSpPr>
+        <a:xfrm>
+          <a:off x="0" y="0"/>
+          <a:ext cx="0" cy="0"/>
+          <a:chOff x="0" y="0"/>
+          <a:chExt cx="0" cy="0"/>
+        </a:xfrm>
+      </p:grpSpPr>
+      <p:sp>
+        <p:nvSpPr>
+          <p:cNvPr id="2" name="Title 1">
+            <a:extLst>
+              <a:ext uri="{FF2B5EF4-FFF2-40B4-BE49-F238E27FC236}">
+                <a16:creationId xmlns:a16="http://schemas.microsoft.com/office/drawing/2014/main" id="{C2B3C90A-ACA3-100C-EFD2-4A82FEB7C4AD}"/>
+              </a:ext>
+            </a:extLst>
+          </p:cNvPr>
+          <p:cNvSpPr>
+            <a:spLocks noGrp="1"/>
+          </p:cNvSpPr>
+          <p:nvPr>
+            <p:ph type="ctrTitle"/>
+          </p:nvPr>
+        </p:nvSpPr>
+        <p:spPr>
+          <a:xfrm>
+            <a:off x="0" y="-519142"/>
+            <a:ext cx="3720548" cy="438771"/>
+          </a:xfrm>
+        </p:spPr>
+        <p:txBody>
+          <a:bodyPr>
+            <a:normAutofit/>
+          </a:bodyPr>
+          <a:lstStyle/>
+          <a:p>
+            <a:pPr algn="l"/>
+            <a:r>
+              <a:rPr lang="en-US" sz="2400" dirty="0">
+                <a:solidFill>
+                  <a:schemeClr val="bg1"/>
+                </a:solidFill>
+              </a:rPr>
+              <a:t>Types – chapter 6</a:t>
+            </a:r>
+            <a:endParaRPr lang="en-IN" sz="2400" dirty="0">
+              <a:solidFill>
+                <a:schemeClr val="bg1"/>
+              </a:solidFill>
+            </a:endParaRPr>
+          </a:p>
+        </p:txBody>
+      </p:sp>
+      <p:pic>
+        <p:nvPicPr>
+          <p:cNvPr id="1026" name="Picture 2" descr="Typescript - Free logo icons">
+            <a:extLst>
+              <a:ext uri="{FF2B5EF4-FFF2-40B4-BE49-F238E27FC236}">
+                <a16:creationId xmlns:a16="http://schemas.microsoft.com/office/drawing/2014/main" id="{F3ADB775-E87E-8C7C-8797-20803BB0AF63}"/>
+              </a:ext>
+            </a:extLst>
+          </p:cNvPr>
+          <p:cNvPicPr>
+            <a:picLocks noChangeAspect="1" noChangeArrowheads="1"/>
+          </p:cNvPicPr>
+          <p:nvPr/>
+        </p:nvPicPr>
+        <p:blipFill>
+          <a:blip r:embed="rId2">
+            <a:extLst>
+              <a:ext uri="{28A0092B-C50C-407E-A947-70E740481C1C}">
+                <a14:useLocalDpi xmlns:a14="http://schemas.microsoft.com/office/drawing/2010/main" val="0"/>
+              </a:ext>
+            </a:extLst>
+          </a:blip>
+          <a:srcRect/>
+          <a:stretch>
+            <a:fillRect/>
+          </a:stretch>
+        </p:blipFill>
+        <p:spPr bwMode="auto">
+          <a:xfrm>
+            <a:off x="379672" y="867819"/>
+            <a:ext cx="2441331" cy="2441331"/>
+          </a:xfrm>
+          <a:prstGeom prst="rect">
+            <a:avLst/>
+          </a:prstGeom>
+          <a:noFill/>
+          <a:extLst>
+            <a:ext uri="{909E8E84-426E-40DD-AFC4-6F175D3DCCD1}">
+              <a14:hiddenFill xmlns:a14="http://schemas.microsoft.com/office/drawing/2010/main">
+                <a:solidFill>
+                  <a:srgbClr val="FFFFFF"/>
+                </a:solidFill>
+              </a14:hiddenFill>
+            </a:ext>
+          </a:extLst>
+        </p:spPr>
+      </p:pic>
+      <p:sp>
+        <p:nvSpPr>
+          <p:cNvPr id="3" name="TextBox 2">
+            <a:extLst>
+              <a:ext uri="{FF2B5EF4-FFF2-40B4-BE49-F238E27FC236}">
+                <a16:creationId xmlns:a16="http://schemas.microsoft.com/office/drawing/2014/main" id="{3684E3F7-1D4C-5888-9A06-8A2DE14BF40A}"/>
+              </a:ext>
+            </a:extLst>
+          </p:cNvPr>
+          <p:cNvSpPr txBox="1"/>
+          <p:nvPr/>
+        </p:nvSpPr>
+        <p:spPr>
+          <a:xfrm>
+            <a:off x="3202516" y="1985711"/>
+            <a:ext cx="6760941" cy="1323439"/>
+          </a:xfrm>
+          <a:prstGeom prst="rect">
+            <a:avLst/>
+          </a:prstGeom>
+          <a:noFill/>
+        </p:spPr>
+        <p:txBody>
+          <a:bodyPr wrap="square" rtlCol="0">
+            <a:spAutoFit/>
+          </a:bodyPr>
+          <a:lstStyle/>
+          <a:p>
+            <a:r>
+              <a:rPr lang="en-US" sz="8000" dirty="0">
+                <a:solidFill>
+                  <a:srgbClr val="0037DA"/>
+                </a:solidFill>
+                <a:latin typeface="Segoe UI Variable Text Semibold" pitchFamily="2" charset="0"/>
+              </a:rPr>
+              <a:t>TypeScript</a:t>
+            </a:r>
+            <a:endParaRPr lang="en-IN" sz="8000" b="1" dirty="0">
+              <a:latin typeface="Bahnschrift SemiBold SemiConden" panose="020B0502040204020203" pitchFamily="34" charset="0"/>
+            </a:endParaRPr>
+          </a:p>
+        </p:txBody>
+      </p:sp>
+      <p:sp>
+        <p:nvSpPr>
+          <p:cNvPr id="10" name="TextBox 9">
+            <a:extLst>
+              <a:ext uri="{FF2B5EF4-FFF2-40B4-BE49-F238E27FC236}">
+                <a16:creationId xmlns:a16="http://schemas.microsoft.com/office/drawing/2014/main" id="{2F802264-F2FC-F180-F09C-E03615BCB2BD}"/>
+              </a:ext>
+            </a:extLst>
+          </p:cNvPr>
+          <p:cNvSpPr txBox="1"/>
+          <p:nvPr/>
+        </p:nvSpPr>
+        <p:spPr>
+          <a:xfrm>
+            <a:off x="6905832" y="144544"/>
+            <a:ext cx="4429418" cy="1446550"/>
+          </a:xfrm>
+          <a:prstGeom prst="rect">
+            <a:avLst/>
+          </a:prstGeom>
+          <a:noFill/>
+        </p:spPr>
+        <p:txBody>
+          <a:bodyPr wrap="none" rtlCol="0">
+            <a:spAutoFit/>
+          </a:bodyPr>
+          <a:lstStyle/>
+          <a:p>
+            <a:r>
+              <a:rPr lang="en-US" sz="8800" b="1" dirty="0">
+                <a:solidFill>
+                  <a:schemeClr val="tx1">
+                    <a:lumMod val="95000"/>
+                    <a:lumOff val="5000"/>
+                  </a:schemeClr>
+                </a:solidFill>
+                <a:latin typeface="Bahnschrift SemiBold SemiConden" panose="020B0502040204020203" pitchFamily="34" charset="0"/>
+              </a:rPr>
+              <a:t>Chapter 8</a:t>
+            </a:r>
+            <a:endParaRPr lang="en-IN" sz="8800" dirty="0">
+              <a:solidFill>
+                <a:schemeClr val="tx1">
+                  <a:lumMod val="95000"/>
+                  <a:lumOff val="5000"/>
+                </a:schemeClr>
+              </a:solidFill>
+            </a:endParaRPr>
+          </a:p>
+        </p:txBody>
+      </p:sp>
+      <p:sp>
+        <p:nvSpPr>
+          <p:cNvPr id="4" name="TextBox 3">
+            <a:extLst>
+              <a:ext uri="{FF2B5EF4-FFF2-40B4-BE49-F238E27FC236}">
+                <a16:creationId xmlns:a16="http://schemas.microsoft.com/office/drawing/2014/main" id="{4C57DBE0-4CCA-95F4-00DC-24DDF473828E}"/>
+              </a:ext>
+            </a:extLst>
+          </p:cNvPr>
+          <p:cNvSpPr txBox="1"/>
+          <p:nvPr/>
+        </p:nvSpPr>
+        <p:spPr>
+          <a:xfrm>
+            <a:off x="290647" y="3548851"/>
+            <a:ext cx="11610706" cy="2401427"/>
+          </a:xfrm>
+          <a:prstGeom prst="rect">
+            <a:avLst/>
+          </a:prstGeom>
+          <a:noFill/>
+        </p:spPr>
+        <p:txBody>
+          <a:bodyPr wrap="square" rtlCol="0" anchor="b">
+            <a:spAutoFit/>
+          </a:bodyPr>
+          <a:lstStyle/>
+          <a:p>
+            <a:pPr algn="ctr">
+              <a:lnSpc>
+                <a:spcPts val="9000"/>
+              </a:lnSpc>
+            </a:pPr>
+            <a:r>
+              <a:rPr lang="en-US" sz="8000" b="1" dirty="0">
+                <a:latin typeface="Bahnschrift SemiCondensed" panose="020B0502040204020203" pitchFamily="34" charset="0"/>
+              </a:rPr>
+              <a:t>Optional Annotation</a:t>
+            </a:r>
+            <a:br>
+              <a:rPr lang="en-US" sz="8000" b="1" dirty="0">
+                <a:latin typeface="Bahnschrift SemiCondensed" panose="020B0502040204020203" pitchFamily="34" charset="0"/>
+              </a:rPr>
+            </a:br>
+            <a:r>
+              <a:rPr lang="en-US" sz="9600" b="1" dirty="0">
+                <a:solidFill>
+                  <a:srgbClr val="00B050"/>
+                </a:solidFill>
+                <a:latin typeface="Arial Rounded MT Bold" panose="020F0704030504030204" pitchFamily="34" charset="0"/>
+              </a:rPr>
+              <a:t>: </a:t>
+            </a:r>
+            <a:r>
+              <a:rPr lang="en-US" sz="9600" b="1" dirty="0" err="1">
+                <a:solidFill>
+                  <a:srgbClr val="00B050"/>
+                </a:solidFill>
+                <a:latin typeface="Arial Rounded MT Bold" panose="020F0704030504030204" pitchFamily="34" charset="0"/>
+              </a:rPr>
+              <a:t>boolean</a:t>
+            </a:r>
+            <a:r>
+              <a:rPr lang="en-US" sz="9600" b="1" dirty="0">
+                <a:solidFill>
+                  <a:srgbClr val="00B050"/>
+                </a:solidFill>
+                <a:latin typeface="Arial Rounded MT Bold" panose="020F0704030504030204" pitchFamily="34" charset="0"/>
+              </a:rPr>
+              <a:t> </a:t>
+            </a:r>
+            <a:r>
+              <a:rPr lang="en-US" sz="9600" b="1" dirty="0">
+                <a:latin typeface="Arial Rounded MT Bold" panose="020F0704030504030204" pitchFamily="34" charset="0"/>
+              </a:rPr>
+              <a:t>|</a:t>
+            </a:r>
+            <a:r>
+              <a:rPr lang="en-US" sz="9600" b="1" dirty="0">
+                <a:solidFill>
+                  <a:srgbClr val="00B050"/>
+                </a:solidFill>
+                <a:latin typeface="Arial Rounded MT Bold" panose="020F0704030504030204" pitchFamily="34" charset="0"/>
+              </a:rPr>
+              <a:t> number</a:t>
+            </a:r>
+            <a:endParaRPr lang="en-US" sz="8000" dirty="0">
+              <a:latin typeface="ADLaM Display" panose="02010000000000000000" pitchFamily="2" charset="0"/>
+              <a:ea typeface="ADLaM Display" panose="02010000000000000000" pitchFamily="2" charset="0"/>
+              <a:cs typeface="ADLaM Display" panose="02010000000000000000" pitchFamily="2" charset="0"/>
+            </a:endParaRPr>
+          </a:p>
+        </p:txBody>
+      </p:sp>
+    </p:spTree>
+    <p:extLst>
+      <p:ext uri="{BB962C8B-B14F-4D97-AF65-F5344CB8AC3E}">
+        <p14:creationId xmlns:p14="http://schemas.microsoft.com/office/powerpoint/2010/main" val="379910381"/>
       </p:ext>
     </p:extLst>
   </p:cSld>
